--- a/masterthesis_presentation.pptx
+++ b/masterthesis_presentation.pptx
@@ -5,29 +5,51 @@
     <p:sldMasterId id="2147484690" r:id="rId2"/>
   </p:sldMasterIdLst>
   <p:notesMasterIdLst>
-    <p:notesMasterId r:id="rId15"/>
+    <p:notesMasterId r:id="rId37"/>
   </p:notesMasterIdLst>
   <p:handoutMasterIdLst>
-    <p:handoutMasterId r:id="rId16"/>
+    <p:handoutMasterId r:id="rId38"/>
   </p:handoutMasterIdLst>
   <p:sldIdLst>
     <p:sldId id="256" r:id="rId3"/>
     <p:sldId id="258" r:id="rId4"/>
     <p:sldId id="257" r:id="rId5"/>
     <p:sldId id="269" r:id="rId6"/>
-    <p:sldId id="262" r:id="rId7"/>
-    <p:sldId id="263" r:id="rId8"/>
-    <p:sldId id="264" r:id="rId9"/>
-    <p:sldId id="270" r:id="rId10"/>
-    <p:sldId id="266" r:id="rId11"/>
-    <p:sldId id="267" r:id="rId12"/>
-    <p:sldId id="268" r:id="rId13"/>
-    <p:sldId id="261" r:id="rId14"/>
+    <p:sldId id="283" r:id="rId7"/>
+    <p:sldId id="262" r:id="rId8"/>
+    <p:sldId id="273" r:id="rId9"/>
+    <p:sldId id="263" r:id="rId10"/>
+    <p:sldId id="264" r:id="rId11"/>
+    <p:sldId id="270" r:id="rId12"/>
+    <p:sldId id="275" r:id="rId13"/>
+    <p:sldId id="274" r:id="rId14"/>
+    <p:sldId id="281" r:id="rId15"/>
+    <p:sldId id="277" r:id="rId16"/>
+    <p:sldId id="278" r:id="rId17"/>
+    <p:sldId id="279" r:id="rId18"/>
+    <p:sldId id="280" r:id="rId19"/>
+    <p:sldId id="282" r:id="rId20"/>
+    <p:sldId id="284" r:id="rId21"/>
+    <p:sldId id="293" r:id="rId22"/>
+    <p:sldId id="285" r:id="rId23"/>
+    <p:sldId id="286" r:id="rId24"/>
+    <p:sldId id="287" r:id="rId25"/>
+    <p:sldId id="288" r:id="rId26"/>
+    <p:sldId id="289" r:id="rId27"/>
+    <p:sldId id="290" r:id="rId28"/>
+    <p:sldId id="291" r:id="rId29"/>
+    <p:sldId id="267" r:id="rId30"/>
+    <p:sldId id="276" r:id="rId31"/>
+    <p:sldId id="292" r:id="rId32"/>
+    <p:sldId id="268" r:id="rId33"/>
+    <p:sldId id="271" r:id="rId34"/>
+    <p:sldId id="272" r:id="rId35"/>
+    <p:sldId id="261" r:id="rId36"/>
   </p:sldIdLst>
   <p:sldSz cx="9144000" cy="6858000" type="screen4x3"/>
   <p:notesSz cx="6858000" cy="9144000"/>
   <p:custDataLst>
-    <p:tags r:id="rId17"/>
+    <p:tags r:id="rId39"/>
   </p:custDataLst>
   <p:defaultTextStyle>
     <a:defPPr>
@@ -274,7 +296,7 @@
           <a:p>
             <a:fld id="{26448CE7-F071-4276-BE9E-FC0ADCD255DE}" type="datetimeFigureOut">
               <a:rPr lang="de-CH" smtClean="0"/>
-              <a:t>20.02.17</a:t>
+              <a:t>28.02.17</a:t>
             </a:fld>
             <a:endParaRPr lang="de-CH" dirty="0"/>
           </a:p>
@@ -408,7 +430,7 @@
           <a:p>
             <a:fld id="{17B6C743-A10E-47C8-BC59-1F4C5357CECD}" type="datetimeFigureOut">
               <a:rPr lang="de-CH" smtClean="0"/>
-              <a:t>20.02.17</a:t>
+              <a:t>28.02.17</a:t>
             </a:fld>
             <a:endParaRPr lang="de-CH" dirty="0"/>
           </a:p>
@@ -992,7 +1014,7 @@
             <a:fld id="{658E930A-5398-49B6-87A7-9857631F53A7}" type="slidenum">
               <a:rPr lang="de-CH" smtClean="0"/>
               <a:pPr/>
-              <a:t>11</a:t>
+              <a:t>31</a:t>
             </a:fld>
             <a:endParaRPr lang="de-CH" dirty="0"/>
           </a:p>
@@ -1795,7 +1817,7 @@
           <a:p>
             <a:fld id="{3DA8AD82-44AD-4D66-AD7B-1F36F7CE3655}" type="datetime1">
               <a:rPr lang="de-CH" smtClean="0"/>
-              <a:t>20.02.17</a:t>
+              <a:t>28.02.17</a:t>
             </a:fld>
             <a:endParaRPr lang="de-CH" dirty="0"/>
           </a:p>
@@ -2096,7 +2118,7 @@
           <a:p>
             <a:fld id="{3DA8AD82-44AD-4D66-AD7B-1F36F7CE3655}" type="datetime1">
               <a:rPr lang="de-CH" smtClean="0"/>
-              <a:t>20.02.17</a:t>
+              <a:t>28.02.17</a:t>
             </a:fld>
             <a:endParaRPr lang="de-CH" dirty="0"/>
           </a:p>
@@ -2616,7 +2638,7 @@
           <a:p>
             <a:fld id="{3DA8AD82-44AD-4D66-AD7B-1F36F7CE3655}" type="datetime1">
               <a:rPr lang="de-CH" smtClean="0"/>
-              <a:t>20.02.17</a:t>
+              <a:t>28.02.17</a:t>
             </a:fld>
             <a:endParaRPr lang="de-CH" dirty="0"/>
           </a:p>
@@ -3127,7 +3149,7 @@
           <a:p>
             <a:fld id="{3DA8AD82-44AD-4D66-AD7B-1F36F7CE3655}" type="datetime1">
               <a:rPr lang="de-CH" smtClean="0"/>
-              <a:t>20.02.17</a:t>
+              <a:t>28.02.17</a:t>
             </a:fld>
             <a:endParaRPr lang="de-CH" dirty="0"/>
           </a:p>
@@ -3637,7 +3659,7 @@
           <a:p>
             <a:fld id="{3DA8AD82-44AD-4D66-AD7B-1F36F7CE3655}" type="datetime1">
               <a:rPr lang="de-CH" smtClean="0"/>
-              <a:t>20.02.17</a:t>
+              <a:t>28.02.17</a:t>
             </a:fld>
             <a:endParaRPr lang="de-CH" dirty="0"/>
           </a:p>
@@ -4137,7 +4159,7 @@
           <a:p>
             <a:fld id="{3DA8AD82-44AD-4D66-AD7B-1F36F7CE3655}" type="datetime1">
               <a:rPr lang="de-CH" smtClean="0"/>
-              <a:t>20.02.17</a:t>
+              <a:t>28.02.17</a:t>
             </a:fld>
             <a:endParaRPr lang="de-CH" dirty="0"/>
           </a:p>
@@ -4808,7 +4830,7 @@
           <a:p>
             <a:fld id="{3DA8AD82-44AD-4D66-AD7B-1F36F7CE3655}" type="datetime1">
               <a:rPr lang="de-CH" smtClean="0"/>
-              <a:t>20.02.17</a:t>
+              <a:t>28.02.17</a:t>
             </a:fld>
             <a:endParaRPr lang="de-CH" dirty="0"/>
           </a:p>
@@ -5142,7 +5164,7 @@
           <a:p>
             <a:fld id="{3DA8AD82-44AD-4D66-AD7B-1F36F7CE3655}" type="datetime1">
               <a:rPr lang="de-CH" smtClean="0"/>
-              <a:t>20.02.17</a:t>
+              <a:t>28.02.17</a:t>
             </a:fld>
             <a:endParaRPr lang="de-CH" dirty="0"/>
           </a:p>
@@ -5619,7 +5641,7 @@
           <a:p>
             <a:fld id="{3DA8AD82-44AD-4D66-AD7B-1F36F7CE3655}" type="datetime1">
               <a:rPr lang="de-CH" smtClean="0"/>
-              <a:t>20.02.17</a:t>
+              <a:t>28.02.17</a:t>
             </a:fld>
             <a:endParaRPr lang="de-CH" dirty="0"/>
           </a:p>
@@ -6093,7 +6115,7 @@
           <a:p>
             <a:fld id="{3DA8AD82-44AD-4D66-AD7B-1F36F7CE3655}" type="datetime1">
               <a:rPr lang="de-CH" smtClean="0"/>
-              <a:t>20.02.17</a:t>
+              <a:t>28.02.17</a:t>
             </a:fld>
             <a:endParaRPr lang="de-CH" dirty="0"/>
           </a:p>
@@ -7237,7 +7259,7 @@
           <a:p>
             <a:fld id="{3DA8AD82-44AD-4D66-AD7B-1F36F7CE3655}" type="datetime1">
               <a:rPr lang="de-CH" smtClean="0"/>
-              <a:t>20.02.17</a:t>
+              <a:t>28.02.17</a:t>
             </a:fld>
             <a:endParaRPr lang="de-CH" dirty="0"/>
           </a:p>
@@ -7661,7 +7683,7 @@
           <a:p>
             <a:fld id="{3DA8AD82-44AD-4D66-AD7B-1F36F7CE3655}" type="datetime1">
               <a:rPr lang="de-CH" smtClean="0"/>
-              <a:t>20.02.17</a:t>
+              <a:t>28.02.17</a:t>
             </a:fld>
             <a:endParaRPr lang="de-CH" dirty="0"/>
           </a:p>
@@ -7993,7 +8015,7 @@
           <a:p>
             <a:fld id="{3DA8AD82-44AD-4D66-AD7B-1F36F7CE3655}" type="datetime1">
               <a:rPr lang="de-CH" smtClean="0"/>
-              <a:t>20.02.17</a:t>
+              <a:t>28.02.17</a:t>
             </a:fld>
             <a:endParaRPr lang="de-CH" dirty="0"/>
           </a:p>
@@ -8474,7 +8496,7 @@
           <a:p>
             <a:fld id="{3DA8AD82-44AD-4D66-AD7B-1F36F7CE3655}" type="datetime1">
               <a:rPr lang="de-CH" smtClean="0"/>
-              <a:t>20.02.17</a:t>
+              <a:t>28.02.17</a:t>
             </a:fld>
             <a:endParaRPr lang="de-CH" dirty="0"/>
           </a:p>
@@ -8955,7 +8977,7 @@
           <a:p>
             <a:fld id="{3DA8AD82-44AD-4D66-AD7B-1F36F7CE3655}" type="datetime1">
               <a:rPr lang="de-CH" smtClean="0"/>
-              <a:t>20.02.17</a:t>
+              <a:t>28.02.17</a:t>
             </a:fld>
             <a:endParaRPr lang="de-CH" dirty="0"/>
           </a:p>
@@ -9436,7 +9458,7 @@
           <a:p>
             <a:fld id="{3DA8AD82-44AD-4D66-AD7B-1F36F7CE3655}" type="datetime1">
               <a:rPr lang="de-CH" smtClean="0"/>
-              <a:t>20.02.17</a:t>
+              <a:t>28.02.17</a:t>
             </a:fld>
             <a:endParaRPr lang="de-CH" dirty="0"/>
           </a:p>
@@ -9969,7 +9991,7 @@
           <a:p>
             <a:fld id="{3DA8AD82-44AD-4D66-AD7B-1F36F7CE3655}" type="datetime1">
               <a:rPr lang="de-CH" smtClean="0"/>
-              <a:t>20.02.17</a:t>
+              <a:t>28.02.17</a:t>
             </a:fld>
             <a:endParaRPr lang="de-CH" dirty="0"/>
           </a:p>
@@ -10368,7 +10390,7 @@
           <a:p>
             <a:fld id="{3DA8AD82-44AD-4D66-AD7B-1F36F7CE3655}" type="datetime1">
               <a:rPr lang="de-CH" smtClean="0"/>
-              <a:t>20.02.17</a:t>
+              <a:t>28.02.17</a:t>
             </a:fld>
             <a:endParaRPr lang="de-CH" dirty="0"/>
           </a:p>
@@ -10724,7 +10746,7 @@
           <a:p>
             <a:fld id="{3DA8AD82-44AD-4D66-AD7B-1F36F7CE3655}" type="datetime1">
               <a:rPr lang="de-CH" smtClean="0"/>
-              <a:t>20.02.17</a:t>
+              <a:t>28.02.17</a:t>
             </a:fld>
             <a:endParaRPr lang="de-CH" dirty="0"/>
           </a:p>
@@ -11107,7 +11129,7 @@
           <a:p>
             <a:fld id="{3DA8AD82-44AD-4D66-AD7B-1F36F7CE3655}" type="datetime1">
               <a:rPr lang="de-CH" smtClean="0"/>
-              <a:t>20.02.17</a:t>
+              <a:t>28.02.17</a:t>
             </a:fld>
             <a:endParaRPr lang="de-CH" dirty="0"/>
           </a:p>
@@ -14690,7 +14712,7 @@
           <a:p>
             <a:fld id="{3DA8AD82-44AD-4D66-AD7B-1F36F7CE3655}" type="datetime1">
               <a:rPr lang="de-CH" smtClean="0"/>
-              <a:t>20.02.17</a:t>
+              <a:t>28.02.17</a:t>
             </a:fld>
             <a:endParaRPr lang="de-CH" dirty="0"/>
           </a:p>
@@ -15068,7 +15090,7 @@
           <a:p>
             <a:fld id="{3DA8AD82-44AD-4D66-AD7B-1F36F7CE3655}" type="datetime1">
               <a:rPr lang="de-CH" smtClean="0"/>
-              <a:t>20.02.17</a:t>
+              <a:t>28.02.17</a:t>
             </a:fld>
             <a:endParaRPr lang="de-CH" dirty="0"/>
           </a:p>
@@ -15626,9 +15648,90 @@
           <a:p>
             <a:r>
               <a:rPr lang="de-DE" dirty="0" smtClean="0"/>
-              <a:t>7. Tools und Technologien</a:t>
+              <a:t>4. Vorgehen - Problematik</a:t>
             </a:r>
             <a:endParaRPr lang="de-DE" dirty="0"/>
+          </a:p>
+        </p:txBody>
+      </p:sp>
+      <p:sp>
+        <p:nvSpPr>
+          <p:cNvPr id="3" name="Content Placeholder 2"/>
+          <p:cNvSpPr>
+            <a:spLocks noGrp="1"/>
+          </p:cNvSpPr>
+          <p:nvPr>
+            <p:ph idx="1"/>
+          </p:nvPr>
+        </p:nvSpPr>
+        <p:spPr/>
+        <p:txBody>
+          <a:bodyPr/>
+          <a:lstStyle/>
+          <a:p>
+            <a:r>
+              <a:rPr lang="de-DE" dirty="0" smtClean="0"/>
+              <a:t>Mit den erfassten Qualitätszielen musste nun die Problematik verstanden und der Begriff “</a:t>
+            </a:r>
+            <a:r>
+              <a:rPr lang="de-DE" dirty="0" err="1" smtClean="0"/>
+              <a:t>Continuous</a:t>
+            </a:r>
+            <a:r>
+              <a:rPr lang="de-DE" dirty="0" smtClean="0"/>
+              <a:t> </a:t>
+            </a:r>
+            <a:r>
+              <a:rPr lang="de-DE" dirty="0" err="1" smtClean="0"/>
+              <a:t>Deployment</a:t>
+            </a:r>
+            <a:r>
+              <a:rPr lang="de-DE" dirty="0" smtClean="0"/>
+              <a:t>“ definiert werden.</a:t>
+            </a:r>
+          </a:p>
+          <a:p>
+            <a:endParaRPr lang="de-DE" dirty="0"/>
+          </a:p>
+          <a:p>
+            <a:r>
+              <a:rPr lang="de-DE" dirty="0" smtClean="0"/>
+              <a:t>Anhand von </a:t>
+            </a:r>
+            <a:r>
+              <a:rPr lang="de-DE" dirty="0"/>
+              <a:t>I</a:t>
+            </a:r>
+            <a:r>
+              <a:rPr lang="de-DE" dirty="0" smtClean="0"/>
+              <a:t>nternet Recherchen und durch besprechen der Ergebnisse konnte die folgende Definition bestimmt werden.</a:t>
+            </a:r>
+          </a:p>
+          <a:p>
+            <a:endParaRPr lang="de-DE" dirty="0"/>
+          </a:p>
+          <a:p>
+            <a:r>
+              <a:rPr lang="de-DE" b="1" dirty="0" err="1" smtClean="0"/>
+              <a:t>Continuous</a:t>
+            </a:r>
+            <a:r>
+              <a:rPr lang="de-DE" b="1" dirty="0" smtClean="0"/>
+              <a:t> </a:t>
+            </a:r>
+            <a:r>
+              <a:rPr lang="de-DE" b="1" dirty="0" err="1" smtClean="0"/>
+              <a:t>Deployment</a:t>
+            </a:r>
+            <a:r>
+              <a:rPr lang="de-DE" b="1" dirty="0"/>
+              <a:t> </a:t>
+            </a:r>
+            <a:r>
+              <a:rPr lang="de-DE" b="1" dirty="0" smtClean="0"/>
+              <a:t>bedeutet die kontinuierliche Aktualisierung von Software ohne Unterbruch des Diensts.</a:t>
+            </a:r>
+            <a:endParaRPr lang="de-DE" b="1" dirty="0" smtClean="0"/>
           </a:p>
         </p:txBody>
       </p:sp>
@@ -15649,7 +15752,7 @@
           <a:p>
             <a:fld id="{3DA8AD82-44AD-4D66-AD7B-1F36F7CE3655}" type="datetime1">
               <a:rPr lang="de-CH" smtClean="0"/>
-              <a:t>20.02.17</a:t>
+              <a:t>28.02.17</a:t>
             </a:fld>
             <a:endParaRPr lang="de-CH" dirty="0"/>
           </a:p>
@@ -15673,6 +15776,3548 @@
             <a:fld id="{FA032481-47EB-4636-94E1-F5CD93B34200}" type="slidenum">
               <a:rPr lang="de-CH" smtClean="0"/>
               <a:t>10</a:t>
+            </a:fld>
+            <a:endParaRPr lang="de-CH" dirty="0"/>
+          </a:p>
+        </p:txBody>
+      </p:sp>
+    </p:spTree>
+    <p:extLst>
+      <p:ext uri="{BB962C8B-B14F-4D97-AF65-F5344CB8AC3E}">
+        <p14:creationId xmlns:p14="http://schemas.microsoft.com/office/powerpoint/2010/main" val="1659023031"/>
+      </p:ext>
+    </p:extLst>
+  </p:cSld>
+  <p:clrMapOvr>
+    <a:masterClrMapping/>
+  </p:clrMapOvr>
+  <mc:AlternateContent xmlns:mc="http://schemas.openxmlformats.org/markup-compatibility/2006" xmlns:p14="http://schemas.microsoft.com/office/powerpoint/2010/main">
+    <mc:Choice Requires="p14">
+      <p:transition spd="med" p14:dur="700">
+        <p:fade/>
+      </p:transition>
+    </mc:Choice>
+    <mc:Fallback xmlns="">
+      <p:transition spd="med">
+        <p:fade/>
+      </p:transition>
+    </mc:Fallback>
+  </mc:AlternateContent>
+</p:sld>
+</file>
+
+<file path=ppt/slides/slide11.xml><?xml version="1.0" encoding="utf-8"?>
+<p:sld xmlns:a="http://schemas.openxmlformats.org/drawingml/2006/main" xmlns:r="http://schemas.openxmlformats.org/officeDocument/2006/relationships" xmlns:p="http://schemas.openxmlformats.org/presentationml/2006/main">
+  <p:cSld>
+    <p:spTree>
+      <p:nvGrpSpPr>
+        <p:cNvPr id="1" name=""/>
+        <p:cNvGrpSpPr/>
+        <p:nvPr/>
+      </p:nvGrpSpPr>
+      <p:grpSpPr>
+        <a:xfrm>
+          <a:off x="0" y="0"/>
+          <a:ext cx="0" cy="0"/>
+          <a:chOff x="0" y="0"/>
+          <a:chExt cx="0" cy="0"/>
+        </a:xfrm>
+      </p:grpSpPr>
+      <p:sp>
+        <p:nvSpPr>
+          <p:cNvPr id="2" name="Title 1"/>
+          <p:cNvSpPr>
+            <a:spLocks noGrp="1"/>
+          </p:cNvSpPr>
+          <p:nvPr>
+            <p:ph type="title"/>
+          </p:nvPr>
+        </p:nvSpPr>
+        <p:spPr/>
+        <p:txBody>
+          <a:bodyPr/>
+          <a:lstStyle/>
+          <a:p>
+            <a:r>
+              <a:rPr lang="de-DE" dirty="0" smtClean="0"/>
+              <a:t>4. Vorgehen - Problematik</a:t>
+            </a:r>
+            <a:endParaRPr lang="de-DE" dirty="0"/>
+          </a:p>
+        </p:txBody>
+      </p:sp>
+      <p:pic>
+        <p:nvPicPr>
+          <p:cNvPr id="6" name="Content Placeholder 5"/>
+          <p:cNvPicPr>
+            <a:picLocks noGrp="1" noChangeAspect="1"/>
+          </p:cNvPicPr>
+          <p:nvPr>
+            <p:ph idx="1"/>
+          </p:nvPr>
+        </p:nvPicPr>
+        <p:blipFill>
+          <a:blip r:embed="rId2">
+            <a:extLst>
+              <a:ext uri="{28A0092B-C50C-407E-A947-70E740481C1C}">
+                <a14:useLocalDpi xmlns:a14="http://schemas.microsoft.com/office/drawing/2010/main" val="0"/>
+              </a:ext>
+            </a:extLst>
+          </a:blip>
+          <a:stretch>
+            <a:fillRect/>
+          </a:stretch>
+        </p:blipFill>
+        <p:spPr>
+          <a:xfrm>
+            <a:off x="1724127" y="1484313"/>
+            <a:ext cx="6054520" cy="4591050"/>
+          </a:xfrm>
+        </p:spPr>
+      </p:pic>
+      <p:sp>
+        <p:nvSpPr>
+          <p:cNvPr id="4" name="Date Placeholder 3"/>
+          <p:cNvSpPr>
+            <a:spLocks noGrp="1"/>
+          </p:cNvSpPr>
+          <p:nvPr>
+            <p:ph type="dt" sz="half" idx="10"/>
+          </p:nvPr>
+        </p:nvSpPr>
+        <p:spPr/>
+        <p:txBody>
+          <a:bodyPr/>
+          <a:lstStyle/>
+          <a:p>
+            <a:fld id="{3DA8AD82-44AD-4D66-AD7B-1F36F7CE3655}" type="datetime1">
+              <a:rPr lang="de-CH" smtClean="0"/>
+              <a:t>28.02.17</a:t>
+            </a:fld>
+            <a:endParaRPr lang="de-CH" dirty="0"/>
+          </a:p>
+        </p:txBody>
+      </p:sp>
+      <p:sp>
+        <p:nvSpPr>
+          <p:cNvPr id="5" name="Slide Number Placeholder 4"/>
+          <p:cNvSpPr>
+            <a:spLocks noGrp="1"/>
+          </p:cNvSpPr>
+          <p:nvPr>
+            <p:ph type="sldNum" sz="quarter" idx="12"/>
+          </p:nvPr>
+        </p:nvSpPr>
+        <p:spPr/>
+        <p:txBody>
+          <a:bodyPr/>
+          <a:lstStyle/>
+          <a:p>
+            <a:fld id="{FA032481-47EB-4636-94E1-F5CD93B34200}" type="slidenum">
+              <a:rPr lang="de-CH" smtClean="0"/>
+              <a:t>11</a:t>
+            </a:fld>
+            <a:endParaRPr lang="de-CH" dirty="0"/>
+          </a:p>
+        </p:txBody>
+      </p:sp>
+    </p:spTree>
+    <p:extLst>
+      <p:ext uri="{BB962C8B-B14F-4D97-AF65-F5344CB8AC3E}">
+        <p14:creationId xmlns:p14="http://schemas.microsoft.com/office/powerpoint/2010/main" val="1415322187"/>
+      </p:ext>
+    </p:extLst>
+  </p:cSld>
+  <p:clrMapOvr>
+    <a:masterClrMapping/>
+  </p:clrMapOvr>
+  <mc:AlternateContent xmlns:mc="http://schemas.openxmlformats.org/markup-compatibility/2006" xmlns:p14="http://schemas.microsoft.com/office/powerpoint/2010/main">
+    <mc:Choice Requires="p14">
+      <p:transition spd="med" p14:dur="700">
+        <p:fade/>
+      </p:transition>
+    </mc:Choice>
+    <mc:Fallback xmlns="">
+      <p:transition spd="med">
+        <p:fade/>
+      </p:transition>
+    </mc:Fallback>
+  </mc:AlternateContent>
+</p:sld>
+</file>
+
+<file path=ppt/slides/slide12.xml><?xml version="1.0" encoding="utf-8"?>
+<p:sld xmlns:a="http://schemas.openxmlformats.org/drawingml/2006/main" xmlns:r="http://schemas.openxmlformats.org/officeDocument/2006/relationships" xmlns:p="http://schemas.openxmlformats.org/presentationml/2006/main">
+  <p:cSld>
+    <p:spTree>
+      <p:nvGrpSpPr>
+        <p:cNvPr id="1" name=""/>
+        <p:cNvGrpSpPr/>
+        <p:nvPr/>
+      </p:nvGrpSpPr>
+      <p:grpSpPr>
+        <a:xfrm>
+          <a:off x="0" y="0"/>
+          <a:ext cx="0" cy="0"/>
+          <a:chOff x="0" y="0"/>
+          <a:chExt cx="0" cy="0"/>
+        </a:xfrm>
+      </p:grpSpPr>
+      <p:sp>
+        <p:nvSpPr>
+          <p:cNvPr id="2" name="Title 1"/>
+          <p:cNvSpPr>
+            <a:spLocks noGrp="1"/>
+          </p:cNvSpPr>
+          <p:nvPr>
+            <p:ph type="title"/>
+          </p:nvPr>
+        </p:nvSpPr>
+        <p:spPr/>
+        <p:txBody>
+          <a:bodyPr/>
+          <a:lstStyle/>
+          <a:p>
+            <a:r>
+              <a:rPr lang="de-DE" dirty="0" smtClean="0"/>
+              <a:t>4. Vorgehen - Teilprobleme</a:t>
+            </a:r>
+            <a:endParaRPr lang="de-DE" dirty="0"/>
+          </a:p>
+        </p:txBody>
+      </p:sp>
+      <p:sp>
+        <p:nvSpPr>
+          <p:cNvPr id="3" name="Content Placeholder 2"/>
+          <p:cNvSpPr>
+            <a:spLocks noGrp="1"/>
+          </p:cNvSpPr>
+          <p:nvPr>
+            <p:ph idx="1"/>
+          </p:nvPr>
+        </p:nvSpPr>
+        <p:spPr/>
+        <p:txBody>
+          <a:bodyPr/>
+          <a:lstStyle/>
+          <a:p>
+            <a:r>
+              <a:rPr lang="de-DE" dirty="0" smtClean="0"/>
+              <a:t>Um eine Lösung zu erarbeiten, wurde die Problematik in unabhängige Teilprobleme aufgeteilt. Dadurch war es einfacher gezielt Varianten zu suchen.</a:t>
+            </a:r>
+          </a:p>
+          <a:p>
+            <a:endParaRPr lang="de-DE" dirty="0"/>
+          </a:p>
+          <a:p>
+            <a:r>
+              <a:rPr lang="de-DE" b="1" dirty="0" err="1" smtClean="0"/>
+              <a:t>Schnittstellenversionierung</a:t>
+            </a:r>
+            <a:r>
+              <a:rPr lang="de-DE" dirty="0" smtClean="0"/>
+              <a:t>: Schnittstellen müssen mehrere Versionen gleichzeitig unterstützen und </a:t>
+            </a:r>
+            <a:r>
+              <a:rPr lang="de-DE" dirty="0" err="1" smtClean="0"/>
+              <a:t>versioniert</a:t>
+            </a:r>
+            <a:r>
+              <a:rPr lang="de-DE" dirty="0" smtClean="0"/>
+              <a:t> sein.</a:t>
+            </a:r>
+            <a:endParaRPr lang="de-DE" dirty="0"/>
+          </a:p>
+          <a:p>
+            <a:r>
+              <a:rPr lang="de-DE" b="1" dirty="0" smtClean="0"/>
+              <a:t>Datenspeicherung</a:t>
+            </a:r>
+            <a:r>
+              <a:rPr lang="de-DE" dirty="0" smtClean="0"/>
+              <a:t>: Die Datenbank muss eine Möglichkeit haben mit mehreren Versionen umzugehen.</a:t>
+            </a:r>
+            <a:endParaRPr lang="de-DE" dirty="0"/>
+          </a:p>
+          <a:p>
+            <a:r>
+              <a:rPr lang="de-DE" b="1" dirty="0" smtClean="0"/>
+              <a:t>Kommunikationsentkopplung: </a:t>
+            </a:r>
+            <a:r>
+              <a:rPr lang="de-DE" dirty="0" smtClean="0"/>
+              <a:t>Asynchrone Kommunikation damit bei einem Unterbruch die Registrierung immer noch möglich ist.</a:t>
+            </a:r>
+            <a:endParaRPr lang="de-DE" dirty="0"/>
+          </a:p>
+          <a:p>
+            <a:r>
+              <a:rPr lang="de-DE" b="1" dirty="0" err="1" smtClean="0"/>
+              <a:t>Konfigurationmanagement</a:t>
+            </a:r>
+            <a:r>
+              <a:rPr lang="de-DE" b="1" dirty="0" smtClean="0"/>
+              <a:t>: </a:t>
+            </a:r>
+            <a:r>
+              <a:rPr lang="de-DE" dirty="0" smtClean="0"/>
+              <a:t>Orchestration und Konfiguration zentralisieren und zur Laufzeit ändern.</a:t>
+            </a:r>
+            <a:endParaRPr lang="de-DE" b="1" dirty="0"/>
+          </a:p>
+        </p:txBody>
+      </p:sp>
+      <p:sp>
+        <p:nvSpPr>
+          <p:cNvPr id="4" name="Date Placeholder 3"/>
+          <p:cNvSpPr>
+            <a:spLocks noGrp="1"/>
+          </p:cNvSpPr>
+          <p:nvPr>
+            <p:ph type="dt" sz="half" idx="10"/>
+          </p:nvPr>
+        </p:nvSpPr>
+        <p:spPr/>
+        <p:txBody>
+          <a:bodyPr/>
+          <a:lstStyle/>
+          <a:p>
+            <a:fld id="{3DA8AD82-44AD-4D66-AD7B-1F36F7CE3655}" type="datetime1">
+              <a:rPr lang="de-CH" smtClean="0"/>
+              <a:t>28.02.17</a:t>
+            </a:fld>
+            <a:endParaRPr lang="de-CH" dirty="0"/>
+          </a:p>
+        </p:txBody>
+      </p:sp>
+      <p:sp>
+        <p:nvSpPr>
+          <p:cNvPr id="5" name="Slide Number Placeholder 4"/>
+          <p:cNvSpPr>
+            <a:spLocks noGrp="1"/>
+          </p:cNvSpPr>
+          <p:nvPr>
+            <p:ph type="sldNum" sz="quarter" idx="12"/>
+          </p:nvPr>
+        </p:nvSpPr>
+        <p:spPr/>
+        <p:txBody>
+          <a:bodyPr/>
+          <a:lstStyle/>
+          <a:p>
+            <a:fld id="{FA032481-47EB-4636-94E1-F5CD93B34200}" type="slidenum">
+              <a:rPr lang="de-CH" smtClean="0"/>
+              <a:t>12</a:t>
+            </a:fld>
+            <a:endParaRPr lang="de-CH" dirty="0"/>
+          </a:p>
+        </p:txBody>
+      </p:sp>
+    </p:spTree>
+    <p:extLst>
+      <p:ext uri="{BB962C8B-B14F-4D97-AF65-F5344CB8AC3E}">
+        <p14:creationId xmlns:p14="http://schemas.microsoft.com/office/powerpoint/2010/main" val="1361616630"/>
+      </p:ext>
+    </p:extLst>
+  </p:cSld>
+  <p:clrMapOvr>
+    <a:masterClrMapping/>
+  </p:clrMapOvr>
+  <mc:AlternateContent xmlns:mc="http://schemas.openxmlformats.org/markup-compatibility/2006" xmlns:p14="http://schemas.microsoft.com/office/powerpoint/2010/main">
+    <mc:Choice Requires="p14">
+      <p:transition spd="med" p14:dur="700">
+        <p:fade/>
+      </p:transition>
+    </mc:Choice>
+    <mc:Fallback xmlns="">
+      <p:transition spd="med">
+        <p:fade/>
+      </p:transition>
+    </mc:Fallback>
+  </mc:AlternateContent>
+</p:sld>
+</file>
+
+<file path=ppt/slides/slide13.xml><?xml version="1.0" encoding="utf-8"?>
+<p:sld xmlns:a="http://schemas.openxmlformats.org/drawingml/2006/main" xmlns:r="http://schemas.openxmlformats.org/officeDocument/2006/relationships" xmlns:p="http://schemas.openxmlformats.org/presentationml/2006/main">
+  <p:cSld>
+    <p:spTree>
+      <p:nvGrpSpPr>
+        <p:cNvPr id="1" name=""/>
+        <p:cNvGrpSpPr/>
+        <p:nvPr/>
+      </p:nvGrpSpPr>
+      <p:grpSpPr>
+        <a:xfrm>
+          <a:off x="0" y="0"/>
+          <a:ext cx="0" cy="0"/>
+          <a:chOff x="0" y="0"/>
+          <a:chExt cx="0" cy="0"/>
+        </a:xfrm>
+      </p:grpSpPr>
+      <p:sp>
+        <p:nvSpPr>
+          <p:cNvPr id="2" name="Title 1"/>
+          <p:cNvSpPr>
+            <a:spLocks noGrp="1"/>
+          </p:cNvSpPr>
+          <p:nvPr>
+            <p:ph type="title"/>
+          </p:nvPr>
+        </p:nvSpPr>
+        <p:spPr/>
+        <p:txBody>
+          <a:bodyPr/>
+          <a:lstStyle/>
+          <a:p>
+            <a:r>
+              <a:rPr lang="de-DE" dirty="0" smtClean="0"/>
+              <a:t>4. Vorgehen -  Bewertungsmatrix</a:t>
+            </a:r>
+            <a:endParaRPr lang="de-DE" dirty="0"/>
+          </a:p>
+        </p:txBody>
+      </p:sp>
+      <p:sp>
+        <p:nvSpPr>
+          <p:cNvPr id="4" name="Date Placeholder 3"/>
+          <p:cNvSpPr>
+            <a:spLocks noGrp="1"/>
+          </p:cNvSpPr>
+          <p:nvPr>
+            <p:ph type="dt" sz="half" idx="10"/>
+          </p:nvPr>
+        </p:nvSpPr>
+        <p:spPr/>
+        <p:txBody>
+          <a:bodyPr/>
+          <a:lstStyle/>
+          <a:p>
+            <a:fld id="{3DA8AD82-44AD-4D66-AD7B-1F36F7CE3655}" type="datetime1">
+              <a:rPr lang="de-CH" smtClean="0"/>
+              <a:t>28.02.17</a:t>
+            </a:fld>
+            <a:endParaRPr lang="de-CH" dirty="0"/>
+          </a:p>
+        </p:txBody>
+      </p:sp>
+      <p:sp>
+        <p:nvSpPr>
+          <p:cNvPr id="5" name="Slide Number Placeholder 4"/>
+          <p:cNvSpPr>
+            <a:spLocks noGrp="1"/>
+          </p:cNvSpPr>
+          <p:nvPr>
+            <p:ph type="sldNum" sz="quarter" idx="12"/>
+          </p:nvPr>
+        </p:nvSpPr>
+        <p:spPr/>
+        <p:txBody>
+          <a:bodyPr/>
+          <a:lstStyle/>
+          <a:p>
+            <a:fld id="{FA032481-47EB-4636-94E1-F5CD93B34200}" type="slidenum">
+              <a:rPr lang="de-CH" smtClean="0"/>
+              <a:t>13</a:t>
+            </a:fld>
+            <a:endParaRPr lang="de-CH" dirty="0"/>
+          </a:p>
+        </p:txBody>
+      </p:sp>
+      <p:sp>
+        <p:nvSpPr>
+          <p:cNvPr id="9" name="Content Placeholder 8"/>
+          <p:cNvSpPr>
+            <a:spLocks noGrp="1"/>
+          </p:cNvSpPr>
+          <p:nvPr>
+            <p:ph idx="1"/>
+          </p:nvPr>
+        </p:nvSpPr>
+        <p:spPr>
+          <a:xfrm>
+            <a:off x="971999" y="1484314"/>
+            <a:ext cx="7560000" cy="3168822"/>
+          </a:xfrm>
+        </p:spPr>
+        <p:txBody>
+          <a:bodyPr/>
+          <a:lstStyle/>
+          <a:p>
+            <a:r>
+              <a:rPr lang="de-DE" dirty="0" smtClean="0"/>
+              <a:t>Qualitätsziele und Szenarien sind für die Bewertungen von Technologien und Bibliotheken nicht geeignet.</a:t>
+            </a:r>
+          </a:p>
+          <a:p>
+            <a:r>
+              <a:rPr lang="de-DE" dirty="0" smtClean="0"/>
+              <a:t>Basierend auf der Idee aus dem CAS Software Architektur wurde eine Bewertungsmatrix erstellt.</a:t>
+            </a:r>
+          </a:p>
+          <a:p>
+            <a:r>
+              <a:rPr lang="de-DE" dirty="0" smtClean="0"/>
+              <a:t>Verschiedene Kriterien wurden aufgenommen und gewichtet.</a:t>
+            </a:r>
+          </a:p>
+          <a:p>
+            <a:r>
+              <a:rPr lang="de-DE" dirty="0" smtClean="0"/>
+              <a:t>Matrix wurde zuerst erstellt um die Kriterien nicht den Lösungen anzupassen und objektiver bewerten zu können.</a:t>
+            </a:r>
+            <a:endParaRPr lang="de-DE" dirty="0"/>
+          </a:p>
+        </p:txBody>
+      </p:sp>
+      <p:graphicFrame>
+        <p:nvGraphicFramePr>
+          <p:cNvPr id="12" name="Object 11"/>
+          <p:cNvGraphicFramePr>
+            <a:graphicFrameLocks noChangeAspect="1"/>
+          </p:cNvGraphicFramePr>
+          <p:nvPr>
+            <p:extLst>
+              <p:ext uri="{D42A27DB-BD31-4B8C-83A1-F6EECF244321}">
+                <p14:modId xmlns:p14="http://schemas.microsoft.com/office/powerpoint/2010/main" val="1944982699"/>
+              </p:ext>
+            </p:extLst>
+          </p:nvPr>
+        </p:nvGraphicFramePr>
+        <p:xfrm>
+          <a:off x="4269399" y="5084780"/>
+          <a:ext cx="965200" cy="609600"/>
+        </p:xfrm>
+        <a:graphic>
+          <a:graphicData uri="http://schemas.openxmlformats.org/presentationml/2006/ole">
+            <mc:AlternateContent xmlns:mc="http://schemas.openxmlformats.org/markup-compatibility/2006">
+              <mc:Choice xmlns:v="urn:schemas-microsoft-com:vml" Requires="v">
+                <p:oleObj spid="_x0000_s1037" name="Worksheet" showAsIcon="1" r:id="rId3" imgW="965200" imgH="609600" progId="Excel.Sheet.8">
+                  <p:embed/>
+                </p:oleObj>
+              </mc:Choice>
+              <mc:Fallback>
+                <p:oleObj name="Worksheet" showAsIcon="1" r:id="rId3" imgW="965200" imgH="609600" progId="Excel.Sheet.8">
+                  <p:embed/>
+                  <p:pic>
+                    <p:nvPicPr>
+                      <p:cNvPr id="0" name=""/>
+                      <p:cNvPicPr/>
+                      <p:nvPr/>
+                    </p:nvPicPr>
+                    <p:blipFill>
+                      <a:blip r:embed="rId4"/>
+                      <a:stretch>
+                        <a:fillRect/>
+                      </a:stretch>
+                    </p:blipFill>
+                    <p:spPr>
+                      <a:xfrm>
+                        <a:off x="4269399" y="5084780"/>
+                        <a:ext cx="965200" cy="609600"/>
+                      </a:xfrm>
+                      <a:prstGeom prst="rect">
+                        <a:avLst/>
+                      </a:prstGeom>
+                    </p:spPr>
+                  </p:pic>
+                </p:oleObj>
+              </mc:Fallback>
+            </mc:AlternateContent>
+          </a:graphicData>
+        </a:graphic>
+      </p:graphicFrame>
+    </p:spTree>
+    <p:extLst>
+      <p:ext uri="{BB962C8B-B14F-4D97-AF65-F5344CB8AC3E}">
+        <p14:creationId xmlns:p14="http://schemas.microsoft.com/office/powerpoint/2010/main" val="809814804"/>
+      </p:ext>
+    </p:extLst>
+  </p:cSld>
+  <p:clrMapOvr>
+    <a:masterClrMapping/>
+  </p:clrMapOvr>
+  <mc:AlternateContent xmlns:mc="http://schemas.openxmlformats.org/markup-compatibility/2006" xmlns:p14="http://schemas.microsoft.com/office/powerpoint/2010/main">
+    <mc:Choice Requires="p14">
+      <p:transition spd="med" p14:dur="700">
+        <p:fade/>
+      </p:transition>
+    </mc:Choice>
+    <mc:Fallback xmlns="">
+      <p:transition spd="med">
+        <p:fade/>
+      </p:transition>
+    </mc:Fallback>
+  </mc:AlternateContent>
+</p:sld>
+</file>
+
+<file path=ppt/slides/slide14.xml><?xml version="1.0" encoding="utf-8"?>
+<p:sld xmlns:a="http://schemas.openxmlformats.org/drawingml/2006/main" xmlns:r="http://schemas.openxmlformats.org/officeDocument/2006/relationships" xmlns:p="http://schemas.openxmlformats.org/presentationml/2006/main">
+  <p:cSld>
+    <p:spTree>
+      <p:nvGrpSpPr>
+        <p:cNvPr id="1" name=""/>
+        <p:cNvGrpSpPr/>
+        <p:nvPr/>
+      </p:nvGrpSpPr>
+      <p:grpSpPr>
+        <a:xfrm>
+          <a:off x="0" y="0"/>
+          <a:ext cx="0" cy="0"/>
+          <a:chOff x="0" y="0"/>
+          <a:chExt cx="0" cy="0"/>
+        </a:xfrm>
+      </p:grpSpPr>
+      <p:sp>
+        <p:nvSpPr>
+          <p:cNvPr id="2" name="Title 1"/>
+          <p:cNvSpPr>
+            <a:spLocks noGrp="1"/>
+          </p:cNvSpPr>
+          <p:nvPr>
+            <p:ph type="title"/>
+          </p:nvPr>
+        </p:nvSpPr>
+        <p:spPr/>
+        <p:txBody>
+          <a:bodyPr/>
+          <a:lstStyle/>
+          <a:p>
+            <a:r>
+              <a:rPr lang="de-DE" dirty="0" smtClean="0"/>
+              <a:t>4. Vorgehen </a:t>
+            </a:r>
+            <a:r>
+              <a:rPr lang="mr-IN" dirty="0" smtClean="0"/>
+              <a:t>–</a:t>
+            </a:r>
+            <a:r>
+              <a:rPr lang="de-DE" dirty="0" smtClean="0"/>
+              <a:t> Varianten: </a:t>
+            </a:r>
+            <a:r>
+              <a:rPr lang="de-DE" dirty="0" err="1" smtClean="0"/>
+              <a:t>Schnittstellenversionierung</a:t>
+            </a:r>
+            <a:endParaRPr lang="de-DE" dirty="0"/>
+          </a:p>
+        </p:txBody>
+      </p:sp>
+      <p:sp>
+        <p:nvSpPr>
+          <p:cNvPr id="3" name="Content Placeholder 2"/>
+          <p:cNvSpPr>
+            <a:spLocks noGrp="1"/>
+          </p:cNvSpPr>
+          <p:nvPr>
+            <p:ph idx="1"/>
+          </p:nvPr>
+        </p:nvSpPr>
+        <p:spPr/>
+        <p:txBody>
+          <a:bodyPr/>
+          <a:lstStyle/>
+          <a:p>
+            <a:r>
+              <a:rPr lang="de-DE" dirty="0" err="1" smtClean="0"/>
+              <a:t>Versionierung</a:t>
+            </a:r>
+            <a:r>
+              <a:rPr lang="de-DE" dirty="0" smtClean="0"/>
+              <a:t> mit Pfad: Die Version der Schnittstelle wird dabei in den URL Pfad geschrieben.</a:t>
+            </a:r>
+          </a:p>
+          <a:p>
+            <a:endParaRPr lang="de-DE" dirty="0"/>
+          </a:p>
+          <a:p>
+            <a:r>
+              <a:rPr lang="de-DE" dirty="0" err="1" smtClean="0"/>
+              <a:t>Versionierung</a:t>
+            </a:r>
+            <a:r>
+              <a:rPr lang="de-DE" dirty="0" smtClean="0"/>
+              <a:t> mit Content-</a:t>
+            </a:r>
+            <a:r>
+              <a:rPr lang="de-DE" dirty="0" err="1" smtClean="0"/>
+              <a:t>Negotiation</a:t>
+            </a:r>
+            <a:r>
+              <a:rPr lang="de-DE" dirty="0" smtClean="0"/>
+              <a:t>: Die </a:t>
+            </a:r>
+            <a:r>
+              <a:rPr lang="de-DE" dirty="0" err="1" smtClean="0"/>
+              <a:t>Versionierung</a:t>
+            </a:r>
+            <a:r>
+              <a:rPr lang="de-DE" dirty="0" smtClean="0"/>
+              <a:t> wird mittels eines HTTP-Headers(</a:t>
+            </a:r>
+            <a:r>
+              <a:rPr lang="de-DE" dirty="0" err="1" smtClean="0"/>
+              <a:t>Accept</a:t>
+            </a:r>
+            <a:r>
+              <a:rPr lang="de-DE" dirty="0" smtClean="0"/>
+              <a:t> Header) geregelt.</a:t>
+            </a:r>
+          </a:p>
+          <a:p>
+            <a:endParaRPr lang="de-DE" dirty="0"/>
+          </a:p>
+          <a:p>
+            <a:r>
+              <a:rPr lang="de-DE" dirty="0" err="1" smtClean="0"/>
+              <a:t>Versionierung</a:t>
+            </a:r>
+            <a:r>
+              <a:rPr lang="de-DE" dirty="0" smtClean="0"/>
+              <a:t> mit </a:t>
+            </a:r>
+            <a:r>
+              <a:rPr lang="de-DE" dirty="0" err="1" smtClean="0"/>
+              <a:t>GraphQL</a:t>
+            </a:r>
+            <a:r>
+              <a:rPr lang="de-DE" dirty="0" smtClean="0"/>
+              <a:t>: Anstelle einer </a:t>
+            </a:r>
+            <a:r>
+              <a:rPr lang="de-DE" dirty="0" err="1" smtClean="0"/>
+              <a:t>Versionierung</a:t>
+            </a:r>
+            <a:r>
+              <a:rPr lang="de-DE" dirty="0" smtClean="0"/>
+              <a:t> macht der Client eine Abfrage und braucht nur einen </a:t>
+            </a:r>
+            <a:r>
+              <a:rPr lang="de-DE" dirty="0" err="1" smtClean="0"/>
+              <a:t>Entpunkt</a:t>
+            </a:r>
+            <a:r>
+              <a:rPr lang="de-DE" dirty="0" smtClean="0"/>
+              <a:t>.</a:t>
+            </a:r>
+            <a:endParaRPr lang="de-DE" dirty="0"/>
+          </a:p>
+        </p:txBody>
+      </p:sp>
+      <p:sp>
+        <p:nvSpPr>
+          <p:cNvPr id="4" name="Date Placeholder 3"/>
+          <p:cNvSpPr>
+            <a:spLocks noGrp="1"/>
+          </p:cNvSpPr>
+          <p:nvPr>
+            <p:ph type="dt" sz="half" idx="10"/>
+          </p:nvPr>
+        </p:nvSpPr>
+        <p:spPr/>
+        <p:txBody>
+          <a:bodyPr/>
+          <a:lstStyle/>
+          <a:p>
+            <a:fld id="{3DA8AD82-44AD-4D66-AD7B-1F36F7CE3655}" type="datetime1">
+              <a:rPr lang="de-CH" smtClean="0"/>
+              <a:t>28.02.17</a:t>
+            </a:fld>
+            <a:endParaRPr lang="de-CH" dirty="0"/>
+          </a:p>
+        </p:txBody>
+      </p:sp>
+      <p:sp>
+        <p:nvSpPr>
+          <p:cNvPr id="5" name="Slide Number Placeholder 4"/>
+          <p:cNvSpPr>
+            <a:spLocks noGrp="1"/>
+          </p:cNvSpPr>
+          <p:nvPr>
+            <p:ph type="sldNum" sz="quarter" idx="12"/>
+          </p:nvPr>
+        </p:nvSpPr>
+        <p:spPr/>
+        <p:txBody>
+          <a:bodyPr/>
+          <a:lstStyle/>
+          <a:p>
+            <a:fld id="{FA032481-47EB-4636-94E1-F5CD93B34200}" type="slidenum">
+              <a:rPr lang="de-CH" smtClean="0"/>
+              <a:t>14</a:t>
+            </a:fld>
+            <a:endParaRPr lang="de-CH" dirty="0"/>
+          </a:p>
+        </p:txBody>
+      </p:sp>
+    </p:spTree>
+    <p:extLst>
+      <p:ext uri="{BB962C8B-B14F-4D97-AF65-F5344CB8AC3E}">
+        <p14:creationId xmlns:p14="http://schemas.microsoft.com/office/powerpoint/2010/main" val="1035029122"/>
+      </p:ext>
+    </p:extLst>
+  </p:cSld>
+  <p:clrMapOvr>
+    <a:masterClrMapping/>
+  </p:clrMapOvr>
+  <mc:AlternateContent xmlns:mc="http://schemas.openxmlformats.org/markup-compatibility/2006" xmlns:p14="http://schemas.microsoft.com/office/powerpoint/2010/main">
+    <mc:Choice Requires="p14">
+      <p:transition spd="med" p14:dur="700">
+        <p:fade/>
+      </p:transition>
+    </mc:Choice>
+    <mc:Fallback xmlns="">
+      <p:transition spd="med">
+        <p:fade/>
+      </p:transition>
+    </mc:Fallback>
+  </mc:AlternateContent>
+</p:sld>
+</file>
+
+<file path=ppt/slides/slide15.xml><?xml version="1.0" encoding="utf-8"?>
+<p:sld xmlns:a="http://schemas.openxmlformats.org/drawingml/2006/main" xmlns:r="http://schemas.openxmlformats.org/officeDocument/2006/relationships" xmlns:p="http://schemas.openxmlformats.org/presentationml/2006/main">
+  <p:cSld>
+    <p:spTree>
+      <p:nvGrpSpPr>
+        <p:cNvPr id="1" name=""/>
+        <p:cNvGrpSpPr/>
+        <p:nvPr/>
+      </p:nvGrpSpPr>
+      <p:grpSpPr>
+        <a:xfrm>
+          <a:off x="0" y="0"/>
+          <a:ext cx="0" cy="0"/>
+          <a:chOff x="0" y="0"/>
+          <a:chExt cx="0" cy="0"/>
+        </a:xfrm>
+      </p:grpSpPr>
+      <p:sp>
+        <p:nvSpPr>
+          <p:cNvPr id="2" name="Title 1"/>
+          <p:cNvSpPr>
+            <a:spLocks noGrp="1"/>
+          </p:cNvSpPr>
+          <p:nvPr>
+            <p:ph type="title"/>
+          </p:nvPr>
+        </p:nvSpPr>
+        <p:spPr/>
+        <p:txBody>
+          <a:bodyPr/>
+          <a:lstStyle/>
+          <a:p>
+            <a:r>
+              <a:rPr lang="de-DE" dirty="0" smtClean="0"/>
+              <a:t>4. Vorgehen </a:t>
+            </a:r>
+            <a:r>
+              <a:rPr lang="mr-IN" dirty="0" smtClean="0"/>
+              <a:t>–</a:t>
+            </a:r>
+            <a:r>
+              <a:rPr lang="de-DE" dirty="0" smtClean="0"/>
+              <a:t> Varianten: Datenspeicherung</a:t>
+            </a:r>
+            <a:endParaRPr lang="de-DE" dirty="0"/>
+          </a:p>
+        </p:txBody>
+      </p:sp>
+      <p:sp>
+        <p:nvSpPr>
+          <p:cNvPr id="3" name="Content Placeholder 2"/>
+          <p:cNvSpPr>
+            <a:spLocks noGrp="1"/>
+          </p:cNvSpPr>
+          <p:nvPr>
+            <p:ph idx="1"/>
+          </p:nvPr>
+        </p:nvSpPr>
+        <p:spPr/>
+        <p:txBody>
+          <a:bodyPr/>
+          <a:lstStyle/>
+          <a:p>
+            <a:r>
+              <a:rPr lang="de-DE" dirty="0" smtClean="0"/>
+              <a:t>Oracle: </a:t>
+            </a:r>
+            <a:r>
+              <a:rPr lang="de-DE" dirty="0" err="1" smtClean="0"/>
+              <a:t>Standart</a:t>
+            </a:r>
+            <a:r>
+              <a:rPr lang="de-DE" dirty="0" smtClean="0"/>
+              <a:t> Datenbank bei SIX mit sehr gutem Know-how</a:t>
+            </a:r>
+          </a:p>
+          <a:p>
+            <a:endParaRPr lang="de-DE" dirty="0"/>
+          </a:p>
+          <a:p>
+            <a:r>
+              <a:rPr lang="de-DE" dirty="0" smtClean="0"/>
+              <a:t>MySQL: Aktuelle verwendete Datenbank für die Applikation</a:t>
+            </a:r>
+          </a:p>
+          <a:p>
+            <a:endParaRPr lang="de-DE" dirty="0"/>
+          </a:p>
+          <a:p>
+            <a:r>
+              <a:rPr lang="de-DE" dirty="0" err="1" smtClean="0"/>
+              <a:t>MongoDB</a:t>
+            </a:r>
+            <a:r>
+              <a:rPr lang="de-DE" dirty="0" smtClean="0"/>
+              <a:t>: </a:t>
+            </a:r>
+            <a:r>
+              <a:rPr lang="de-DE" dirty="0" err="1" smtClean="0"/>
+              <a:t>NoSQL</a:t>
+            </a:r>
+            <a:r>
+              <a:rPr lang="de-DE" dirty="0" smtClean="0"/>
+              <a:t> Datenbank welche Daten als Dokumente und nicht in Tabellenform speichert.</a:t>
+            </a:r>
+          </a:p>
+          <a:p>
+            <a:endParaRPr lang="de-DE" dirty="0"/>
+          </a:p>
+          <a:p>
+            <a:r>
+              <a:rPr lang="de-DE" dirty="0" err="1" smtClean="0"/>
+              <a:t>Redis</a:t>
+            </a:r>
+            <a:r>
+              <a:rPr lang="de-DE" dirty="0" smtClean="0"/>
+              <a:t>: </a:t>
+            </a:r>
+            <a:r>
+              <a:rPr lang="de-DE" dirty="0" err="1" smtClean="0"/>
+              <a:t>NoSQL</a:t>
+            </a:r>
+            <a:r>
+              <a:rPr lang="de-DE" dirty="0" smtClean="0"/>
+              <a:t> Datenbank welche die Daten mittel Key-Value speichert.</a:t>
+            </a:r>
+          </a:p>
+          <a:p>
+            <a:endParaRPr lang="de-DE" dirty="0"/>
+          </a:p>
+          <a:p>
+            <a:endParaRPr lang="de-DE" dirty="0"/>
+          </a:p>
+        </p:txBody>
+      </p:sp>
+      <p:sp>
+        <p:nvSpPr>
+          <p:cNvPr id="4" name="Date Placeholder 3"/>
+          <p:cNvSpPr>
+            <a:spLocks noGrp="1"/>
+          </p:cNvSpPr>
+          <p:nvPr>
+            <p:ph type="dt" sz="half" idx="10"/>
+          </p:nvPr>
+        </p:nvSpPr>
+        <p:spPr/>
+        <p:txBody>
+          <a:bodyPr/>
+          <a:lstStyle/>
+          <a:p>
+            <a:fld id="{3DA8AD82-44AD-4D66-AD7B-1F36F7CE3655}" type="datetime1">
+              <a:rPr lang="de-CH" smtClean="0"/>
+              <a:t>28.02.17</a:t>
+            </a:fld>
+            <a:endParaRPr lang="de-CH" dirty="0"/>
+          </a:p>
+        </p:txBody>
+      </p:sp>
+      <p:sp>
+        <p:nvSpPr>
+          <p:cNvPr id="5" name="Slide Number Placeholder 4"/>
+          <p:cNvSpPr>
+            <a:spLocks noGrp="1"/>
+          </p:cNvSpPr>
+          <p:nvPr>
+            <p:ph type="sldNum" sz="quarter" idx="12"/>
+          </p:nvPr>
+        </p:nvSpPr>
+        <p:spPr/>
+        <p:txBody>
+          <a:bodyPr/>
+          <a:lstStyle/>
+          <a:p>
+            <a:fld id="{FA032481-47EB-4636-94E1-F5CD93B34200}" type="slidenum">
+              <a:rPr lang="de-CH" smtClean="0"/>
+              <a:t>15</a:t>
+            </a:fld>
+            <a:endParaRPr lang="de-CH" dirty="0"/>
+          </a:p>
+        </p:txBody>
+      </p:sp>
+    </p:spTree>
+    <p:extLst>
+      <p:ext uri="{BB962C8B-B14F-4D97-AF65-F5344CB8AC3E}">
+        <p14:creationId xmlns:p14="http://schemas.microsoft.com/office/powerpoint/2010/main" val="185998793"/>
+      </p:ext>
+    </p:extLst>
+  </p:cSld>
+  <p:clrMapOvr>
+    <a:masterClrMapping/>
+  </p:clrMapOvr>
+  <mc:AlternateContent xmlns:mc="http://schemas.openxmlformats.org/markup-compatibility/2006" xmlns:p14="http://schemas.microsoft.com/office/powerpoint/2010/main">
+    <mc:Choice Requires="p14">
+      <p:transition spd="med" p14:dur="700">
+        <p:fade/>
+      </p:transition>
+    </mc:Choice>
+    <mc:Fallback xmlns="">
+      <p:transition spd="med">
+        <p:fade/>
+      </p:transition>
+    </mc:Fallback>
+  </mc:AlternateContent>
+</p:sld>
+</file>
+
+<file path=ppt/slides/slide16.xml><?xml version="1.0" encoding="utf-8"?>
+<p:sld xmlns:a="http://schemas.openxmlformats.org/drawingml/2006/main" xmlns:r="http://schemas.openxmlformats.org/officeDocument/2006/relationships" xmlns:p="http://schemas.openxmlformats.org/presentationml/2006/main">
+  <p:cSld>
+    <p:spTree>
+      <p:nvGrpSpPr>
+        <p:cNvPr id="1" name=""/>
+        <p:cNvGrpSpPr/>
+        <p:nvPr/>
+      </p:nvGrpSpPr>
+      <p:grpSpPr>
+        <a:xfrm>
+          <a:off x="0" y="0"/>
+          <a:ext cx="0" cy="0"/>
+          <a:chOff x="0" y="0"/>
+          <a:chExt cx="0" cy="0"/>
+        </a:xfrm>
+      </p:grpSpPr>
+      <p:sp>
+        <p:nvSpPr>
+          <p:cNvPr id="2" name="Title 1"/>
+          <p:cNvSpPr>
+            <a:spLocks noGrp="1"/>
+          </p:cNvSpPr>
+          <p:nvPr>
+            <p:ph type="title"/>
+          </p:nvPr>
+        </p:nvSpPr>
+        <p:spPr/>
+        <p:txBody>
+          <a:bodyPr/>
+          <a:lstStyle/>
+          <a:p>
+            <a:r>
+              <a:rPr lang="de-DE" dirty="0" smtClean="0"/>
+              <a:t>4. Vorgehen </a:t>
+            </a:r>
+            <a:r>
+              <a:rPr lang="mr-IN" dirty="0" smtClean="0"/>
+              <a:t>–</a:t>
+            </a:r>
+            <a:r>
+              <a:rPr lang="de-DE" dirty="0" smtClean="0"/>
+              <a:t> Varianten: Kommunikationsentkopplung</a:t>
+            </a:r>
+            <a:endParaRPr lang="de-DE" dirty="0"/>
+          </a:p>
+        </p:txBody>
+      </p:sp>
+      <p:sp>
+        <p:nvSpPr>
+          <p:cNvPr id="3" name="Content Placeholder 2"/>
+          <p:cNvSpPr>
+            <a:spLocks noGrp="1"/>
+          </p:cNvSpPr>
+          <p:nvPr>
+            <p:ph idx="1"/>
+          </p:nvPr>
+        </p:nvSpPr>
+        <p:spPr/>
+        <p:txBody>
+          <a:bodyPr/>
+          <a:lstStyle/>
+          <a:p>
+            <a:r>
+              <a:rPr lang="de-DE" dirty="0" smtClean="0"/>
+              <a:t>JMS: Java Standard für das versenden von Messages über eine Queue.</a:t>
+            </a:r>
+          </a:p>
+          <a:p>
+            <a:endParaRPr lang="de-DE" dirty="0"/>
+          </a:p>
+          <a:p>
+            <a:r>
+              <a:rPr lang="de-DE" dirty="0" smtClean="0"/>
+              <a:t>Kafka: Bibliothek hochverfügbare Message Queue mit hoher Performanz.</a:t>
+            </a:r>
+          </a:p>
+          <a:p>
+            <a:endParaRPr lang="de-DE" dirty="0"/>
+          </a:p>
+          <a:p>
+            <a:r>
+              <a:rPr lang="de-DE" dirty="0" err="1" smtClean="0"/>
+              <a:t>Redis</a:t>
+            </a:r>
+            <a:r>
+              <a:rPr lang="de-DE" dirty="0" smtClean="0"/>
+              <a:t>: </a:t>
+            </a:r>
+            <a:r>
+              <a:rPr lang="de-DE" dirty="0" err="1" smtClean="0"/>
+              <a:t>NoSQL</a:t>
+            </a:r>
+            <a:r>
+              <a:rPr lang="de-DE" dirty="0" smtClean="0"/>
+              <a:t> Key-Value Store welcher auch Queue Funktionalität besitzt</a:t>
+            </a:r>
+          </a:p>
+          <a:p>
+            <a:endParaRPr lang="de-DE" dirty="0"/>
+          </a:p>
+          <a:p>
+            <a:r>
+              <a:rPr lang="de-DE" dirty="0" smtClean="0"/>
+              <a:t>Spring REST, </a:t>
+            </a:r>
+            <a:r>
+              <a:rPr lang="de-DE" dirty="0" err="1" smtClean="0"/>
+              <a:t>Hystrix</a:t>
+            </a:r>
+            <a:r>
+              <a:rPr lang="de-DE" dirty="0" smtClean="0"/>
+              <a:t>: Aktuell verwendete Variante welche asynchron gemacht werden könnte.</a:t>
+            </a:r>
+            <a:endParaRPr lang="de-DE" dirty="0"/>
+          </a:p>
+        </p:txBody>
+      </p:sp>
+      <p:sp>
+        <p:nvSpPr>
+          <p:cNvPr id="4" name="Date Placeholder 3"/>
+          <p:cNvSpPr>
+            <a:spLocks noGrp="1"/>
+          </p:cNvSpPr>
+          <p:nvPr>
+            <p:ph type="dt" sz="half" idx="10"/>
+          </p:nvPr>
+        </p:nvSpPr>
+        <p:spPr/>
+        <p:txBody>
+          <a:bodyPr/>
+          <a:lstStyle/>
+          <a:p>
+            <a:fld id="{3DA8AD82-44AD-4D66-AD7B-1F36F7CE3655}" type="datetime1">
+              <a:rPr lang="de-CH" smtClean="0"/>
+              <a:t>28.02.17</a:t>
+            </a:fld>
+            <a:endParaRPr lang="de-CH" dirty="0"/>
+          </a:p>
+        </p:txBody>
+      </p:sp>
+      <p:sp>
+        <p:nvSpPr>
+          <p:cNvPr id="5" name="Slide Number Placeholder 4"/>
+          <p:cNvSpPr>
+            <a:spLocks noGrp="1"/>
+          </p:cNvSpPr>
+          <p:nvPr>
+            <p:ph type="sldNum" sz="quarter" idx="12"/>
+          </p:nvPr>
+        </p:nvSpPr>
+        <p:spPr/>
+        <p:txBody>
+          <a:bodyPr/>
+          <a:lstStyle/>
+          <a:p>
+            <a:fld id="{FA032481-47EB-4636-94E1-F5CD93B34200}" type="slidenum">
+              <a:rPr lang="de-CH" smtClean="0"/>
+              <a:t>16</a:t>
+            </a:fld>
+            <a:endParaRPr lang="de-CH" dirty="0"/>
+          </a:p>
+        </p:txBody>
+      </p:sp>
+    </p:spTree>
+    <p:extLst>
+      <p:ext uri="{BB962C8B-B14F-4D97-AF65-F5344CB8AC3E}">
+        <p14:creationId xmlns:p14="http://schemas.microsoft.com/office/powerpoint/2010/main" val="1162162447"/>
+      </p:ext>
+    </p:extLst>
+  </p:cSld>
+  <p:clrMapOvr>
+    <a:masterClrMapping/>
+  </p:clrMapOvr>
+  <mc:AlternateContent xmlns:mc="http://schemas.openxmlformats.org/markup-compatibility/2006" xmlns:p14="http://schemas.microsoft.com/office/powerpoint/2010/main">
+    <mc:Choice Requires="p14">
+      <p:transition spd="med" p14:dur="700">
+        <p:fade/>
+      </p:transition>
+    </mc:Choice>
+    <mc:Fallback xmlns="">
+      <p:transition spd="med">
+        <p:fade/>
+      </p:transition>
+    </mc:Fallback>
+  </mc:AlternateContent>
+</p:sld>
+</file>
+
+<file path=ppt/slides/slide17.xml><?xml version="1.0" encoding="utf-8"?>
+<p:sld xmlns:a="http://schemas.openxmlformats.org/drawingml/2006/main" xmlns:r="http://schemas.openxmlformats.org/officeDocument/2006/relationships" xmlns:p="http://schemas.openxmlformats.org/presentationml/2006/main">
+  <p:cSld>
+    <p:spTree>
+      <p:nvGrpSpPr>
+        <p:cNvPr id="1" name=""/>
+        <p:cNvGrpSpPr/>
+        <p:nvPr/>
+      </p:nvGrpSpPr>
+      <p:grpSpPr>
+        <a:xfrm>
+          <a:off x="0" y="0"/>
+          <a:ext cx="0" cy="0"/>
+          <a:chOff x="0" y="0"/>
+          <a:chExt cx="0" cy="0"/>
+        </a:xfrm>
+      </p:grpSpPr>
+      <p:sp>
+        <p:nvSpPr>
+          <p:cNvPr id="2" name="Title 1"/>
+          <p:cNvSpPr>
+            <a:spLocks noGrp="1"/>
+          </p:cNvSpPr>
+          <p:nvPr>
+            <p:ph type="title"/>
+          </p:nvPr>
+        </p:nvSpPr>
+        <p:spPr/>
+        <p:txBody>
+          <a:bodyPr/>
+          <a:lstStyle/>
+          <a:p>
+            <a:r>
+              <a:rPr lang="de-DE" dirty="0" smtClean="0"/>
+              <a:t>4. Vorgehen - Konfigurationsmanagement</a:t>
+            </a:r>
+            <a:endParaRPr lang="de-DE" dirty="0"/>
+          </a:p>
+        </p:txBody>
+      </p:sp>
+      <p:sp>
+        <p:nvSpPr>
+          <p:cNvPr id="3" name="Content Placeholder 2"/>
+          <p:cNvSpPr>
+            <a:spLocks noGrp="1"/>
+          </p:cNvSpPr>
+          <p:nvPr>
+            <p:ph idx="1"/>
+          </p:nvPr>
+        </p:nvSpPr>
+        <p:spPr/>
+        <p:txBody>
+          <a:bodyPr/>
+          <a:lstStyle/>
+          <a:p>
+            <a:r>
+              <a:rPr lang="de-DE" dirty="0" smtClean="0"/>
+              <a:t>Docker </a:t>
+            </a:r>
+            <a:r>
+              <a:rPr lang="de-DE" dirty="0" err="1" smtClean="0"/>
+              <a:t>Compose</a:t>
+            </a:r>
+            <a:r>
+              <a:rPr lang="de-DE" dirty="0" smtClean="0"/>
+              <a:t>, </a:t>
+            </a:r>
+            <a:r>
+              <a:rPr lang="de-DE" dirty="0" err="1" smtClean="0"/>
+              <a:t>Swarm</a:t>
+            </a:r>
+            <a:r>
+              <a:rPr lang="de-DE" dirty="0" smtClean="0"/>
+              <a:t>: </a:t>
+            </a:r>
+            <a:r>
+              <a:rPr lang="de-DE" dirty="0" err="1" smtClean="0"/>
+              <a:t>Compose</a:t>
+            </a:r>
+            <a:r>
+              <a:rPr lang="de-DE" dirty="0" smtClean="0"/>
+              <a:t> wird aktuell verwendet. Ergänzung mit </a:t>
+            </a:r>
+            <a:r>
+              <a:rPr lang="de-DE" dirty="0" err="1" smtClean="0"/>
+              <a:t>Swarn</a:t>
+            </a:r>
+            <a:r>
+              <a:rPr lang="de-DE" dirty="0" smtClean="0"/>
+              <a:t> für besseres Skalieren.</a:t>
+            </a:r>
+          </a:p>
+          <a:p>
+            <a:endParaRPr lang="de-DE" dirty="0"/>
+          </a:p>
+          <a:p>
+            <a:r>
+              <a:rPr lang="de-DE" dirty="0" err="1" smtClean="0"/>
+              <a:t>Saltstack</a:t>
+            </a:r>
+            <a:r>
+              <a:rPr lang="de-DE" dirty="0" smtClean="0"/>
+              <a:t>: </a:t>
+            </a:r>
+            <a:r>
+              <a:rPr lang="de-DE" dirty="0" err="1" smtClean="0"/>
+              <a:t>Standart</a:t>
+            </a:r>
+            <a:r>
+              <a:rPr lang="de-DE" dirty="0" smtClean="0"/>
+              <a:t> </a:t>
+            </a:r>
+            <a:r>
+              <a:rPr lang="de-DE" dirty="0" err="1" smtClean="0"/>
+              <a:t>Konfigurations</a:t>
+            </a:r>
+            <a:r>
+              <a:rPr lang="de-DE" dirty="0" smtClean="0"/>
+              <a:t> Tool für Server innerhalb von SIX</a:t>
+            </a:r>
+          </a:p>
+          <a:p>
+            <a:endParaRPr lang="de-DE" dirty="0"/>
+          </a:p>
+          <a:p>
+            <a:r>
+              <a:rPr lang="de-DE" dirty="0" err="1" smtClean="0"/>
+              <a:t>OpenShift</a:t>
+            </a:r>
+            <a:r>
+              <a:rPr lang="de-DE" dirty="0" smtClean="0"/>
+              <a:t>: Plattform </a:t>
+            </a:r>
+            <a:r>
+              <a:rPr lang="de-DE" dirty="0" err="1" smtClean="0"/>
+              <a:t>as</a:t>
+            </a:r>
+            <a:r>
+              <a:rPr lang="de-DE" dirty="0" smtClean="0"/>
+              <a:t> a Service für das ausrollen von Docker Containern. Basiert auf </a:t>
+            </a:r>
+            <a:r>
+              <a:rPr lang="de-DE" dirty="0" err="1" smtClean="0"/>
+              <a:t>Kubernetes</a:t>
+            </a:r>
+            <a:r>
+              <a:rPr lang="de-DE" dirty="0"/>
+              <a:t>.</a:t>
+            </a:r>
+            <a:endParaRPr lang="de-DE" dirty="0" smtClean="0"/>
+          </a:p>
+          <a:p>
+            <a:endParaRPr lang="de-DE" dirty="0"/>
+          </a:p>
+          <a:p>
+            <a:r>
+              <a:rPr lang="de-DE" dirty="0" smtClean="0"/>
+              <a:t>Spring Cloud </a:t>
+            </a:r>
+            <a:r>
+              <a:rPr lang="de-DE" dirty="0" err="1" smtClean="0"/>
+              <a:t>Config</a:t>
+            </a:r>
+            <a:r>
+              <a:rPr lang="de-DE" dirty="0" smtClean="0"/>
+              <a:t>: Ermöglicht Konfigurationsänderungen zu Laufzeit. Integriert sich ohne Probleme mit anderen Spring Komponenten.</a:t>
+            </a:r>
+          </a:p>
+        </p:txBody>
+      </p:sp>
+      <p:sp>
+        <p:nvSpPr>
+          <p:cNvPr id="4" name="Date Placeholder 3"/>
+          <p:cNvSpPr>
+            <a:spLocks noGrp="1"/>
+          </p:cNvSpPr>
+          <p:nvPr>
+            <p:ph type="dt" sz="half" idx="10"/>
+          </p:nvPr>
+        </p:nvSpPr>
+        <p:spPr/>
+        <p:txBody>
+          <a:bodyPr/>
+          <a:lstStyle/>
+          <a:p>
+            <a:fld id="{3DA8AD82-44AD-4D66-AD7B-1F36F7CE3655}" type="datetime1">
+              <a:rPr lang="de-CH" smtClean="0"/>
+              <a:t>28.02.17</a:t>
+            </a:fld>
+            <a:endParaRPr lang="de-CH" dirty="0"/>
+          </a:p>
+        </p:txBody>
+      </p:sp>
+      <p:sp>
+        <p:nvSpPr>
+          <p:cNvPr id="5" name="Slide Number Placeholder 4"/>
+          <p:cNvSpPr>
+            <a:spLocks noGrp="1"/>
+          </p:cNvSpPr>
+          <p:nvPr>
+            <p:ph type="sldNum" sz="quarter" idx="12"/>
+          </p:nvPr>
+        </p:nvSpPr>
+        <p:spPr/>
+        <p:txBody>
+          <a:bodyPr/>
+          <a:lstStyle/>
+          <a:p>
+            <a:fld id="{FA032481-47EB-4636-94E1-F5CD93B34200}" type="slidenum">
+              <a:rPr lang="de-CH" smtClean="0"/>
+              <a:t>17</a:t>
+            </a:fld>
+            <a:endParaRPr lang="de-CH" dirty="0"/>
+          </a:p>
+        </p:txBody>
+      </p:sp>
+    </p:spTree>
+    <p:extLst>
+      <p:ext uri="{BB962C8B-B14F-4D97-AF65-F5344CB8AC3E}">
+        <p14:creationId xmlns:p14="http://schemas.microsoft.com/office/powerpoint/2010/main" val="1571301628"/>
+      </p:ext>
+    </p:extLst>
+  </p:cSld>
+  <p:clrMapOvr>
+    <a:masterClrMapping/>
+  </p:clrMapOvr>
+  <mc:AlternateContent xmlns:mc="http://schemas.openxmlformats.org/markup-compatibility/2006" xmlns:p14="http://schemas.microsoft.com/office/powerpoint/2010/main">
+    <mc:Choice Requires="p14">
+      <p:transition spd="med" p14:dur="700">
+        <p:fade/>
+      </p:transition>
+    </mc:Choice>
+    <mc:Fallback xmlns="">
+      <p:transition spd="med">
+        <p:fade/>
+      </p:transition>
+    </mc:Fallback>
+  </mc:AlternateContent>
+</p:sld>
+</file>
+
+<file path=ppt/slides/slide18.xml><?xml version="1.0" encoding="utf-8"?>
+<p:sld xmlns:a="http://schemas.openxmlformats.org/drawingml/2006/main" xmlns:r="http://schemas.openxmlformats.org/officeDocument/2006/relationships" xmlns:p="http://schemas.openxmlformats.org/presentationml/2006/main">
+  <p:cSld>
+    <p:spTree>
+      <p:nvGrpSpPr>
+        <p:cNvPr id="1" name=""/>
+        <p:cNvGrpSpPr/>
+        <p:nvPr/>
+      </p:nvGrpSpPr>
+      <p:grpSpPr>
+        <a:xfrm>
+          <a:off x="0" y="0"/>
+          <a:ext cx="0" cy="0"/>
+          <a:chOff x="0" y="0"/>
+          <a:chExt cx="0" cy="0"/>
+        </a:xfrm>
+      </p:grpSpPr>
+      <p:sp>
+        <p:nvSpPr>
+          <p:cNvPr id="2" name="Title 1"/>
+          <p:cNvSpPr>
+            <a:spLocks noGrp="1"/>
+          </p:cNvSpPr>
+          <p:nvPr>
+            <p:ph type="title"/>
+          </p:nvPr>
+        </p:nvSpPr>
+        <p:spPr/>
+        <p:txBody>
+          <a:bodyPr/>
+          <a:lstStyle/>
+          <a:p>
+            <a:r>
+              <a:rPr lang="de-DE" dirty="0" smtClean="0"/>
+              <a:t>4. Vorgehen </a:t>
+            </a:r>
+            <a:r>
+              <a:rPr lang="mr-IN" dirty="0" smtClean="0"/>
+              <a:t>–</a:t>
+            </a:r>
+            <a:r>
+              <a:rPr lang="de-DE" dirty="0" smtClean="0"/>
+              <a:t> erste Bewertung</a:t>
+            </a:r>
+            <a:endParaRPr lang="de-DE" dirty="0"/>
+          </a:p>
+        </p:txBody>
+      </p:sp>
+      <p:sp>
+        <p:nvSpPr>
+          <p:cNvPr id="3" name="Content Placeholder 2"/>
+          <p:cNvSpPr>
+            <a:spLocks noGrp="1"/>
+          </p:cNvSpPr>
+          <p:nvPr>
+            <p:ph idx="1"/>
+          </p:nvPr>
+        </p:nvSpPr>
+        <p:spPr/>
+        <p:txBody>
+          <a:bodyPr/>
+          <a:lstStyle/>
+          <a:p>
+            <a:r>
+              <a:rPr lang="de-DE" dirty="0" smtClean="0"/>
+              <a:t>Bewertung der Varianten nach den Vorteile, Nachteilen und Risiken anhand von Erfahrung und kurzer Recherche.</a:t>
+            </a:r>
+          </a:p>
+          <a:p>
+            <a:r>
+              <a:rPr lang="de-DE" dirty="0" smtClean="0"/>
+              <a:t>Entscheidung für Prototypen aufgrund von Unklarheiten</a:t>
+            </a:r>
+          </a:p>
+          <a:p>
+            <a:endParaRPr lang="de-DE" dirty="0"/>
+          </a:p>
+          <a:p>
+            <a:r>
+              <a:rPr lang="de-DE" dirty="0" smtClean="0"/>
+              <a:t>MySQL, </a:t>
+            </a:r>
+            <a:r>
+              <a:rPr lang="de-DE" dirty="0" err="1" smtClean="0"/>
+              <a:t>MongoDB</a:t>
+            </a:r>
+            <a:r>
+              <a:rPr lang="de-DE" dirty="0" smtClean="0"/>
+              <a:t> </a:t>
+            </a:r>
+            <a:r>
+              <a:rPr lang="de-DE" dirty="0" err="1" smtClean="0"/>
+              <a:t>Schemaversionierung</a:t>
+            </a:r>
+            <a:endParaRPr lang="de-DE" dirty="0" smtClean="0"/>
+          </a:p>
+          <a:p>
+            <a:r>
+              <a:rPr lang="de-DE" dirty="0" smtClean="0"/>
+              <a:t>MySQL, </a:t>
+            </a:r>
+            <a:r>
+              <a:rPr lang="de-DE" dirty="0" err="1" smtClean="0"/>
+              <a:t>MongoDB</a:t>
+            </a:r>
+            <a:r>
+              <a:rPr lang="de-DE" dirty="0" smtClean="0"/>
+              <a:t> Replikation</a:t>
+            </a:r>
+          </a:p>
+          <a:p>
+            <a:r>
+              <a:rPr lang="de-DE" dirty="0" err="1" smtClean="0"/>
+              <a:t>GraphQL</a:t>
+            </a:r>
+            <a:r>
+              <a:rPr lang="de-DE" dirty="0" smtClean="0"/>
+              <a:t> Anwendungsfall</a:t>
+            </a:r>
+          </a:p>
+          <a:p>
+            <a:r>
+              <a:rPr lang="de-DE" dirty="0" err="1" smtClean="0"/>
+              <a:t>OpenShift</a:t>
+            </a:r>
+            <a:endParaRPr lang="de-DE" dirty="0" smtClean="0"/>
+          </a:p>
+          <a:p>
+            <a:r>
+              <a:rPr lang="de-DE" dirty="0" smtClean="0"/>
+              <a:t>Spring Cloud </a:t>
+            </a:r>
+            <a:r>
+              <a:rPr lang="de-DE" dirty="0" err="1" smtClean="0"/>
+              <a:t>Config</a:t>
+            </a:r>
+            <a:endParaRPr lang="de-DE" dirty="0" smtClean="0"/>
+          </a:p>
+          <a:p>
+            <a:endParaRPr lang="de-DE" dirty="0"/>
+          </a:p>
+          <a:p>
+            <a:endParaRPr lang="de-DE" dirty="0"/>
+          </a:p>
+        </p:txBody>
+      </p:sp>
+      <p:sp>
+        <p:nvSpPr>
+          <p:cNvPr id="4" name="Date Placeholder 3"/>
+          <p:cNvSpPr>
+            <a:spLocks noGrp="1"/>
+          </p:cNvSpPr>
+          <p:nvPr>
+            <p:ph type="dt" sz="half" idx="10"/>
+          </p:nvPr>
+        </p:nvSpPr>
+        <p:spPr/>
+        <p:txBody>
+          <a:bodyPr/>
+          <a:lstStyle/>
+          <a:p>
+            <a:fld id="{3DA8AD82-44AD-4D66-AD7B-1F36F7CE3655}" type="datetime1">
+              <a:rPr lang="de-CH" smtClean="0"/>
+              <a:t>28.02.17</a:t>
+            </a:fld>
+            <a:endParaRPr lang="de-CH" dirty="0"/>
+          </a:p>
+        </p:txBody>
+      </p:sp>
+      <p:sp>
+        <p:nvSpPr>
+          <p:cNvPr id="5" name="Slide Number Placeholder 4"/>
+          <p:cNvSpPr>
+            <a:spLocks noGrp="1"/>
+          </p:cNvSpPr>
+          <p:nvPr>
+            <p:ph type="sldNum" sz="quarter" idx="12"/>
+          </p:nvPr>
+        </p:nvSpPr>
+        <p:spPr/>
+        <p:txBody>
+          <a:bodyPr/>
+          <a:lstStyle/>
+          <a:p>
+            <a:fld id="{FA032481-47EB-4636-94E1-F5CD93B34200}" type="slidenum">
+              <a:rPr lang="de-CH" smtClean="0"/>
+              <a:t>18</a:t>
+            </a:fld>
+            <a:endParaRPr lang="de-CH" dirty="0"/>
+          </a:p>
+        </p:txBody>
+      </p:sp>
+    </p:spTree>
+    <p:extLst>
+      <p:ext uri="{BB962C8B-B14F-4D97-AF65-F5344CB8AC3E}">
+        <p14:creationId xmlns:p14="http://schemas.microsoft.com/office/powerpoint/2010/main" val="458418135"/>
+      </p:ext>
+    </p:extLst>
+  </p:cSld>
+  <p:clrMapOvr>
+    <a:masterClrMapping/>
+  </p:clrMapOvr>
+  <mc:AlternateContent xmlns:mc="http://schemas.openxmlformats.org/markup-compatibility/2006" xmlns:p14="http://schemas.microsoft.com/office/powerpoint/2010/main">
+    <mc:Choice Requires="p14">
+      <p:transition spd="med" p14:dur="700">
+        <p:fade/>
+      </p:transition>
+    </mc:Choice>
+    <mc:Fallback xmlns="">
+      <p:transition spd="med">
+        <p:fade/>
+      </p:transition>
+    </mc:Fallback>
+  </mc:AlternateContent>
+</p:sld>
+</file>
+
+<file path=ppt/slides/slide19.xml><?xml version="1.0" encoding="utf-8"?>
+<p:sld xmlns:a="http://schemas.openxmlformats.org/drawingml/2006/main" xmlns:r="http://schemas.openxmlformats.org/officeDocument/2006/relationships" xmlns:p="http://schemas.openxmlformats.org/presentationml/2006/main">
+  <p:cSld>
+    <p:spTree>
+      <p:nvGrpSpPr>
+        <p:cNvPr id="1" name=""/>
+        <p:cNvGrpSpPr/>
+        <p:nvPr/>
+      </p:nvGrpSpPr>
+      <p:grpSpPr>
+        <a:xfrm>
+          <a:off x="0" y="0"/>
+          <a:ext cx="0" cy="0"/>
+          <a:chOff x="0" y="0"/>
+          <a:chExt cx="0" cy="0"/>
+        </a:xfrm>
+      </p:grpSpPr>
+      <p:sp>
+        <p:nvSpPr>
+          <p:cNvPr id="2" name="Title 1"/>
+          <p:cNvSpPr>
+            <a:spLocks noGrp="1"/>
+          </p:cNvSpPr>
+          <p:nvPr>
+            <p:ph type="title"/>
+          </p:nvPr>
+        </p:nvSpPr>
+        <p:spPr/>
+        <p:txBody>
+          <a:bodyPr/>
+          <a:lstStyle/>
+          <a:p>
+            <a:r>
+              <a:rPr lang="de-DE" dirty="0" smtClean="0"/>
+              <a:t>4. Vorgehen </a:t>
+            </a:r>
+            <a:r>
+              <a:rPr lang="mr-IN" dirty="0" smtClean="0"/>
+              <a:t>–</a:t>
+            </a:r>
+            <a:r>
+              <a:rPr lang="de-DE" dirty="0" smtClean="0"/>
+              <a:t> Prototyp: MySQL Schema Migration</a:t>
+            </a:r>
+            <a:endParaRPr lang="de-DE" dirty="0"/>
+          </a:p>
+        </p:txBody>
+      </p:sp>
+      <p:sp>
+        <p:nvSpPr>
+          <p:cNvPr id="3" name="Content Placeholder 2"/>
+          <p:cNvSpPr>
+            <a:spLocks noGrp="1"/>
+          </p:cNvSpPr>
+          <p:nvPr>
+            <p:ph idx="1"/>
+          </p:nvPr>
+        </p:nvSpPr>
+        <p:spPr/>
+        <p:txBody>
+          <a:bodyPr/>
+          <a:lstStyle/>
+          <a:p>
+            <a:r>
+              <a:rPr lang="de-DE" dirty="0" smtClean="0"/>
+              <a:t>Zuerst musste ein geeigneter </a:t>
+            </a:r>
+            <a:r>
+              <a:rPr lang="de-DE" dirty="0" err="1" smtClean="0"/>
+              <a:t>Use</a:t>
+            </a:r>
+            <a:r>
+              <a:rPr lang="de-DE" dirty="0" smtClean="0"/>
+              <a:t> Case gefunden werden. Die Wahl viel auf:</a:t>
+            </a:r>
+          </a:p>
+          <a:p>
+            <a:pPr lvl="1"/>
+            <a:r>
+              <a:rPr lang="de-DE" dirty="0" err="1" smtClean="0"/>
+              <a:t>Column</a:t>
+            </a:r>
+            <a:r>
+              <a:rPr lang="de-DE" dirty="0" smtClean="0"/>
+              <a:t> </a:t>
+            </a:r>
+            <a:r>
+              <a:rPr lang="de-DE" dirty="0" err="1" smtClean="0"/>
+              <a:t>Rename</a:t>
+            </a:r>
+            <a:r>
+              <a:rPr lang="de-DE" dirty="0" smtClean="0"/>
+              <a:t> und Split Table.</a:t>
+            </a:r>
+          </a:p>
+          <a:p>
+            <a:endParaRPr lang="de-DE" dirty="0" smtClean="0"/>
+          </a:p>
+          <a:p>
+            <a:r>
+              <a:rPr lang="de-DE" dirty="0" smtClean="0"/>
+              <a:t>Für MySQL wurde der </a:t>
+            </a:r>
+            <a:r>
+              <a:rPr lang="de-DE" dirty="0" err="1" smtClean="0"/>
+              <a:t>Column</a:t>
+            </a:r>
+            <a:r>
+              <a:rPr lang="de-DE" dirty="0" smtClean="0"/>
+              <a:t> </a:t>
+            </a:r>
+            <a:r>
+              <a:rPr lang="de-DE" dirty="0" err="1" smtClean="0"/>
+              <a:t>Rename</a:t>
+            </a:r>
+            <a:r>
+              <a:rPr lang="de-DE" dirty="0" smtClean="0"/>
+              <a:t> ausprobiert. Der Split Table Case wurde nicht mehr ausprobiert da im Buch „</a:t>
+            </a:r>
+            <a:r>
+              <a:rPr lang="de-DE" dirty="0" err="1" smtClean="0"/>
+              <a:t>Refactoring</a:t>
+            </a:r>
+            <a:r>
+              <a:rPr lang="de-DE" dirty="0" smtClean="0"/>
+              <a:t> Database: </a:t>
+            </a:r>
+            <a:r>
+              <a:rPr lang="de-DE" dirty="0" err="1" smtClean="0"/>
+              <a:t>Evolutionary</a:t>
+            </a:r>
+            <a:r>
+              <a:rPr lang="de-DE" dirty="0" smtClean="0"/>
+              <a:t> Database </a:t>
+            </a:r>
+            <a:r>
+              <a:rPr lang="de-DE" dirty="0" err="1" smtClean="0"/>
+              <a:t>Desgin</a:t>
+            </a:r>
+            <a:r>
+              <a:rPr lang="de-DE" dirty="0" smtClean="0"/>
+              <a:t>“ alles möglichen Cases aufgeführt sind.</a:t>
+            </a:r>
+          </a:p>
+          <a:p>
+            <a:endParaRPr lang="de-DE" dirty="0"/>
+          </a:p>
+          <a:p>
+            <a:r>
+              <a:rPr lang="de-DE" dirty="0" smtClean="0"/>
+              <a:t>Der Trick hinter der Sache ist die Verwendung von Triggern. Vorsicht ist angebracht wenn Tabellen übergreifend Daten verschoben werden wegen zirkulären Triggern.</a:t>
+            </a:r>
+          </a:p>
+          <a:p>
+            <a:endParaRPr lang="de-DE" dirty="0"/>
+          </a:p>
+        </p:txBody>
+      </p:sp>
+      <p:sp>
+        <p:nvSpPr>
+          <p:cNvPr id="4" name="Date Placeholder 3"/>
+          <p:cNvSpPr>
+            <a:spLocks noGrp="1"/>
+          </p:cNvSpPr>
+          <p:nvPr>
+            <p:ph type="dt" sz="half" idx="10"/>
+          </p:nvPr>
+        </p:nvSpPr>
+        <p:spPr/>
+        <p:txBody>
+          <a:bodyPr/>
+          <a:lstStyle/>
+          <a:p>
+            <a:fld id="{3DA8AD82-44AD-4D66-AD7B-1F36F7CE3655}" type="datetime1">
+              <a:rPr lang="de-CH" smtClean="0"/>
+              <a:t>28.02.17</a:t>
+            </a:fld>
+            <a:endParaRPr lang="de-CH" dirty="0"/>
+          </a:p>
+        </p:txBody>
+      </p:sp>
+      <p:sp>
+        <p:nvSpPr>
+          <p:cNvPr id="5" name="Slide Number Placeholder 4"/>
+          <p:cNvSpPr>
+            <a:spLocks noGrp="1"/>
+          </p:cNvSpPr>
+          <p:nvPr>
+            <p:ph type="sldNum" sz="quarter" idx="12"/>
+          </p:nvPr>
+        </p:nvSpPr>
+        <p:spPr/>
+        <p:txBody>
+          <a:bodyPr/>
+          <a:lstStyle/>
+          <a:p>
+            <a:fld id="{FA032481-47EB-4636-94E1-F5CD93B34200}" type="slidenum">
+              <a:rPr lang="de-CH" smtClean="0"/>
+              <a:t>19</a:t>
+            </a:fld>
+            <a:endParaRPr lang="de-CH" dirty="0"/>
+          </a:p>
+        </p:txBody>
+      </p:sp>
+    </p:spTree>
+    <p:extLst>
+      <p:ext uri="{BB962C8B-B14F-4D97-AF65-F5344CB8AC3E}">
+        <p14:creationId xmlns:p14="http://schemas.microsoft.com/office/powerpoint/2010/main" val="1133433607"/>
+      </p:ext>
+    </p:extLst>
+  </p:cSld>
+  <p:clrMapOvr>
+    <a:masterClrMapping/>
+  </p:clrMapOvr>
+  <mc:AlternateContent xmlns:mc="http://schemas.openxmlformats.org/markup-compatibility/2006" xmlns:p14="http://schemas.microsoft.com/office/powerpoint/2010/main">
+    <mc:Choice Requires="p14">
+      <p:transition spd="med" p14:dur="700">
+        <p:fade/>
+      </p:transition>
+    </mc:Choice>
+    <mc:Fallback xmlns="">
+      <p:transition spd="med">
+        <p:fade/>
+      </p:transition>
+    </mc:Fallback>
+  </mc:AlternateContent>
+</p:sld>
+</file>
+
+<file path=ppt/slides/slide2.xml><?xml version="1.0" encoding="utf-8"?>
+<p:sld xmlns:a="http://schemas.openxmlformats.org/drawingml/2006/main" xmlns:r="http://schemas.openxmlformats.org/officeDocument/2006/relationships" xmlns:p="http://schemas.openxmlformats.org/presentationml/2006/main">
+  <p:cSld>
+    <p:spTree>
+      <p:nvGrpSpPr>
+        <p:cNvPr id="1" name=""/>
+        <p:cNvGrpSpPr/>
+        <p:nvPr/>
+      </p:nvGrpSpPr>
+      <p:grpSpPr>
+        <a:xfrm>
+          <a:off x="0" y="0"/>
+          <a:ext cx="0" cy="0"/>
+          <a:chOff x="0" y="0"/>
+          <a:chExt cx="0" cy="0"/>
+        </a:xfrm>
+      </p:grpSpPr>
+      <p:sp>
+        <p:nvSpPr>
+          <p:cNvPr id="8" name="Titel 7"/>
+          <p:cNvSpPr>
+            <a:spLocks noGrp="1"/>
+          </p:cNvSpPr>
+          <p:nvPr>
+            <p:ph type="title"/>
+            <p:custDataLst>
+              <p:tags r:id="rId1"/>
+            </p:custDataLst>
+          </p:nvPr>
+        </p:nvSpPr>
+        <p:spPr/>
+        <p:txBody>
+          <a:bodyPr/>
+          <a:lstStyle/>
+          <a:p>
+            <a:endParaRPr lang="de-CH" dirty="0"/>
+          </a:p>
+        </p:txBody>
+      </p:sp>
+      <p:sp>
+        <p:nvSpPr>
+          <p:cNvPr id="9" name="Inhaltsplatzhalter 8"/>
+          <p:cNvSpPr>
+            <a:spLocks noGrp="1"/>
+          </p:cNvSpPr>
+          <p:nvPr>
+            <p:ph idx="1"/>
+            <p:custDataLst>
+              <p:tags r:id="rId2"/>
+            </p:custDataLst>
+          </p:nvPr>
+        </p:nvSpPr>
+        <p:spPr/>
+        <p:txBody>
+          <a:bodyPr/>
+          <a:lstStyle/>
+          <a:p>
+            <a:r>
+              <a:rPr lang="de-CH" dirty="0" smtClean="0"/>
+              <a:t>1. Ausgangslage / Umfeld</a:t>
+            </a:r>
+          </a:p>
+          <a:p>
+            <a:r>
+              <a:rPr lang="de-CH" dirty="0" smtClean="0"/>
+              <a:t>2. </a:t>
+            </a:r>
+            <a:r>
+              <a:rPr lang="de-CH" dirty="0" smtClean="0"/>
+              <a:t>Problemstellung / Ist-Zustand</a:t>
+            </a:r>
+            <a:endParaRPr lang="de-CH" dirty="0" smtClean="0"/>
+          </a:p>
+          <a:p>
+            <a:r>
+              <a:rPr lang="de-CH" dirty="0"/>
+              <a:t>3</a:t>
+            </a:r>
+            <a:r>
+              <a:rPr lang="de-CH" dirty="0" smtClean="0"/>
+              <a:t>. </a:t>
+            </a:r>
+            <a:r>
+              <a:rPr lang="de-CH" dirty="0" smtClean="0"/>
+              <a:t>Vorgehen</a:t>
+            </a:r>
+            <a:endParaRPr lang="de-CH" dirty="0" smtClean="0"/>
+          </a:p>
+          <a:p>
+            <a:r>
+              <a:rPr lang="de-CH" dirty="0"/>
+              <a:t>4</a:t>
+            </a:r>
+            <a:r>
+              <a:rPr lang="de-CH" dirty="0" smtClean="0"/>
+              <a:t>. Ergebnis</a:t>
+            </a:r>
+          </a:p>
+          <a:p>
+            <a:r>
+              <a:rPr lang="de-CH" dirty="0" smtClean="0"/>
+              <a:t>6. Demo</a:t>
+            </a:r>
+            <a:endParaRPr lang="de-CH" dirty="0" smtClean="0"/>
+          </a:p>
+          <a:p>
+            <a:r>
+              <a:rPr lang="de-CH" dirty="0"/>
+              <a:t>5</a:t>
+            </a:r>
+            <a:r>
+              <a:rPr lang="de-CH" dirty="0" smtClean="0"/>
+              <a:t>. Erkenntnisse, Schlussfolgerung, Massnahmen</a:t>
+            </a:r>
+            <a:endParaRPr lang="de-CH" dirty="0" smtClean="0"/>
+          </a:p>
+          <a:p>
+            <a:endParaRPr lang="de-CH" dirty="0"/>
+          </a:p>
+        </p:txBody>
+      </p:sp>
+      <p:sp>
+        <p:nvSpPr>
+          <p:cNvPr id="4" name="Datumsplatzhalter 3"/>
+          <p:cNvSpPr>
+            <a:spLocks noGrp="1"/>
+          </p:cNvSpPr>
+          <p:nvPr>
+            <p:ph type="dt" sz="half" idx="10"/>
+            <p:custDataLst>
+              <p:tags r:id="rId3"/>
+            </p:custDataLst>
+          </p:nvPr>
+        </p:nvSpPr>
+        <p:spPr/>
+        <p:txBody>
+          <a:bodyPr/>
+          <a:lstStyle/>
+          <a:p>
+            <a:fld id="{9B0C978E-95F0-40EB-AAEE-6991B236EB3B}" type="datetime1">
+              <a:rPr lang="de-CH" smtClean="0"/>
+              <a:pPr/>
+              <a:t>28.02.17</a:t>
+            </a:fld>
+            <a:endParaRPr lang="de-CH" dirty="0"/>
+          </a:p>
+        </p:txBody>
+      </p:sp>
+      <p:sp>
+        <p:nvSpPr>
+          <p:cNvPr id="5" name="Foliennummernplatzhalter 4"/>
+          <p:cNvSpPr>
+            <a:spLocks noGrp="1"/>
+          </p:cNvSpPr>
+          <p:nvPr>
+            <p:ph type="sldNum" sz="quarter" idx="12"/>
+            <p:custDataLst>
+              <p:tags r:id="rId4"/>
+            </p:custDataLst>
+          </p:nvPr>
+        </p:nvSpPr>
+        <p:spPr/>
+        <p:txBody>
+          <a:bodyPr/>
+          <a:lstStyle/>
+          <a:p>
+            <a:fld id="{FA032481-47EB-4636-94E1-F5CD93B34200}" type="slidenum">
+              <a:rPr lang="de-CH" smtClean="0"/>
+              <a:pPr/>
+              <a:t>2</a:t>
+            </a:fld>
+            <a:endParaRPr lang="de-CH" dirty="0"/>
+          </a:p>
+        </p:txBody>
+      </p:sp>
+    </p:spTree>
+    <p:extLst>
+      <p:ext uri="{BB962C8B-B14F-4D97-AF65-F5344CB8AC3E}">
+        <p14:creationId xmlns:p14="http://schemas.microsoft.com/office/powerpoint/2010/main" val="3015003584"/>
+      </p:ext>
+    </p:extLst>
+  </p:cSld>
+  <p:clrMapOvr>
+    <a:masterClrMapping/>
+  </p:clrMapOvr>
+  <mc:AlternateContent xmlns:mc="http://schemas.openxmlformats.org/markup-compatibility/2006" xmlns:p14="http://schemas.microsoft.com/office/powerpoint/2010/main">
+    <mc:Choice Requires="p14">
+      <p:transition spd="med" p14:dur="700">
+        <p:fade/>
+      </p:transition>
+    </mc:Choice>
+    <mc:Fallback xmlns="">
+      <p:transition spd="med">
+        <p:fade/>
+      </p:transition>
+    </mc:Fallback>
+  </mc:AlternateContent>
+  <p:timing>
+    <p:tnLst>
+      <p:par>
+        <p:cTn id="1" dur="indefinite" restart="never" nodeType="tmRoot"/>
+      </p:par>
+    </p:tnLst>
+  </p:timing>
+</p:sld>
+</file>
+
+<file path=ppt/slides/slide20.xml><?xml version="1.0" encoding="utf-8"?>
+<p:sld xmlns:a="http://schemas.openxmlformats.org/drawingml/2006/main" xmlns:r="http://schemas.openxmlformats.org/officeDocument/2006/relationships" xmlns:p="http://schemas.openxmlformats.org/presentationml/2006/main">
+  <p:cSld>
+    <p:spTree>
+      <p:nvGrpSpPr>
+        <p:cNvPr id="1" name=""/>
+        <p:cNvGrpSpPr/>
+        <p:nvPr/>
+      </p:nvGrpSpPr>
+      <p:grpSpPr>
+        <a:xfrm>
+          <a:off x="0" y="0"/>
+          <a:ext cx="0" cy="0"/>
+          <a:chOff x="0" y="0"/>
+          <a:chExt cx="0" cy="0"/>
+        </a:xfrm>
+      </p:grpSpPr>
+      <p:sp>
+        <p:nvSpPr>
+          <p:cNvPr id="2" name="Title 1"/>
+          <p:cNvSpPr>
+            <a:spLocks noGrp="1"/>
+          </p:cNvSpPr>
+          <p:nvPr>
+            <p:ph type="title"/>
+          </p:nvPr>
+        </p:nvSpPr>
+        <p:spPr/>
+        <p:txBody>
+          <a:bodyPr/>
+          <a:lstStyle/>
+          <a:p>
+            <a:r>
+              <a:rPr lang="de-DE" dirty="0" smtClean="0"/>
+              <a:t>4. Vorgehen </a:t>
+            </a:r>
+            <a:r>
+              <a:rPr lang="mr-IN" dirty="0" smtClean="0"/>
+              <a:t>–</a:t>
+            </a:r>
+            <a:r>
+              <a:rPr lang="de-DE" dirty="0" smtClean="0"/>
+              <a:t> Prototyp: </a:t>
+            </a:r>
+            <a:r>
+              <a:rPr lang="de-DE" dirty="0" err="1" smtClean="0"/>
+              <a:t>MongoDB</a:t>
+            </a:r>
+            <a:r>
+              <a:rPr lang="de-DE" dirty="0" smtClean="0"/>
+              <a:t> Schema Migration</a:t>
+            </a:r>
+            <a:endParaRPr lang="de-DE" dirty="0"/>
+          </a:p>
+        </p:txBody>
+      </p:sp>
+      <p:sp>
+        <p:nvSpPr>
+          <p:cNvPr id="3" name="Content Placeholder 2"/>
+          <p:cNvSpPr>
+            <a:spLocks noGrp="1"/>
+          </p:cNvSpPr>
+          <p:nvPr>
+            <p:ph idx="1"/>
+          </p:nvPr>
+        </p:nvSpPr>
+        <p:spPr>
+          <a:xfrm>
+            <a:off x="971999" y="1484314"/>
+            <a:ext cx="7560000" cy="1584646"/>
+          </a:xfrm>
+        </p:spPr>
+        <p:txBody>
+          <a:bodyPr>
+            <a:normAutofit/>
+          </a:bodyPr>
+          <a:lstStyle/>
+          <a:p>
+            <a:r>
+              <a:rPr lang="de-DE" dirty="0"/>
+              <a:t>Da </a:t>
+            </a:r>
+            <a:r>
+              <a:rPr lang="de-DE" dirty="0" err="1"/>
+              <a:t>MongoDB</a:t>
+            </a:r>
+            <a:r>
+              <a:rPr lang="de-DE" dirty="0"/>
+              <a:t> kein Schema hat, wurden gleich der Split Table Case umgesetzt da Umbenennungen sehr einfach sind</a:t>
+            </a:r>
+            <a:r>
+              <a:rPr lang="de-DE" dirty="0" smtClean="0"/>
+              <a:t>. Folgendes Bild zeigt den Übergang, welche bei MySQL gleich wäre.</a:t>
+            </a:r>
+          </a:p>
+          <a:p>
+            <a:r>
+              <a:rPr lang="de-DE" dirty="0" err="1" smtClean="0"/>
+              <a:t>MongoDB</a:t>
+            </a:r>
+            <a:r>
+              <a:rPr lang="de-DE" dirty="0" smtClean="0"/>
+              <a:t> speichert beide Versionen. Der Entwickler muss sich um die Konvertierung kümmern.</a:t>
+            </a:r>
+            <a:endParaRPr lang="de-DE" dirty="0"/>
+          </a:p>
+          <a:p>
+            <a:endParaRPr lang="de-DE" dirty="0"/>
+          </a:p>
+        </p:txBody>
+      </p:sp>
+      <p:sp>
+        <p:nvSpPr>
+          <p:cNvPr id="4" name="Date Placeholder 3"/>
+          <p:cNvSpPr>
+            <a:spLocks noGrp="1"/>
+          </p:cNvSpPr>
+          <p:nvPr>
+            <p:ph type="dt" sz="half" idx="10"/>
+          </p:nvPr>
+        </p:nvSpPr>
+        <p:spPr/>
+        <p:txBody>
+          <a:bodyPr/>
+          <a:lstStyle/>
+          <a:p>
+            <a:fld id="{3DA8AD82-44AD-4D66-AD7B-1F36F7CE3655}" type="datetime1">
+              <a:rPr lang="de-CH" smtClean="0"/>
+              <a:t>01.03.17</a:t>
+            </a:fld>
+            <a:endParaRPr lang="de-CH" dirty="0"/>
+          </a:p>
+        </p:txBody>
+      </p:sp>
+      <p:sp>
+        <p:nvSpPr>
+          <p:cNvPr id="5" name="Slide Number Placeholder 4"/>
+          <p:cNvSpPr>
+            <a:spLocks noGrp="1"/>
+          </p:cNvSpPr>
+          <p:nvPr>
+            <p:ph type="sldNum" sz="quarter" idx="12"/>
+          </p:nvPr>
+        </p:nvSpPr>
+        <p:spPr/>
+        <p:txBody>
+          <a:bodyPr/>
+          <a:lstStyle/>
+          <a:p>
+            <a:fld id="{FA032481-47EB-4636-94E1-F5CD93B34200}" type="slidenum">
+              <a:rPr lang="de-CH" smtClean="0"/>
+              <a:t>20</a:t>
+            </a:fld>
+            <a:endParaRPr lang="de-CH" dirty="0"/>
+          </a:p>
+        </p:txBody>
+      </p:sp>
+      <p:pic>
+        <p:nvPicPr>
+          <p:cNvPr id="6" name="Picture 5"/>
+          <p:cNvPicPr>
+            <a:picLocks noChangeAspect="1"/>
+          </p:cNvPicPr>
+          <p:nvPr/>
+        </p:nvPicPr>
+        <p:blipFill>
+          <a:blip r:embed="rId2">
+            <a:extLst>
+              <a:ext uri="{28A0092B-C50C-407E-A947-70E740481C1C}">
+                <a14:useLocalDpi xmlns:a14="http://schemas.microsoft.com/office/drawing/2010/main" val="0"/>
+              </a:ext>
+            </a:extLst>
+          </a:blip>
+          <a:stretch>
+            <a:fillRect/>
+          </a:stretch>
+        </p:blipFill>
+        <p:spPr>
+          <a:xfrm>
+            <a:off x="1872000" y="3151108"/>
+            <a:ext cx="5436096" cy="3117127"/>
+          </a:xfrm>
+          <a:prstGeom prst="rect">
+            <a:avLst/>
+          </a:prstGeom>
+        </p:spPr>
+      </p:pic>
+    </p:spTree>
+    <p:extLst>
+      <p:ext uri="{BB962C8B-B14F-4D97-AF65-F5344CB8AC3E}">
+        <p14:creationId xmlns:p14="http://schemas.microsoft.com/office/powerpoint/2010/main" val="1737816793"/>
+      </p:ext>
+    </p:extLst>
+  </p:cSld>
+  <p:clrMapOvr>
+    <a:masterClrMapping/>
+  </p:clrMapOvr>
+  <mc:AlternateContent xmlns:mc="http://schemas.openxmlformats.org/markup-compatibility/2006" xmlns:p14="http://schemas.microsoft.com/office/powerpoint/2010/main">
+    <mc:Choice Requires="p14">
+      <p:transition spd="med" p14:dur="700">
+        <p:fade/>
+      </p:transition>
+    </mc:Choice>
+    <mc:Fallback xmlns="">
+      <p:transition spd="med">
+        <p:fade/>
+      </p:transition>
+    </mc:Fallback>
+  </mc:AlternateContent>
+</p:sld>
+</file>
+
+<file path=ppt/slides/slide21.xml><?xml version="1.0" encoding="utf-8"?>
+<p:sld xmlns:a="http://schemas.openxmlformats.org/drawingml/2006/main" xmlns:r="http://schemas.openxmlformats.org/officeDocument/2006/relationships" xmlns:p="http://schemas.openxmlformats.org/presentationml/2006/main">
+  <p:cSld>
+    <p:spTree>
+      <p:nvGrpSpPr>
+        <p:cNvPr id="1" name=""/>
+        <p:cNvGrpSpPr/>
+        <p:nvPr/>
+      </p:nvGrpSpPr>
+      <p:grpSpPr>
+        <a:xfrm>
+          <a:off x="0" y="0"/>
+          <a:ext cx="0" cy="0"/>
+          <a:chOff x="0" y="0"/>
+          <a:chExt cx="0" cy="0"/>
+        </a:xfrm>
+      </p:grpSpPr>
+      <p:sp>
+        <p:nvSpPr>
+          <p:cNvPr id="2" name="Title 1"/>
+          <p:cNvSpPr>
+            <a:spLocks noGrp="1"/>
+          </p:cNvSpPr>
+          <p:nvPr>
+            <p:ph type="title"/>
+          </p:nvPr>
+        </p:nvSpPr>
+        <p:spPr/>
+        <p:txBody>
+          <a:bodyPr/>
+          <a:lstStyle/>
+          <a:p>
+            <a:r>
+              <a:rPr lang="de-DE" dirty="0" smtClean="0"/>
+              <a:t>4. Vorgehen - Prototyp: </a:t>
+            </a:r>
+            <a:r>
+              <a:rPr lang="de-DE" dirty="0" err="1" smtClean="0"/>
+              <a:t>GraphQL</a:t>
+            </a:r>
+            <a:endParaRPr lang="de-DE" dirty="0"/>
+          </a:p>
+        </p:txBody>
+      </p:sp>
+      <p:sp>
+        <p:nvSpPr>
+          <p:cNvPr id="3" name="Content Placeholder 2"/>
+          <p:cNvSpPr>
+            <a:spLocks noGrp="1"/>
+          </p:cNvSpPr>
+          <p:nvPr>
+            <p:ph idx="1"/>
+          </p:nvPr>
+        </p:nvSpPr>
+        <p:spPr/>
+        <p:txBody>
+          <a:bodyPr/>
+          <a:lstStyle/>
+          <a:p>
+            <a:endParaRPr lang="de-DE"/>
+          </a:p>
+        </p:txBody>
+      </p:sp>
+      <p:sp>
+        <p:nvSpPr>
+          <p:cNvPr id="4" name="Date Placeholder 3"/>
+          <p:cNvSpPr>
+            <a:spLocks noGrp="1"/>
+          </p:cNvSpPr>
+          <p:nvPr>
+            <p:ph type="dt" sz="half" idx="10"/>
+          </p:nvPr>
+        </p:nvSpPr>
+        <p:spPr/>
+        <p:txBody>
+          <a:bodyPr/>
+          <a:lstStyle/>
+          <a:p>
+            <a:fld id="{3DA8AD82-44AD-4D66-AD7B-1F36F7CE3655}" type="datetime1">
+              <a:rPr lang="de-CH" smtClean="0"/>
+              <a:t>28.02.17</a:t>
+            </a:fld>
+            <a:endParaRPr lang="de-CH" dirty="0"/>
+          </a:p>
+        </p:txBody>
+      </p:sp>
+      <p:sp>
+        <p:nvSpPr>
+          <p:cNvPr id="5" name="Slide Number Placeholder 4"/>
+          <p:cNvSpPr>
+            <a:spLocks noGrp="1"/>
+          </p:cNvSpPr>
+          <p:nvPr>
+            <p:ph type="sldNum" sz="quarter" idx="12"/>
+          </p:nvPr>
+        </p:nvSpPr>
+        <p:spPr/>
+        <p:txBody>
+          <a:bodyPr/>
+          <a:lstStyle/>
+          <a:p>
+            <a:fld id="{FA032481-47EB-4636-94E1-F5CD93B34200}" type="slidenum">
+              <a:rPr lang="de-CH" smtClean="0"/>
+              <a:t>21</a:t>
+            </a:fld>
+            <a:endParaRPr lang="de-CH" dirty="0"/>
+          </a:p>
+        </p:txBody>
+      </p:sp>
+    </p:spTree>
+    <p:extLst>
+      <p:ext uri="{BB962C8B-B14F-4D97-AF65-F5344CB8AC3E}">
+        <p14:creationId xmlns:p14="http://schemas.microsoft.com/office/powerpoint/2010/main" val="869250948"/>
+      </p:ext>
+    </p:extLst>
+  </p:cSld>
+  <p:clrMapOvr>
+    <a:masterClrMapping/>
+  </p:clrMapOvr>
+  <mc:AlternateContent xmlns:mc="http://schemas.openxmlformats.org/markup-compatibility/2006" xmlns:p14="http://schemas.microsoft.com/office/powerpoint/2010/main">
+    <mc:Choice Requires="p14">
+      <p:transition spd="med" p14:dur="700">
+        <p:fade/>
+      </p:transition>
+    </mc:Choice>
+    <mc:Fallback xmlns="">
+      <p:transition spd="med">
+        <p:fade/>
+      </p:transition>
+    </mc:Fallback>
+  </mc:AlternateContent>
+</p:sld>
+</file>
+
+<file path=ppt/slides/slide22.xml><?xml version="1.0" encoding="utf-8"?>
+<p:sld xmlns:a="http://schemas.openxmlformats.org/drawingml/2006/main" xmlns:r="http://schemas.openxmlformats.org/officeDocument/2006/relationships" xmlns:p="http://schemas.openxmlformats.org/presentationml/2006/main">
+  <p:cSld>
+    <p:spTree>
+      <p:nvGrpSpPr>
+        <p:cNvPr id="1" name=""/>
+        <p:cNvGrpSpPr/>
+        <p:nvPr/>
+      </p:nvGrpSpPr>
+      <p:grpSpPr>
+        <a:xfrm>
+          <a:off x="0" y="0"/>
+          <a:ext cx="0" cy="0"/>
+          <a:chOff x="0" y="0"/>
+          <a:chExt cx="0" cy="0"/>
+        </a:xfrm>
+      </p:grpSpPr>
+      <p:sp>
+        <p:nvSpPr>
+          <p:cNvPr id="2" name="Title 1"/>
+          <p:cNvSpPr>
+            <a:spLocks noGrp="1"/>
+          </p:cNvSpPr>
+          <p:nvPr>
+            <p:ph type="title"/>
+          </p:nvPr>
+        </p:nvSpPr>
+        <p:spPr/>
+        <p:txBody>
+          <a:bodyPr/>
+          <a:lstStyle/>
+          <a:p>
+            <a:r>
+              <a:rPr lang="de-DE" dirty="0" smtClean="0"/>
+              <a:t>4. Vorgehen </a:t>
+            </a:r>
+            <a:r>
+              <a:rPr lang="mr-IN" dirty="0" smtClean="0"/>
+              <a:t>–</a:t>
+            </a:r>
+            <a:r>
+              <a:rPr lang="de-DE" dirty="0" smtClean="0"/>
+              <a:t> Prototyp: </a:t>
+            </a:r>
+            <a:r>
+              <a:rPr lang="de-DE" dirty="0" err="1" smtClean="0"/>
+              <a:t>OpenShift</a:t>
+            </a:r>
+            <a:endParaRPr lang="de-DE" dirty="0"/>
+          </a:p>
+        </p:txBody>
+      </p:sp>
+      <p:sp>
+        <p:nvSpPr>
+          <p:cNvPr id="3" name="Content Placeholder 2"/>
+          <p:cNvSpPr>
+            <a:spLocks noGrp="1"/>
+          </p:cNvSpPr>
+          <p:nvPr>
+            <p:ph idx="1"/>
+          </p:nvPr>
+        </p:nvSpPr>
+        <p:spPr/>
+        <p:txBody>
+          <a:bodyPr/>
+          <a:lstStyle/>
+          <a:p>
+            <a:r>
+              <a:rPr lang="de-DE" dirty="0" smtClean="0"/>
+              <a:t>Für die Evaluation wurden Templates, welche auf der Plattform bereits vorhanden waren.</a:t>
+            </a:r>
+          </a:p>
+          <a:p>
+            <a:r>
+              <a:rPr lang="de-DE" dirty="0" smtClean="0"/>
+              <a:t>Die Konzepte waren aber nicht wirklich klar weshalb die Ideen mit dem </a:t>
+            </a:r>
+            <a:r>
+              <a:rPr lang="de-DE" dirty="0" err="1" smtClean="0"/>
+              <a:t>OpenShift</a:t>
+            </a:r>
+            <a:r>
+              <a:rPr lang="de-DE" dirty="0" smtClean="0"/>
+              <a:t> Administrator besprochen wurde.</a:t>
+            </a:r>
+          </a:p>
+        </p:txBody>
+      </p:sp>
+      <p:sp>
+        <p:nvSpPr>
+          <p:cNvPr id="4" name="Date Placeholder 3"/>
+          <p:cNvSpPr>
+            <a:spLocks noGrp="1"/>
+          </p:cNvSpPr>
+          <p:nvPr>
+            <p:ph type="dt" sz="half" idx="10"/>
+          </p:nvPr>
+        </p:nvSpPr>
+        <p:spPr/>
+        <p:txBody>
+          <a:bodyPr/>
+          <a:lstStyle/>
+          <a:p>
+            <a:fld id="{3DA8AD82-44AD-4D66-AD7B-1F36F7CE3655}" type="datetime1">
+              <a:rPr lang="de-CH" smtClean="0"/>
+              <a:t>28.02.17</a:t>
+            </a:fld>
+            <a:endParaRPr lang="de-CH" dirty="0"/>
+          </a:p>
+        </p:txBody>
+      </p:sp>
+      <p:sp>
+        <p:nvSpPr>
+          <p:cNvPr id="5" name="Slide Number Placeholder 4"/>
+          <p:cNvSpPr>
+            <a:spLocks noGrp="1"/>
+          </p:cNvSpPr>
+          <p:nvPr>
+            <p:ph type="sldNum" sz="quarter" idx="12"/>
+          </p:nvPr>
+        </p:nvSpPr>
+        <p:spPr/>
+        <p:txBody>
+          <a:bodyPr/>
+          <a:lstStyle/>
+          <a:p>
+            <a:fld id="{FA032481-47EB-4636-94E1-F5CD93B34200}" type="slidenum">
+              <a:rPr lang="de-CH" smtClean="0"/>
+              <a:t>22</a:t>
+            </a:fld>
+            <a:endParaRPr lang="de-CH" dirty="0"/>
+          </a:p>
+        </p:txBody>
+      </p:sp>
+    </p:spTree>
+    <p:extLst>
+      <p:ext uri="{BB962C8B-B14F-4D97-AF65-F5344CB8AC3E}">
+        <p14:creationId xmlns:p14="http://schemas.microsoft.com/office/powerpoint/2010/main" val="691549278"/>
+      </p:ext>
+    </p:extLst>
+  </p:cSld>
+  <p:clrMapOvr>
+    <a:masterClrMapping/>
+  </p:clrMapOvr>
+  <mc:AlternateContent xmlns:mc="http://schemas.openxmlformats.org/markup-compatibility/2006" xmlns:p14="http://schemas.microsoft.com/office/powerpoint/2010/main">
+    <mc:Choice Requires="p14">
+      <p:transition spd="med" p14:dur="700">
+        <p:fade/>
+      </p:transition>
+    </mc:Choice>
+    <mc:Fallback xmlns="">
+      <p:transition spd="med">
+        <p:fade/>
+      </p:transition>
+    </mc:Fallback>
+  </mc:AlternateContent>
+</p:sld>
+</file>
+
+<file path=ppt/slides/slide23.xml><?xml version="1.0" encoding="utf-8"?>
+<p:sld xmlns:a="http://schemas.openxmlformats.org/drawingml/2006/main" xmlns:r="http://schemas.openxmlformats.org/officeDocument/2006/relationships" xmlns:p="http://schemas.openxmlformats.org/presentationml/2006/main">
+  <p:cSld>
+    <p:spTree>
+      <p:nvGrpSpPr>
+        <p:cNvPr id="1" name=""/>
+        <p:cNvGrpSpPr/>
+        <p:nvPr/>
+      </p:nvGrpSpPr>
+      <p:grpSpPr>
+        <a:xfrm>
+          <a:off x="0" y="0"/>
+          <a:ext cx="0" cy="0"/>
+          <a:chOff x="0" y="0"/>
+          <a:chExt cx="0" cy="0"/>
+        </a:xfrm>
+      </p:grpSpPr>
+      <p:sp>
+        <p:nvSpPr>
+          <p:cNvPr id="2" name="Title 1"/>
+          <p:cNvSpPr>
+            <a:spLocks noGrp="1"/>
+          </p:cNvSpPr>
+          <p:nvPr>
+            <p:ph type="title"/>
+          </p:nvPr>
+        </p:nvSpPr>
+        <p:spPr/>
+        <p:txBody>
+          <a:bodyPr/>
+          <a:lstStyle/>
+          <a:p>
+            <a:r>
+              <a:rPr lang="de-DE" dirty="0" smtClean="0"/>
+              <a:t>4. Vorgehen </a:t>
+            </a:r>
+            <a:r>
+              <a:rPr lang="mr-IN" dirty="0" smtClean="0"/>
+              <a:t>–</a:t>
+            </a:r>
+            <a:r>
+              <a:rPr lang="de-DE" dirty="0" smtClean="0"/>
+              <a:t> Prototyp: Spring Cloud </a:t>
+            </a:r>
+            <a:r>
+              <a:rPr lang="de-DE" dirty="0" err="1" smtClean="0"/>
+              <a:t>Config</a:t>
+            </a:r>
+            <a:endParaRPr lang="de-DE" dirty="0"/>
+          </a:p>
+        </p:txBody>
+      </p:sp>
+      <p:sp>
+        <p:nvSpPr>
+          <p:cNvPr id="3" name="Content Placeholder 2"/>
+          <p:cNvSpPr>
+            <a:spLocks noGrp="1"/>
+          </p:cNvSpPr>
+          <p:nvPr>
+            <p:ph idx="1"/>
+          </p:nvPr>
+        </p:nvSpPr>
+        <p:spPr/>
+        <p:txBody>
+          <a:bodyPr/>
+          <a:lstStyle/>
+          <a:p>
+            <a:r>
+              <a:rPr lang="de-DE" dirty="0" smtClean="0"/>
+              <a:t>Der Prototyp wurde </a:t>
+            </a:r>
+            <a:r>
+              <a:rPr lang="de-DE" dirty="0" err="1" smtClean="0"/>
+              <a:t>basirend</a:t>
+            </a:r>
+            <a:r>
+              <a:rPr lang="de-DE" dirty="0" smtClean="0"/>
+              <a:t> auf dem </a:t>
+            </a:r>
+            <a:r>
+              <a:rPr lang="de-DE" dirty="0" err="1" smtClean="0"/>
+              <a:t>Getting</a:t>
+            </a:r>
+            <a:r>
+              <a:rPr lang="de-DE" dirty="0" smtClean="0"/>
+              <a:t> </a:t>
+            </a:r>
+            <a:r>
+              <a:rPr lang="de-DE" dirty="0" err="1" smtClean="0"/>
+              <a:t>Started</a:t>
+            </a:r>
+            <a:r>
+              <a:rPr lang="de-DE" dirty="0" smtClean="0"/>
+              <a:t> Guide von Spring sowie eines </a:t>
+            </a:r>
+            <a:r>
+              <a:rPr lang="de-DE" dirty="0" err="1" smtClean="0"/>
+              <a:t>Pivotal</a:t>
+            </a:r>
+            <a:r>
+              <a:rPr lang="de-DE" dirty="0" smtClean="0"/>
+              <a:t> Mitarbeiters gemacht.</a:t>
+            </a:r>
+          </a:p>
+          <a:p>
+            <a:r>
+              <a:rPr lang="de-DE" dirty="0" smtClean="0"/>
+              <a:t>Der Aufbau war sehr einfach weil Spring schon viele vorkonfiguriert hatte.</a:t>
+            </a:r>
+          </a:p>
+          <a:p>
+            <a:r>
+              <a:rPr lang="de-DE" dirty="0" smtClean="0"/>
+              <a:t>@</a:t>
+            </a:r>
+            <a:r>
+              <a:rPr lang="de-DE" dirty="0" err="1" smtClean="0"/>
+              <a:t>RefreshScope</a:t>
+            </a:r>
+            <a:r>
+              <a:rPr lang="de-DE" dirty="0" smtClean="0"/>
+              <a:t> musste nur auf den zu </a:t>
+            </a:r>
+            <a:r>
+              <a:rPr lang="de-DE" dirty="0" err="1" smtClean="0"/>
+              <a:t>aktualisierenen</a:t>
+            </a:r>
+            <a:r>
+              <a:rPr lang="de-DE" dirty="0" smtClean="0"/>
+              <a:t> Klassen </a:t>
+            </a:r>
+            <a:r>
+              <a:rPr lang="de-DE" dirty="0" err="1" smtClean="0"/>
+              <a:t>hinzufgefügt</a:t>
+            </a:r>
+            <a:r>
+              <a:rPr lang="de-DE" dirty="0" smtClean="0"/>
+              <a:t> werden.</a:t>
+            </a:r>
+          </a:p>
+          <a:p>
+            <a:r>
+              <a:rPr lang="de-DE" dirty="0" err="1" smtClean="0"/>
+              <a:t>RabbitMQ</a:t>
+            </a:r>
+            <a:r>
+              <a:rPr lang="de-DE" dirty="0" smtClean="0"/>
+              <a:t> für die Benachrichtigung musste auch nur </a:t>
+            </a:r>
+            <a:r>
+              <a:rPr lang="de-DE" smtClean="0"/>
+              <a:t>konfiguriert werden.</a:t>
+            </a:r>
+          </a:p>
+        </p:txBody>
+      </p:sp>
+      <p:sp>
+        <p:nvSpPr>
+          <p:cNvPr id="4" name="Date Placeholder 3"/>
+          <p:cNvSpPr>
+            <a:spLocks noGrp="1"/>
+          </p:cNvSpPr>
+          <p:nvPr>
+            <p:ph type="dt" sz="half" idx="10"/>
+          </p:nvPr>
+        </p:nvSpPr>
+        <p:spPr/>
+        <p:txBody>
+          <a:bodyPr/>
+          <a:lstStyle/>
+          <a:p>
+            <a:fld id="{3DA8AD82-44AD-4D66-AD7B-1F36F7CE3655}" type="datetime1">
+              <a:rPr lang="de-CH" smtClean="0"/>
+              <a:t>28.02.17</a:t>
+            </a:fld>
+            <a:endParaRPr lang="de-CH" dirty="0"/>
+          </a:p>
+        </p:txBody>
+      </p:sp>
+      <p:sp>
+        <p:nvSpPr>
+          <p:cNvPr id="5" name="Slide Number Placeholder 4"/>
+          <p:cNvSpPr>
+            <a:spLocks noGrp="1"/>
+          </p:cNvSpPr>
+          <p:nvPr>
+            <p:ph type="sldNum" sz="quarter" idx="12"/>
+          </p:nvPr>
+        </p:nvSpPr>
+        <p:spPr/>
+        <p:txBody>
+          <a:bodyPr/>
+          <a:lstStyle/>
+          <a:p>
+            <a:fld id="{FA032481-47EB-4636-94E1-F5CD93B34200}" type="slidenum">
+              <a:rPr lang="de-CH" smtClean="0"/>
+              <a:t>23</a:t>
+            </a:fld>
+            <a:endParaRPr lang="de-CH" dirty="0"/>
+          </a:p>
+        </p:txBody>
+      </p:sp>
+    </p:spTree>
+    <p:extLst>
+      <p:ext uri="{BB962C8B-B14F-4D97-AF65-F5344CB8AC3E}">
+        <p14:creationId xmlns:p14="http://schemas.microsoft.com/office/powerpoint/2010/main" val="679852633"/>
+      </p:ext>
+    </p:extLst>
+  </p:cSld>
+  <p:clrMapOvr>
+    <a:masterClrMapping/>
+  </p:clrMapOvr>
+  <mc:AlternateContent xmlns:mc="http://schemas.openxmlformats.org/markup-compatibility/2006" xmlns:p14="http://schemas.microsoft.com/office/powerpoint/2010/main">
+    <mc:Choice Requires="p14">
+      <p:transition spd="med" p14:dur="700">
+        <p:fade/>
+      </p:transition>
+    </mc:Choice>
+    <mc:Fallback xmlns="">
+      <p:transition spd="med">
+        <p:fade/>
+      </p:transition>
+    </mc:Fallback>
+  </mc:AlternateContent>
+</p:sld>
+</file>
+
+<file path=ppt/slides/slide24.xml><?xml version="1.0" encoding="utf-8"?>
+<p:sld xmlns:a="http://schemas.openxmlformats.org/drawingml/2006/main" xmlns:r="http://schemas.openxmlformats.org/officeDocument/2006/relationships" xmlns:p="http://schemas.openxmlformats.org/presentationml/2006/main">
+  <p:cSld>
+    <p:spTree>
+      <p:nvGrpSpPr>
+        <p:cNvPr id="1" name=""/>
+        <p:cNvGrpSpPr/>
+        <p:nvPr/>
+      </p:nvGrpSpPr>
+      <p:grpSpPr>
+        <a:xfrm>
+          <a:off x="0" y="0"/>
+          <a:ext cx="0" cy="0"/>
+          <a:chOff x="0" y="0"/>
+          <a:chExt cx="0" cy="0"/>
+        </a:xfrm>
+      </p:grpSpPr>
+      <p:sp>
+        <p:nvSpPr>
+          <p:cNvPr id="2" name="Title 1"/>
+          <p:cNvSpPr>
+            <a:spLocks noGrp="1"/>
+          </p:cNvSpPr>
+          <p:nvPr>
+            <p:ph type="title"/>
+          </p:nvPr>
+        </p:nvSpPr>
+        <p:spPr/>
+        <p:txBody>
+          <a:bodyPr/>
+          <a:lstStyle/>
+          <a:p>
+            <a:r>
+              <a:rPr lang="de-DE" dirty="0" smtClean="0"/>
+              <a:t>4. Vorgehen </a:t>
+            </a:r>
+            <a:r>
+              <a:rPr lang="mr-IN" dirty="0" smtClean="0"/>
+              <a:t>–</a:t>
+            </a:r>
+            <a:r>
+              <a:rPr lang="de-DE" dirty="0" smtClean="0"/>
+              <a:t> finale Bewertung</a:t>
+            </a:r>
+            <a:endParaRPr lang="de-DE" dirty="0"/>
+          </a:p>
+        </p:txBody>
+      </p:sp>
+      <p:sp>
+        <p:nvSpPr>
+          <p:cNvPr id="3" name="Content Placeholder 2"/>
+          <p:cNvSpPr>
+            <a:spLocks noGrp="1"/>
+          </p:cNvSpPr>
+          <p:nvPr>
+            <p:ph idx="1"/>
+          </p:nvPr>
+        </p:nvSpPr>
+        <p:spPr/>
+        <p:txBody>
+          <a:bodyPr/>
+          <a:lstStyle/>
+          <a:p>
+            <a:r>
+              <a:rPr lang="de-DE" dirty="0" smtClean="0"/>
+              <a:t>Nach Abschluss der Prototypen finale Bewertung der Varianten.</a:t>
+            </a:r>
+          </a:p>
+          <a:p>
+            <a:endParaRPr lang="de-DE" dirty="0"/>
+          </a:p>
+          <a:p>
+            <a:r>
+              <a:rPr lang="de-DE" dirty="0" smtClean="0"/>
+              <a:t>Ausgesuchte Lösungen:</a:t>
+            </a:r>
+          </a:p>
+          <a:p>
+            <a:pPr lvl="1"/>
+            <a:r>
+              <a:rPr lang="de-DE" dirty="0" smtClean="0"/>
+              <a:t>Datenspeicherung: </a:t>
+            </a:r>
+            <a:r>
+              <a:rPr lang="de-DE" dirty="0" err="1" smtClean="0"/>
+              <a:t>MongoDB</a:t>
+            </a:r>
+            <a:endParaRPr lang="de-DE" dirty="0" smtClean="0"/>
+          </a:p>
+          <a:p>
+            <a:pPr lvl="1"/>
+            <a:r>
+              <a:rPr lang="de-DE" dirty="0" err="1" smtClean="0"/>
+              <a:t>Schnittstellenversionierung</a:t>
+            </a:r>
+            <a:r>
+              <a:rPr lang="de-DE" dirty="0" smtClean="0"/>
+              <a:t>: </a:t>
+            </a:r>
+            <a:r>
+              <a:rPr lang="de-DE" dirty="0" err="1" smtClean="0"/>
+              <a:t>Versionierung</a:t>
+            </a:r>
+            <a:r>
+              <a:rPr lang="de-DE" dirty="0" smtClean="0"/>
+              <a:t> mittels Pfad</a:t>
+            </a:r>
+          </a:p>
+          <a:p>
+            <a:pPr lvl="1"/>
+            <a:r>
+              <a:rPr lang="de-DE" dirty="0" smtClean="0"/>
+              <a:t>Kommunikationsentkopplung: Spring REST, </a:t>
+            </a:r>
+            <a:r>
+              <a:rPr lang="de-DE" dirty="0" err="1" smtClean="0"/>
+              <a:t>Hystrix</a:t>
+            </a:r>
+            <a:r>
+              <a:rPr lang="de-DE" dirty="0" smtClean="0"/>
+              <a:t> mit </a:t>
+            </a:r>
+            <a:r>
+              <a:rPr lang="de-DE" dirty="0" err="1" smtClean="0"/>
+              <a:t>Scheduled</a:t>
+            </a:r>
+            <a:r>
+              <a:rPr lang="de-DE" dirty="0" smtClean="0"/>
+              <a:t> Bean</a:t>
+            </a:r>
+          </a:p>
+          <a:p>
+            <a:pPr lvl="1"/>
+            <a:r>
+              <a:rPr lang="de-DE" dirty="0" smtClean="0"/>
+              <a:t>Konfigurationsmanagement: </a:t>
+            </a:r>
+            <a:r>
+              <a:rPr lang="de-DE" dirty="0" err="1" smtClean="0"/>
+              <a:t>OpenShift</a:t>
+            </a:r>
+            <a:r>
+              <a:rPr lang="de-DE" dirty="0" smtClean="0"/>
+              <a:t> und Spring Cloud </a:t>
+            </a:r>
+            <a:r>
+              <a:rPr lang="de-DE" dirty="0" err="1" smtClean="0"/>
+              <a:t>Config</a:t>
+            </a:r>
+            <a:endParaRPr lang="de-DE" dirty="0"/>
+          </a:p>
+        </p:txBody>
+      </p:sp>
+      <p:sp>
+        <p:nvSpPr>
+          <p:cNvPr id="4" name="Date Placeholder 3"/>
+          <p:cNvSpPr>
+            <a:spLocks noGrp="1"/>
+          </p:cNvSpPr>
+          <p:nvPr>
+            <p:ph type="dt" sz="half" idx="10"/>
+          </p:nvPr>
+        </p:nvSpPr>
+        <p:spPr/>
+        <p:txBody>
+          <a:bodyPr/>
+          <a:lstStyle/>
+          <a:p>
+            <a:fld id="{3DA8AD82-44AD-4D66-AD7B-1F36F7CE3655}" type="datetime1">
+              <a:rPr lang="de-CH" smtClean="0"/>
+              <a:t>28.02.17</a:t>
+            </a:fld>
+            <a:endParaRPr lang="de-CH" dirty="0"/>
+          </a:p>
+        </p:txBody>
+      </p:sp>
+      <p:sp>
+        <p:nvSpPr>
+          <p:cNvPr id="5" name="Slide Number Placeholder 4"/>
+          <p:cNvSpPr>
+            <a:spLocks noGrp="1"/>
+          </p:cNvSpPr>
+          <p:nvPr>
+            <p:ph type="sldNum" sz="quarter" idx="12"/>
+          </p:nvPr>
+        </p:nvSpPr>
+        <p:spPr/>
+        <p:txBody>
+          <a:bodyPr/>
+          <a:lstStyle/>
+          <a:p>
+            <a:fld id="{FA032481-47EB-4636-94E1-F5CD93B34200}" type="slidenum">
+              <a:rPr lang="de-CH" smtClean="0"/>
+              <a:t>24</a:t>
+            </a:fld>
+            <a:endParaRPr lang="de-CH" dirty="0"/>
+          </a:p>
+        </p:txBody>
+      </p:sp>
+    </p:spTree>
+    <p:extLst>
+      <p:ext uri="{BB962C8B-B14F-4D97-AF65-F5344CB8AC3E}">
+        <p14:creationId xmlns:p14="http://schemas.microsoft.com/office/powerpoint/2010/main" val="1787616"/>
+      </p:ext>
+    </p:extLst>
+  </p:cSld>
+  <p:clrMapOvr>
+    <a:masterClrMapping/>
+  </p:clrMapOvr>
+  <mc:AlternateContent xmlns:mc="http://schemas.openxmlformats.org/markup-compatibility/2006" xmlns:p14="http://schemas.microsoft.com/office/powerpoint/2010/main">
+    <mc:Choice Requires="p14">
+      <p:transition spd="med" p14:dur="700">
+        <p:fade/>
+      </p:transition>
+    </mc:Choice>
+    <mc:Fallback xmlns="">
+      <p:transition spd="med">
+        <p:fade/>
+      </p:transition>
+    </mc:Fallback>
+  </mc:AlternateContent>
+</p:sld>
+</file>
+
+<file path=ppt/slides/slide25.xml><?xml version="1.0" encoding="utf-8"?>
+<p:sld xmlns:a="http://schemas.openxmlformats.org/drawingml/2006/main" xmlns:r="http://schemas.openxmlformats.org/officeDocument/2006/relationships" xmlns:p="http://schemas.openxmlformats.org/presentationml/2006/main">
+  <p:cSld>
+    <p:spTree>
+      <p:nvGrpSpPr>
+        <p:cNvPr id="1" name=""/>
+        <p:cNvGrpSpPr/>
+        <p:nvPr/>
+      </p:nvGrpSpPr>
+      <p:grpSpPr>
+        <a:xfrm>
+          <a:off x="0" y="0"/>
+          <a:ext cx="0" cy="0"/>
+          <a:chOff x="0" y="0"/>
+          <a:chExt cx="0" cy="0"/>
+        </a:xfrm>
+      </p:grpSpPr>
+      <p:sp>
+        <p:nvSpPr>
+          <p:cNvPr id="2" name="Title 1"/>
+          <p:cNvSpPr>
+            <a:spLocks noGrp="1"/>
+          </p:cNvSpPr>
+          <p:nvPr>
+            <p:ph type="title"/>
+          </p:nvPr>
+        </p:nvSpPr>
+        <p:spPr/>
+        <p:txBody>
+          <a:bodyPr/>
+          <a:lstStyle/>
+          <a:p>
+            <a:r>
+              <a:rPr lang="de-DE" dirty="0" smtClean="0"/>
+              <a:t>4. Vorgehen </a:t>
+            </a:r>
+            <a:r>
+              <a:rPr lang="mr-IN" dirty="0" smtClean="0"/>
+              <a:t>–</a:t>
+            </a:r>
+            <a:r>
+              <a:rPr lang="de-DE" dirty="0" smtClean="0"/>
+              <a:t> Software Architektur Dokument</a:t>
+            </a:r>
+            <a:endParaRPr lang="de-DE" dirty="0"/>
+          </a:p>
+        </p:txBody>
+      </p:sp>
+      <p:sp>
+        <p:nvSpPr>
+          <p:cNvPr id="3" name="Content Placeholder 2"/>
+          <p:cNvSpPr>
+            <a:spLocks noGrp="1"/>
+          </p:cNvSpPr>
+          <p:nvPr>
+            <p:ph idx="1"/>
+          </p:nvPr>
+        </p:nvSpPr>
+        <p:spPr/>
+        <p:txBody>
+          <a:bodyPr/>
+          <a:lstStyle/>
+          <a:p>
+            <a:endParaRPr lang="de-DE" dirty="0"/>
+          </a:p>
+        </p:txBody>
+      </p:sp>
+      <p:sp>
+        <p:nvSpPr>
+          <p:cNvPr id="4" name="Date Placeholder 3"/>
+          <p:cNvSpPr>
+            <a:spLocks noGrp="1"/>
+          </p:cNvSpPr>
+          <p:nvPr>
+            <p:ph type="dt" sz="half" idx="10"/>
+          </p:nvPr>
+        </p:nvSpPr>
+        <p:spPr/>
+        <p:txBody>
+          <a:bodyPr/>
+          <a:lstStyle/>
+          <a:p>
+            <a:fld id="{3DA8AD82-44AD-4D66-AD7B-1F36F7CE3655}" type="datetime1">
+              <a:rPr lang="de-CH" smtClean="0"/>
+              <a:t>28.02.17</a:t>
+            </a:fld>
+            <a:endParaRPr lang="de-CH" dirty="0"/>
+          </a:p>
+        </p:txBody>
+      </p:sp>
+      <p:sp>
+        <p:nvSpPr>
+          <p:cNvPr id="5" name="Slide Number Placeholder 4"/>
+          <p:cNvSpPr>
+            <a:spLocks noGrp="1"/>
+          </p:cNvSpPr>
+          <p:nvPr>
+            <p:ph type="sldNum" sz="quarter" idx="12"/>
+          </p:nvPr>
+        </p:nvSpPr>
+        <p:spPr/>
+        <p:txBody>
+          <a:bodyPr/>
+          <a:lstStyle/>
+          <a:p>
+            <a:fld id="{FA032481-47EB-4636-94E1-F5CD93B34200}" type="slidenum">
+              <a:rPr lang="de-CH" smtClean="0"/>
+              <a:t>25</a:t>
+            </a:fld>
+            <a:endParaRPr lang="de-CH" dirty="0"/>
+          </a:p>
+        </p:txBody>
+      </p:sp>
+    </p:spTree>
+    <p:extLst>
+      <p:ext uri="{BB962C8B-B14F-4D97-AF65-F5344CB8AC3E}">
+        <p14:creationId xmlns:p14="http://schemas.microsoft.com/office/powerpoint/2010/main" val="210336684"/>
+      </p:ext>
+    </p:extLst>
+  </p:cSld>
+  <p:clrMapOvr>
+    <a:masterClrMapping/>
+  </p:clrMapOvr>
+  <mc:AlternateContent xmlns:mc="http://schemas.openxmlformats.org/markup-compatibility/2006" xmlns:p14="http://schemas.microsoft.com/office/powerpoint/2010/main">
+    <mc:Choice Requires="p14">
+      <p:transition spd="med" p14:dur="700">
+        <p:fade/>
+      </p:transition>
+    </mc:Choice>
+    <mc:Fallback xmlns="">
+      <p:transition spd="med">
+        <p:fade/>
+      </p:transition>
+    </mc:Fallback>
+  </mc:AlternateContent>
+</p:sld>
+</file>
+
+<file path=ppt/slides/slide26.xml><?xml version="1.0" encoding="utf-8"?>
+<p:sld xmlns:a="http://schemas.openxmlformats.org/drawingml/2006/main" xmlns:r="http://schemas.openxmlformats.org/officeDocument/2006/relationships" xmlns:p="http://schemas.openxmlformats.org/presentationml/2006/main">
+  <p:cSld>
+    <p:spTree>
+      <p:nvGrpSpPr>
+        <p:cNvPr id="1" name=""/>
+        <p:cNvGrpSpPr/>
+        <p:nvPr/>
+      </p:nvGrpSpPr>
+      <p:grpSpPr>
+        <a:xfrm>
+          <a:off x="0" y="0"/>
+          <a:ext cx="0" cy="0"/>
+          <a:chOff x="0" y="0"/>
+          <a:chExt cx="0" cy="0"/>
+        </a:xfrm>
+      </p:grpSpPr>
+      <p:sp>
+        <p:nvSpPr>
+          <p:cNvPr id="2" name="Title 1"/>
+          <p:cNvSpPr>
+            <a:spLocks noGrp="1"/>
+          </p:cNvSpPr>
+          <p:nvPr>
+            <p:ph type="title"/>
+          </p:nvPr>
+        </p:nvSpPr>
+        <p:spPr/>
+        <p:txBody>
+          <a:bodyPr/>
+          <a:lstStyle/>
+          <a:p>
+            <a:r>
+              <a:rPr lang="de-DE" dirty="0" smtClean="0"/>
+              <a:t>4. Vorgehen </a:t>
+            </a:r>
+            <a:r>
+              <a:rPr lang="mr-IN" dirty="0" smtClean="0"/>
+              <a:t>–</a:t>
+            </a:r>
+            <a:r>
+              <a:rPr lang="de-DE" dirty="0" smtClean="0"/>
+              <a:t> finaler Prototyp</a:t>
+            </a:r>
+            <a:endParaRPr lang="de-DE" dirty="0"/>
+          </a:p>
+        </p:txBody>
+      </p:sp>
+      <p:pic>
+        <p:nvPicPr>
+          <p:cNvPr id="6" name="Content Placeholder 5"/>
+          <p:cNvPicPr>
+            <a:picLocks noGrp="1" noChangeAspect="1"/>
+          </p:cNvPicPr>
+          <p:nvPr>
+            <p:ph idx="1"/>
+          </p:nvPr>
+        </p:nvPicPr>
+        <p:blipFill>
+          <a:blip r:embed="rId2">
+            <a:extLst>
+              <a:ext uri="{28A0092B-C50C-407E-A947-70E740481C1C}">
+                <a14:useLocalDpi xmlns:a14="http://schemas.microsoft.com/office/drawing/2010/main" val="0"/>
+              </a:ext>
+            </a:extLst>
+          </a:blip>
+          <a:stretch>
+            <a:fillRect/>
+          </a:stretch>
+        </p:blipFill>
+        <p:spPr>
+          <a:xfrm>
+            <a:off x="2195736" y="1032423"/>
+            <a:ext cx="4707837" cy="5022693"/>
+          </a:xfrm>
+        </p:spPr>
+      </p:pic>
+      <p:sp>
+        <p:nvSpPr>
+          <p:cNvPr id="4" name="Date Placeholder 3"/>
+          <p:cNvSpPr>
+            <a:spLocks noGrp="1"/>
+          </p:cNvSpPr>
+          <p:nvPr>
+            <p:ph type="dt" sz="half" idx="10"/>
+          </p:nvPr>
+        </p:nvSpPr>
+        <p:spPr/>
+        <p:txBody>
+          <a:bodyPr/>
+          <a:lstStyle/>
+          <a:p>
+            <a:fld id="{3DA8AD82-44AD-4D66-AD7B-1F36F7CE3655}" type="datetime1">
+              <a:rPr lang="de-CH" smtClean="0"/>
+              <a:t>28.02.17</a:t>
+            </a:fld>
+            <a:endParaRPr lang="de-CH" dirty="0"/>
+          </a:p>
+        </p:txBody>
+      </p:sp>
+      <p:sp>
+        <p:nvSpPr>
+          <p:cNvPr id="5" name="Slide Number Placeholder 4"/>
+          <p:cNvSpPr>
+            <a:spLocks noGrp="1"/>
+          </p:cNvSpPr>
+          <p:nvPr>
+            <p:ph type="sldNum" sz="quarter" idx="12"/>
+          </p:nvPr>
+        </p:nvSpPr>
+        <p:spPr/>
+        <p:txBody>
+          <a:bodyPr/>
+          <a:lstStyle/>
+          <a:p>
+            <a:fld id="{FA032481-47EB-4636-94E1-F5CD93B34200}" type="slidenum">
+              <a:rPr lang="de-CH" smtClean="0"/>
+              <a:t>26</a:t>
+            </a:fld>
+            <a:endParaRPr lang="de-CH" dirty="0"/>
+          </a:p>
+        </p:txBody>
+      </p:sp>
+    </p:spTree>
+    <p:extLst>
+      <p:ext uri="{BB962C8B-B14F-4D97-AF65-F5344CB8AC3E}">
+        <p14:creationId xmlns:p14="http://schemas.microsoft.com/office/powerpoint/2010/main" val="862582059"/>
+      </p:ext>
+    </p:extLst>
+  </p:cSld>
+  <p:clrMapOvr>
+    <a:masterClrMapping/>
+  </p:clrMapOvr>
+  <mc:AlternateContent xmlns:mc="http://schemas.openxmlformats.org/markup-compatibility/2006" xmlns:p14="http://schemas.microsoft.com/office/powerpoint/2010/main">
+    <mc:Choice Requires="p14">
+      <p:transition spd="med" p14:dur="700">
+        <p:fade/>
+      </p:transition>
+    </mc:Choice>
+    <mc:Fallback xmlns="">
+      <p:transition spd="med">
+        <p:fade/>
+      </p:transition>
+    </mc:Fallback>
+  </mc:AlternateContent>
+</p:sld>
+</file>
+
+<file path=ppt/slides/slide27.xml><?xml version="1.0" encoding="utf-8"?>
+<p:sld xmlns:a="http://schemas.openxmlformats.org/drawingml/2006/main" xmlns:r="http://schemas.openxmlformats.org/officeDocument/2006/relationships" xmlns:p="http://schemas.openxmlformats.org/presentationml/2006/main">
+  <p:cSld>
+    <p:spTree>
+      <p:nvGrpSpPr>
+        <p:cNvPr id="1" name=""/>
+        <p:cNvGrpSpPr/>
+        <p:nvPr/>
+      </p:nvGrpSpPr>
+      <p:grpSpPr>
+        <a:xfrm>
+          <a:off x="0" y="0"/>
+          <a:ext cx="0" cy="0"/>
+          <a:chOff x="0" y="0"/>
+          <a:chExt cx="0" cy="0"/>
+        </a:xfrm>
+      </p:grpSpPr>
+      <p:sp>
+        <p:nvSpPr>
+          <p:cNvPr id="2" name="Title 1"/>
+          <p:cNvSpPr>
+            <a:spLocks noGrp="1"/>
+          </p:cNvSpPr>
+          <p:nvPr>
+            <p:ph type="title"/>
+          </p:nvPr>
+        </p:nvSpPr>
+        <p:spPr/>
+        <p:txBody>
+          <a:bodyPr/>
+          <a:lstStyle/>
+          <a:p>
+            <a:r>
+              <a:rPr lang="de-DE" dirty="0" smtClean="0"/>
+              <a:t>4. Vorgehen - Architekturbewertung</a:t>
+            </a:r>
+            <a:endParaRPr lang="de-DE" dirty="0"/>
+          </a:p>
+        </p:txBody>
+      </p:sp>
+      <p:sp>
+        <p:nvSpPr>
+          <p:cNvPr id="3" name="Content Placeholder 2"/>
+          <p:cNvSpPr>
+            <a:spLocks noGrp="1"/>
+          </p:cNvSpPr>
+          <p:nvPr>
+            <p:ph idx="1"/>
+          </p:nvPr>
+        </p:nvSpPr>
+        <p:spPr/>
+        <p:txBody>
+          <a:bodyPr/>
+          <a:lstStyle/>
+          <a:p>
+            <a:endParaRPr lang="de-DE" dirty="0"/>
+          </a:p>
+        </p:txBody>
+      </p:sp>
+      <p:sp>
+        <p:nvSpPr>
+          <p:cNvPr id="4" name="Date Placeholder 3"/>
+          <p:cNvSpPr>
+            <a:spLocks noGrp="1"/>
+          </p:cNvSpPr>
+          <p:nvPr>
+            <p:ph type="dt" sz="half" idx="10"/>
+          </p:nvPr>
+        </p:nvSpPr>
+        <p:spPr/>
+        <p:txBody>
+          <a:bodyPr/>
+          <a:lstStyle/>
+          <a:p>
+            <a:fld id="{3DA8AD82-44AD-4D66-AD7B-1F36F7CE3655}" type="datetime1">
+              <a:rPr lang="de-CH" smtClean="0"/>
+              <a:t>28.02.17</a:t>
+            </a:fld>
+            <a:endParaRPr lang="de-CH" dirty="0"/>
+          </a:p>
+        </p:txBody>
+      </p:sp>
+      <p:sp>
+        <p:nvSpPr>
+          <p:cNvPr id="5" name="Slide Number Placeholder 4"/>
+          <p:cNvSpPr>
+            <a:spLocks noGrp="1"/>
+          </p:cNvSpPr>
+          <p:nvPr>
+            <p:ph type="sldNum" sz="quarter" idx="12"/>
+          </p:nvPr>
+        </p:nvSpPr>
+        <p:spPr/>
+        <p:txBody>
+          <a:bodyPr/>
+          <a:lstStyle/>
+          <a:p>
+            <a:fld id="{FA032481-47EB-4636-94E1-F5CD93B34200}" type="slidenum">
+              <a:rPr lang="de-CH" smtClean="0"/>
+              <a:t>27</a:t>
+            </a:fld>
+            <a:endParaRPr lang="de-CH" dirty="0"/>
+          </a:p>
+        </p:txBody>
+      </p:sp>
+    </p:spTree>
+    <p:extLst>
+      <p:ext uri="{BB962C8B-B14F-4D97-AF65-F5344CB8AC3E}">
+        <p14:creationId xmlns:p14="http://schemas.microsoft.com/office/powerpoint/2010/main" val="497245982"/>
+      </p:ext>
+    </p:extLst>
+  </p:cSld>
+  <p:clrMapOvr>
+    <a:masterClrMapping/>
+  </p:clrMapOvr>
+  <mc:AlternateContent xmlns:mc="http://schemas.openxmlformats.org/markup-compatibility/2006" xmlns:p14="http://schemas.microsoft.com/office/powerpoint/2010/main">
+    <mc:Choice Requires="p14">
+      <p:transition spd="med" p14:dur="700">
+        <p:fade/>
+      </p:transition>
+    </mc:Choice>
+    <mc:Fallback xmlns="">
+      <p:transition spd="med">
+        <p:fade/>
+      </p:transition>
+    </mc:Fallback>
+  </mc:AlternateContent>
+</p:sld>
+</file>
+
+<file path=ppt/slides/slide28.xml><?xml version="1.0" encoding="utf-8"?>
+<p:sld xmlns:a="http://schemas.openxmlformats.org/drawingml/2006/main" xmlns:r="http://schemas.openxmlformats.org/officeDocument/2006/relationships" xmlns:p="http://schemas.openxmlformats.org/presentationml/2006/main">
+  <p:cSld>
+    <p:spTree>
+      <p:nvGrpSpPr>
+        <p:cNvPr id="1" name=""/>
+        <p:cNvGrpSpPr/>
+        <p:nvPr/>
+      </p:nvGrpSpPr>
+      <p:grpSpPr>
+        <a:xfrm>
+          <a:off x="0" y="0"/>
+          <a:ext cx="0" cy="0"/>
+          <a:chOff x="0" y="0"/>
+          <a:chExt cx="0" cy="0"/>
+        </a:xfrm>
+      </p:grpSpPr>
+      <p:sp>
+        <p:nvSpPr>
+          <p:cNvPr id="2" name="Title 1"/>
+          <p:cNvSpPr>
+            <a:spLocks noGrp="1"/>
+          </p:cNvSpPr>
+          <p:nvPr>
+            <p:ph type="title"/>
+          </p:nvPr>
+        </p:nvSpPr>
+        <p:spPr/>
+        <p:txBody>
+          <a:bodyPr/>
+          <a:lstStyle/>
+          <a:p>
+            <a:r>
+              <a:rPr lang="de-DE" dirty="0" smtClean="0"/>
+              <a:t>7. Tools und Technologien</a:t>
+            </a:r>
+            <a:endParaRPr lang="de-DE" dirty="0"/>
+          </a:p>
+        </p:txBody>
+      </p:sp>
+      <p:sp>
+        <p:nvSpPr>
+          <p:cNvPr id="4" name="Date Placeholder 3"/>
+          <p:cNvSpPr>
+            <a:spLocks noGrp="1"/>
+          </p:cNvSpPr>
+          <p:nvPr>
+            <p:ph type="dt" sz="half" idx="10"/>
+          </p:nvPr>
+        </p:nvSpPr>
+        <p:spPr/>
+        <p:txBody>
+          <a:bodyPr/>
+          <a:lstStyle/>
+          <a:p>
+            <a:fld id="{3DA8AD82-44AD-4D66-AD7B-1F36F7CE3655}" type="datetime1">
+              <a:rPr lang="de-CH" smtClean="0"/>
+              <a:t>28.02.17</a:t>
+            </a:fld>
+            <a:endParaRPr lang="de-CH" dirty="0"/>
+          </a:p>
+        </p:txBody>
+      </p:sp>
+      <p:sp>
+        <p:nvSpPr>
+          <p:cNvPr id="5" name="Slide Number Placeholder 4"/>
+          <p:cNvSpPr>
+            <a:spLocks noGrp="1"/>
+          </p:cNvSpPr>
+          <p:nvPr>
+            <p:ph type="sldNum" sz="quarter" idx="12"/>
+          </p:nvPr>
+        </p:nvSpPr>
+        <p:spPr/>
+        <p:txBody>
+          <a:bodyPr/>
+          <a:lstStyle/>
+          <a:p>
+            <a:fld id="{FA032481-47EB-4636-94E1-F5CD93B34200}" type="slidenum">
+              <a:rPr lang="de-CH" smtClean="0"/>
+              <a:t>28</a:t>
             </a:fld>
             <a:endParaRPr lang="de-CH" dirty="0"/>
           </a:p>
@@ -16558,7 +20203,7 @@
 </p:sld>
 </file>
 
-<file path=ppt/slides/slide11.xml><?xml version="1.0" encoding="utf-8"?>
+<file path=ppt/slides/slide29.xml><?xml version="1.0" encoding="utf-8"?>
 <p:sld xmlns:a="http://schemas.openxmlformats.org/drawingml/2006/main" xmlns:r="http://schemas.openxmlformats.org/officeDocument/2006/relationships" xmlns:p="http://schemas.openxmlformats.org/presentationml/2006/main">
   <p:cSld>
     <p:spTree>
@@ -16592,38 +20237,11 @@
           <a:p>
             <a:r>
               <a:rPr lang="de-DE" dirty="0" smtClean="0"/>
-              <a:t>8. </a:t>
-            </a:r>
-            <a:r>
-              <a:rPr lang="de-DE" dirty="0" smtClean="0"/>
-              <a:t>Erkenntnisse</a:t>
-            </a:r>
-            <a:endParaRPr lang="de-DE" dirty="0"/>
-          </a:p>
-        </p:txBody>
-      </p:sp>
-      <p:sp>
-        <p:nvSpPr>
-          <p:cNvPr id="3" name="Content Placeholder 2"/>
-          <p:cNvSpPr>
-            <a:spLocks noGrp="1"/>
-          </p:cNvSpPr>
-          <p:nvPr>
-            <p:ph idx="1"/>
-          </p:nvPr>
-        </p:nvSpPr>
-        <p:spPr/>
-        <p:txBody>
-          <a:bodyPr/>
-          <a:lstStyle/>
-          <a:p>
+              <a:t>4. Ergebnis - </a:t>
+            </a:r>
             <a:r>
               <a:rPr lang="de-DE" dirty="0" err="1" smtClean="0"/>
-              <a:t>Scrum</a:t>
-            </a:r>
-            <a:r>
-              <a:rPr lang="de-DE" dirty="0" smtClean="0"/>
-              <a:t> eignet sich nicht für eine Einzelarbeit. </a:t>
+              <a:t>Deployment</a:t>
             </a:r>
             <a:endParaRPr lang="de-DE" dirty="0"/>
           </a:p>
@@ -16646,7 +20264,7 @@
           <a:p>
             <a:fld id="{3DA8AD82-44AD-4D66-AD7B-1F36F7CE3655}" type="datetime1">
               <a:rPr lang="de-CH" smtClean="0"/>
-              <a:t>20.02.17</a:t>
+              <a:t>28.02.17</a:t>
             </a:fld>
             <a:endParaRPr lang="de-CH" dirty="0"/>
           </a:p>
@@ -16669,16 +20287,45 @@
           <a:p>
             <a:fld id="{FA032481-47EB-4636-94E1-F5CD93B34200}" type="slidenum">
               <a:rPr lang="de-CH" smtClean="0"/>
-              <a:t>11</a:t>
+              <a:t>29</a:t>
             </a:fld>
             <a:endParaRPr lang="de-CH" dirty="0"/>
           </a:p>
         </p:txBody>
       </p:sp>
+      <p:pic>
+        <p:nvPicPr>
+          <p:cNvPr id="8" name="Content Placeholder 7"/>
+          <p:cNvPicPr>
+            <a:picLocks noGrp="1" noChangeAspect="1"/>
+          </p:cNvPicPr>
+          <p:nvPr>
+            <p:ph idx="1"/>
+          </p:nvPr>
+        </p:nvPicPr>
+        <p:blipFill>
+          <a:blip r:embed="rId2" cstate="print">
+            <a:extLst>
+              <a:ext uri="{28A0092B-C50C-407E-A947-70E740481C1C}">
+                <a14:useLocalDpi xmlns:a14="http://schemas.microsoft.com/office/drawing/2010/main" val="0"/>
+              </a:ext>
+            </a:extLst>
+          </a:blip>
+          <a:stretch>
+            <a:fillRect/>
+          </a:stretch>
+        </p:blipFill>
+        <p:spPr>
+          <a:xfrm>
+            <a:off x="2339752" y="985530"/>
+            <a:ext cx="4392794" cy="5089833"/>
+          </a:xfrm>
+        </p:spPr>
+      </p:pic>
     </p:spTree>
     <p:extLst>
       <p:ext uri="{BB962C8B-B14F-4D97-AF65-F5344CB8AC3E}">
-        <p14:creationId xmlns:p14="http://schemas.microsoft.com/office/powerpoint/2010/main" val="748107701"/>
+        <p14:creationId xmlns:p14="http://schemas.microsoft.com/office/powerpoint/2010/main" val="2008313867"/>
       </p:ext>
     </p:extLst>
   </p:cSld>
@@ -16697,408 +20344,6 @@
       </p:transition>
     </mc:Fallback>
   </mc:AlternateContent>
-  <p:timing>
-    <p:tnLst>
-      <p:par>
-        <p:cTn id="1" dur="indefinite" restart="never" nodeType="tmRoot"/>
-      </p:par>
-    </p:tnLst>
-  </p:timing>
-</p:sld>
-</file>
-
-<file path=ppt/slides/slide12.xml><?xml version="1.0" encoding="utf-8"?>
-<p:sld xmlns:a="http://schemas.openxmlformats.org/drawingml/2006/main" xmlns:r="http://schemas.openxmlformats.org/officeDocument/2006/relationships" xmlns:p="http://schemas.openxmlformats.org/presentationml/2006/main">
-  <p:cSld>
-    <p:spTree>
-      <p:nvGrpSpPr>
-        <p:cNvPr id="1" name=""/>
-        <p:cNvGrpSpPr/>
-        <p:nvPr/>
-      </p:nvGrpSpPr>
-      <p:grpSpPr>
-        <a:xfrm>
-          <a:off x="0" y="0"/>
-          <a:ext cx="0" cy="0"/>
-          <a:chOff x="0" y="0"/>
-          <a:chExt cx="0" cy="0"/>
-        </a:xfrm>
-      </p:grpSpPr>
-      <p:sp>
-        <p:nvSpPr>
-          <p:cNvPr id="2" name="Titel 1"/>
-          <p:cNvSpPr>
-            <a:spLocks noGrp="1"/>
-          </p:cNvSpPr>
-          <p:nvPr>
-            <p:ph type="title"/>
-            <p:custDataLst>
-              <p:tags r:id="rId1"/>
-            </p:custDataLst>
-          </p:nvPr>
-        </p:nvSpPr>
-        <p:spPr/>
-        <p:txBody>
-          <a:bodyPr/>
-          <a:lstStyle/>
-          <a:p>
-            <a:r>
-              <a:rPr lang="de-CH" dirty="0" smtClean="0"/>
-              <a:t>Disclaimer</a:t>
-            </a:r>
-            <a:endParaRPr lang="de-CH" dirty="0"/>
-          </a:p>
-        </p:txBody>
-      </p:sp>
-      <p:sp>
-        <p:nvSpPr>
-          <p:cNvPr id="6" name="Inhaltsplatzhalter 2"/>
-          <p:cNvSpPr>
-            <a:spLocks noGrp="1"/>
-          </p:cNvSpPr>
-          <p:nvPr>
-            <p:ph idx="1"/>
-            <p:custDataLst>
-              <p:tags r:id="rId2"/>
-            </p:custDataLst>
-          </p:nvPr>
-        </p:nvSpPr>
-        <p:spPr/>
-        <p:txBody>
-          <a:bodyPr>
-            <a:normAutofit/>
-          </a:bodyPr>
-          <a:lstStyle/>
-          <a:p>
-            <a:pPr marL="0" indent="0">
-              <a:buNone/>
-            </a:pPr>
-            <a:r>
-              <a:rPr lang="de-CH" sz="1000" dirty="0" smtClean="0"/>
-              <a:t>Diese Unterlagen wurden von SIX Group AG, ihren Tochter-, Schwestergesellschaften und/oder ihren Niederlassungen (zusammen «SIX») für den ausschliesslichen Gebrauch durch diejenigen Personen, welchen SIX sie zustellt, ausgearbeitet. Diese Unterlagen und ihr Inhalt stellen keine verbindliche Vereinbarung, Empfehlung, Anlageempfehlung, Angebot, Einladung oder Offerte zum Kauf oder Verkauf von Finanzinformationen, Produkten, Solutions oder Dienstleistungen dar. Sie dienen einzig Informationszwecken und können ohne Ankündigung jederzeit geändert werden.   SIX hat keine Verpflichtung, diese Unterlagen zu aktualisieren, abzuändern oder den Inhalt auf dem aktuellsten Stand zu halten. SIX gibt keine Erklärungen, Gewährleistungen, Garantien oder Zusicherungen – weder ausdrücklich noch implizit – in Bezug auf die Richtigkeit, Vollständigkeit, Angemessenheit, Eignung oder Verlässlichkeit des Inhalts dieser Unterlagen ab und wird auch keine solchen abgeben.   SIX und ihre Verwaltungsräte, Führungskräfte, Mitarbeiter, Vertreter und Beauftragte schliessen jegliche Haftung für Verluste, Schaden oder Beeinträchtigungen, welche aus oder im Zusammenhang mit diesen Unterlagen entstehen, aus. Diese Unterlagen sind Eigentum von SIX und dürfen ohne die vorgängige, ausdrückliche sowie schriftliche Zustimmung von SIX in keiner Weise gedruckt, kopiert, reproduziert, veröffentlicht, weitergegeben, offengelegt oder verbreitet werden.  </a:t>
-            </a:r>
-          </a:p>
-          <a:p>
-            <a:pPr marL="0" indent="0">
-              <a:buNone/>
-            </a:pPr>
-            <a:r>
-              <a:rPr lang="de-CH" sz="1000" dirty="0" smtClean="0"/>
-              <a:t/>
-            </a:r>
-            <a:br>
-              <a:rPr lang="de-CH" sz="1000" dirty="0" smtClean="0"/>
-            </a:br>
-            <a:r>
-              <a:rPr lang="de-CH" sz="1000" dirty="0" smtClean="0"/>
-              <a:t>© 2016 SIX Group AG. Alle Rechte vorbehalten.</a:t>
-            </a:r>
-            <a:endParaRPr lang="de-CH" sz="1000" dirty="0"/>
-          </a:p>
-        </p:txBody>
-      </p:sp>
-      <p:sp>
-        <p:nvSpPr>
-          <p:cNvPr id="4" name="Datumsplatzhalter 3"/>
-          <p:cNvSpPr>
-            <a:spLocks noGrp="1"/>
-          </p:cNvSpPr>
-          <p:nvPr>
-            <p:ph type="dt" sz="half" idx="10"/>
-            <p:custDataLst>
-              <p:tags r:id="rId3"/>
-            </p:custDataLst>
-          </p:nvPr>
-        </p:nvSpPr>
-        <p:spPr/>
-        <p:txBody>
-          <a:bodyPr/>
-          <a:lstStyle/>
-          <a:p>
-            <a:fld id="{23AC8AE8-E79F-446A-959A-9D0E36B505B7}" type="datetime1">
-              <a:rPr lang="de-CH" smtClean="0"/>
-              <a:pPr/>
-              <a:t>20.02.17</a:t>
-            </a:fld>
-            <a:endParaRPr lang="de-CH" dirty="0"/>
-          </a:p>
-        </p:txBody>
-      </p:sp>
-      <p:sp>
-        <p:nvSpPr>
-          <p:cNvPr id="5" name="Foliennummernplatzhalter 4"/>
-          <p:cNvSpPr>
-            <a:spLocks noGrp="1"/>
-          </p:cNvSpPr>
-          <p:nvPr>
-            <p:ph type="sldNum" sz="quarter" idx="12"/>
-            <p:custDataLst>
-              <p:tags r:id="rId4"/>
-            </p:custDataLst>
-          </p:nvPr>
-        </p:nvSpPr>
-        <p:spPr/>
-        <p:txBody>
-          <a:bodyPr/>
-          <a:lstStyle/>
-          <a:p>
-            <a:fld id="{FA032481-47EB-4636-94E1-F5CD93B34200}" type="slidenum">
-              <a:rPr lang="de-CH" smtClean="0"/>
-              <a:pPr/>
-              <a:t>12</a:t>
-            </a:fld>
-            <a:endParaRPr lang="de-CH" dirty="0"/>
-          </a:p>
-        </p:txBody>
-      </p:sp>
-    </p:spTree>
-    <p:extLst>
-      <p:ext uri="{BB962C8B-B14F-4D97-AF65-F5344CB8AC3E}">
-        <p14:creationId xmlns:p14="http://schemas.microsoft.com/office/powerpoint/2010/main" val="1384933433"/>
-      </p:ext>
-    </p:extLst>
-  </p:cSld>
-  <p:clrMapOvr>
-    <a:masterClrMapping/>
-  </p:clrMapOvr>
-  <mc:AlternateContent xmlns:mc="http://schemas.openxmlformats.org/markup-compatibility/2006" xmlns:p14="http://schemas.microsoft.com/office/powerpoint/2010/main">
-    <mc:Choice Requires="p14">
-      <p:transition spd="med" p14:dur="700">
-        <p:fade/>
-      </p:transition>
-    </mc:Choice>
-    <mc:Fallback xmlns="">
-      <p:transition spd="med">
-        <p:fade/>
-      </p:transition>
-    </mc:Fallback>
-  </mc:AlternateContent>
-  <p:timing>
-    <p:tnLst>
-      <p:par>
-        <p:cTn id="1" dur="indefinite" restart="never" nodeType="tmRoot"/>
-      </p:par>
-    </p:tnLst>
-  </p:timing>
-</p:sld>
-</file>
-
-<file path=ppt/slides/slide2.xml><?xml version="1.0" encoding="utf-8"?>
-<p:sld xmlns:a="http://schemas.openxmlformats.org/drawingml/2006/main" xmlns:r="http://schemas.openxmlformats.org/officeDocument/2006/relationships" xmlns:p="http://schemas.openxmlformats.org/presentationml/2006/main">
-  <p:cSld>
-    <p:spTree>
-      <p:nvGrpSpPr>
-        <p:cNvPr id="1" name=""/>
-        <p:cNvGrpSpPr/>
-        <p:nvPr/>
-      </p:nvGrpSpPr>
-      <p:grpSpPr>
-        <a:xfrm>
-          <a:off x="0" y="0"/>
-          <a:ext cx="0" cy="0"/>
-          <a:chOff x="0" y="0"/>
-          <a:chExt cx="0" cy="0"/>
-        </a:xfrm>
-      </p:grpSpPr>
-      <p:sp>
-        <p:nvSpPr>
-          <p:cNvPr id="8" name="Titel 7"/>
-          <p:cNvSpPr>
-            <a:spLocks noGrp="1"/>
-          </p:cNvSpPr>
-          <p:nvPr>
-            <p:ph type="title"/>
-            <p:custDataLst>
-              <p:tags r:id="rId1"/>
-            </p:custDataLst>
-          </p:nvPr>
-        </p:nvSpPr>
-        <p:spPr/>
-        <p:txBody>
-          <a:bodyPr/>
-          <a:lstStyle/>
-          <a:p>
-            <a:endParaRPr lang="de-CH" dirty="0"/>
-          </a:p>
-        </p:txBody>
-      </p:sp>
-      <p:sp>
-        <p:nvSpPr>
-          <p:cNvPr id="9" name="Inhaltsplatzhalter 8"/>
-          <p:cNvSpPr>
-            <a:spLocks noGrp="1"/>
-          </p:cNvSpPr>
-          <p:nvPr>
-            <p:ph idx="1"/>
-            <p:custDataLst>
-              <p:tags r:id="rId2"/>
-            </p:custDataLst>
-          </p:nvPr>
-        </p:nvSpPr>
-        <p:spPr/>
-        <p:txBody>
-          <a:bodyPr/>
-          <a:lstStyle/>
-          <a:p>
-            <a:r>
-              <a:rPr lang="de-CH" dirty="0" smtClean="0"/>
-              <a:t>1. Ausgangslage / Umfeld</a:t>
-            </a:r>
-          </a:p>
-          <a:p>
-            <a:r>
-              <a:rPr lang="de-CH" dirty="0" smtClean="0"/>
-              <a:t>2. Problemstellung</a:t>
-            </a:r>
-          </a:p>
-          <a:p>
-            <a:r>
-              <a:rPr lang="de-CH" dirty="0"/>
-              <a:t>3</a:t>
-            </a:r>
-            <a:r>
-              <a:rPr lang="de-CH" dirty="0" smtClean="0"/>
-              <a:t>. Lösungsansatz / Vorgehensmethodik</a:t>
-            </a:r>
-          </a:p>
-          <a:p>
-            <a:r>
-              <a:rPr lang="de-CH" dirty="0"/>
-              <a:t>4</a:t>
-            </a:r>
-            <a:r>
-              <a:rPr lang="de-CH" dirty="0" smtClean="0"/>
-              <a:t>. Aufwandschätzung / Lieferobjekte</a:t>
-            </a:r>
-          </a:p>
-          <a:p>
-            <a:r>
-              <a:rPr lang="de-CH" dirty="0"/>
-              <a:t>5</a:t>
-            </a:r>
-            <a:r>
-              <a:rPr lang="de-CH" dirty="0" smtClean="0"/>
-              <a:t>. Risiken und Massnahmen</a:t>
-            </a:r>
-          </a:p>
-          <a:p>
-            <a:r>
-              <a:rPr lang="de-CH" dirty="0"/>
-              <a:t>6</a:t>
-            </a:r>
-            <a:r>
-              <a:rPr lang="de-CH" dirty="0" smtClean="0"/>
-              <a:t>. Fachliche Methoden</a:t>
-            </a:r>
-          </a:p>
-          <a:p>
-            <a:r>
-              <a:rPr lang="de-CH" dirty="0"/>
-              <a:t>7</a:t>
-            </a:r>
-            <a:r>
-              <a:rPr lang="de-CH" dirty="0" smtClean="0"/>
-              <a:t>. Tools und Technologien</a:t>
-            </a:r>
-          </a:p>
-          <a:p>
-            <a:r>
-              <a:rPr lang="de-CH" dirty="0"/>
-              <a:t>8</a:t>
-            </a:r>
-            <a:r>
-              <a:rPr lang="de-CH" dirty="0" smtClean="0"/>
-              <a:t>. Reflexion</a:t>
-            </a:r>
-          </a:p>
-          <a:p>
-            <a:endParaRPr lang="de-CH" dirty="0"/>
-          </a:p>
-        </p:txBody>
-      </p:sp>
-      <p:sp>
-        <p:nvSpPr>
-          <p:cNvPr id="4" name="Datumsplatzhalter 3"/>
-          <p:cNvSpPr>
-            <a:spLocks noGrp="1"/>
-          </p:cNvSpPr>
-          <p:nvPr>
-            <p:ph type="dt" sz="half" idx="10"/>
-            <p:custDataLst>
-              <p:tags r:id="rId3"/>
-            </p:custDataLst>
-          </p:nvPr>
-        </p:nvSpPr>
-        <p:spPr/>
-        <p:txBody>
-          <a:bodyPr/>
-          <a:lstStyle/>
-          <a:p>
-            <a:fld id="{9B0C978E-95F0-40EB-AAEE-6991B236EB3B}" type="datetime1">
-              <a:rPr lang="de-CH" smtClean="0"/>
-              <a:pPr/>
-              <a:t>20.02.17</a:t>
-            </a:fld>
-            <a:endParaRPr lang="de-CH" dirty="0"/>
-          </a:p>
-        </p:txBody>
-      </p:sp>
-      <p:sp>
-        <p:nvSpPr>
-          <p:cNvPr id="5" name="Foliennummernplatzhalter 4"/>
-          <p:cNvSpPr>
-            <a:spLocks noGrp="1"/>
-          </p:cNvSpPr>
-          <p:nvPr>
-            <p:ph type="sldNum" sz="quarter" idx="12"/>
-            <p:custDataLst>
-              <p:tags r:id="rId4"/>
-            </p:custDataLst>
-          </p:nvPr>
-        </p:nvSpPr>
-        <p:spPr/>
-        <p:txBody>
-          <a:bodyPr/>
-          <a:lstStyle/>
-          <a:p>
-            <a:fld id="{FA032481-47EB-4636-94E1-F5CD93B34200}" type="slidenum">
-              <a:rPr lang="de-CH" smtClean="0"/>
-              <a:pPr/>
-              <a:t>2</a:t>
-            </a:fld>
-            <a:endParaRPr lang="de-CH" dirty="0"/>
-          </a:p>
-        </p:txBody>
-      </p:sp>
-    </p:spTree>
-    <p:extLst>
-      <p:ext uri="{BB962C8B-B14F-4D97-AF65-F5344CB8AC3E}">
-        <p14:creationId xmlns:p14="http://schemas.microsoft.com/office/powerpoint/2010/main" val="3015003584"/>
-      </p:ext>
-    </p:extLst>
-  </p:cSld>
-  <p:clrMapOvr>
-    <a:masterClrMapping/>
-  </p:clrMapOvr>
-  <mc:AlternateContent xmlns:mc="http://schemas.openxmlformats.org/markup-compatibility/2006" xmlns:p14="http://schemas.microsoft.com/office/powerpoint/2010/main">
-    <mc:Choice Requires="p14">
-      <p:transition spd="med" p14:dur="700">
-        <p:fade/>
-      </p:transition>
-    </mc:Choice>
-    <mc:Fallback xmlns="">
-      <p:transition spd="med">
-        <p:fade/>
-      </p:transition>
-    </mc:Fallback>
-  </mc:AlternateContent>
-  <p:timing>
-    <p:tnLst>
-      <p:par>
-        <p:cTn id="1" dur="indefinite" restart="never" nodeType="tmRoot"/>
-      </p:par>
-    </p:tnLst>
-  </p:timing>
 </p:sld>
 </file>
 
@@ -17166,7 +20411,7 @@
             <a:fld id="{4505397D-F40C-400C-A486-AA0581CF7685}" type="datetime1">
               <a:rPr lang="de-CH" smtClean="0"/>
               <a:pPr/>
-              <a:t>20.02.17</a:t>
+              <a:t>28.02.17</a:t>
             </a:fld>
             <a:endParaRPr lang="de-CH" dirty="0"/>
           </a:p>
@@ -19013,6 +22258,806 @@
 </p:sld>
 </file>
 
+<file path=ppt/slides/slide30.xml><?xml version="1.0" encoding="utf-8"?>
+<p:sld xmlns:a="http://schemas.openxmlformats.org/drawingml/2006/main" xmlns:r="http://schemas.openxmlformats.org/officeDocument/2006/relationships" xmlns:p="http://schemas.openxmlformats.org/presentationml/2006/main">
+  <p:cSld>
+    <p:spTree>
+      <p:nvGrpSpPr>
+        <p:cNvPr id="1" name=""/>
+        <p:cNvGrpSpPr/>
+        <p:nvPr/>
+      </p:nvGrpSpPr>
+      <p:grpSpPr>
+        <a:xfrm>
+          <a:off x="0" y="0"/>
+          <a:ext cx="0" cy="0"/>
+          <a:chOff x="0" y="0"/>
+          <a:chExt cx="0" cy="0"/>
+        </a:xfrm>
+      </p:grpSpPr>
+      <p:sp>
+        <p:nvSpPr>
+          <p:cNvPr id="2" name="Title 1"/>
+          <p:cNvSpPr>
+            <a:spLocks noGrp="1"/>
+          </p:cNvSpPr>
+          <p:nvPr>
+            <p:ph type="title"/>
+          </p:nvPr>
+        </p:nvSpPr>
+        <p:spPr/>
+        <p:txBody>
+          <a:bodyPr/>
+          <a:lstStyle/>
+          <a:p>
+            <a:r>
+              <a:rPr lang="de-DE" dirty="0" smtClean="0"/>
+              <a:t>5. Demo</a:t>
+            </a:r>
+            <a:endParaRPr lang="de-DE" dirty="0"/>
+          </a:p>
+        </p:txBody>
+      </p:sp>
+      <p:sp>
+        <p:nvSpPr>
+          <p:cNvPr id="3" name="Content Placeholder 2"/>
+          <p:cNvSpPr>
+            <a:spLocks noGrp="1"/>
+          </p:cNvSpPr>
+          <p:nvPr>
+            <p:ph idx="1"/>
+          </p:nvPr>
+        </p:nvSpPr>
+        <p:spPr/>
+        <p:txBody>
+          <a:bodyPr/>
+          <a:lstStyle/>
+          <a:p>
+            <a:endParaRPr lang="de-DE"/>
+          </a:p>
+        </p:txBody>
+      </p:sp>
+      <p:sp>
+        <p:nvSpPr>
+          <p:cNvPr id="4" name="Date Placeholder 3"/>
+          <p:cNvSpPr>
+            <a:spLocks noGrp="1"/>
+          </p:cNvSpPr>
+          <p:nvPr>
+            <p:ph type="dt" sz="half" idx="10"/>
+          </p:nvPr>
+        </p:nvSpPr>
+        <p:spPr/>
+        <p:txBody>
+          <a:bodyPr/>
+          <a:lstStyle/>
+          <a:p>
+            <a:fld id="{3DA8AD82-44AD-4D66-AD7B-1F36F7CE3655}" type="datetime1">
+              <a:rPr lang="de-CH" smtClean="0"/>
+              <a:t>28.02.17</a:t>
+            </a:fld>
+            <a:endParaRPr lang="de-CH" dirty="0"/>
+          </a:p>
+        </p:txBody>
+      </p:sp>
+      <p:sp>
+        <p:nvSpPr>
+          <p:cNvPr id="5" name="Slide Number Placeholder 4"/>
+          <p:cNvSpPr>
+            <a:spLocks noGrp="1"/>
+          </p:cNvSpPr>
+          <p:nvPr>
+            <p:ph type="sldNum" sz="quarter" idx="12"/>
+          </p:nvPr>
+        </p:nvSpPr>
+        <p:spPr/>
+        <p:txBody>
+          <a:bodyPr/>
+          <a:lstStyle/>
+          <a:p>
+            <a:fld id="{FA032481-47EB-4636-94E1-F5CD93B34200}" type="slidenum">
+              <a:rPr lang="de-CH" smtClean="0"/>
+              <a:t>30</a:t>
+            </a:fld>
+            <a:endParaRPr lang="de-CH" dirty="0"/>
+          </a:p>
+        </p:txBody>
+      </p:sp>
+    </p:spTree>
+    <p:extLst>
+      <p:ext uri="{BB962C8B-B14F-4D97-AF65-F5344CB8AC3E}">
+        <p14:creationId xmlns:p14="http://schemas.microsoft.com/office/powerpoint/2010/main" val="1425451179"/>
+      </p:ext>
+    </p:extLst>
+  </p:cSld>
+  <p:clrMapOvr>
+    <a:masterClrMapping/>
+  </p:clrMapOvr>
+  <mc:AlternateContent xmlns:mc="http://schemas.openxmlformats.org/markup-compatibility/2006" xmlns:p14="http://schemas.microsoft.com/office/powerpoint/2010/main">
+    <mc:Choice Requires="p14">
+      <p:transition spd="med" p14:dur="700">
+        <p:fade/>
+      </p:transition>
+    </mc:Choice>
+    <mc:Fallback xmlns="">
+      <p:transition spd="med">
+        <p:fade/>
+      </p:transition>
+    </mc:Fallback>
+  </mc:AlternateContent>
+</p:sld>
+</file>
+
+<file path=ppt/slides/slide31.xml><?xml version="1.0" encoding="utf-8"?>
+<p:sld xmlns:a="http://schemas.openxmlformats.org/drawingml/2006/main" xmlns:r="http://schemas.openxmlformats.org/officeDocument/2006/relationships" xmlns:p="http://schemas.openxmlformats.org/presentationml/2006/main">
+  <p:cSld>
+    <p:spTree>
+      <p:nvGrpSpPr>
+        <p:cNvPr id="1" name=""/>
+        <p:cNvGrpSpPr/>
+        <p:nvPr/>
+      </p:nvGrpSpPr>
+      <p:grpSpPr>
+        <a:xfrm>
+          <a:off x="0" y="0"/>
+          <a:ext cx="0" cy="0"/>
+          <a:chOff x="0" y="0"/>
+          <a:chExt cx="0" cy="0"/>
+        </a:xfrm>
+      </p:grpSpPr>
+      <p:sp>
+        <p:nvSpPr>
+          <p:cNvPr id="2" name="Title 1"/>
+          <p:cNvSpPr>
+            <a:spLocks noGrp="1"/>
+          </p:cNvSpPr>
+          <p:nvPr>
+            <p:ph type="title"/>
+          </p:nvPr>
+        </p:nvSpPr>
+        <p:spPr/>
+        <p:txBody>
+          <a:bodyPr/>
+          <a:lstStyle/>
+          <a:p>
+            <a:r>
+              <a:rPr lang="de-DE" dirty="0"/>
+              <a:t>6</a:t>
+            </a:r>
+            <a:r>
+              <a:rPr lang="de-DE" dirty="0" smtClean="0"/>
+              <a:t>. </a:t>
+            </a:r>
+            <a:r>
+              <a:rPr lang="de-DE" dirty="0" smtClean="0"/>
+              <a:t>Erkenntnisse</a:t>
+            </a:r>
+            <a:endParaRPr lang="de-DE" dirty="0"/>
+          </a:p>
+        </p:txBody>
+      </p:sp>
+      <p:sp>
+        <p:nvSpPr>
+          <p:cNvPr id="3" name="Content Placeholder 2"/>
+          <p:cNvSpPr>
+            <a:spLocks noGrp="1"/>
+          </p:cNvSpPr>
+          <p:nvPr>
+            <p:ph idx="1"/>
+          </p:nvPr>
+        </p:nvSpPr>
+        <p:spPr/>
+        <p:txBody>
+          <a:bodyPr/>
+          <a:lstStyle/>
+          <a:p>
+            <a:r>
+              <a:rPr lang="de-DE" dirty="0" err="1" smtClean="0"/>
+              <a:t>Scrum</a:t>
+            </a:r>
+            <a:r>
+              <a:rPr lang="de-DE" dirty="0" smtClean="0"/>
+              <a:t> </a:t>
+            </a:r>
+            <a:r>
+              <a:rPr lang="de-DE" dirty="0" smtClean="0"/>
+              <a:t>als ganzes eignet </a:t>
+            </a:r>
+            <a:r>
+              <a:rPr lang="de-DE" dirty="0" smtClean="0"/>
+              <a:t>sich nicht für eine </a:t>
+            </a:r>
+            <a:r>
+              <a:rPr lang="de-DE" dirty="0" smtClean="0"/>
+              <a:t>Einzelarbeit</a:t>
+            </a:r>
+            <a:r>
+              <a:rPr lang="de-DE" dirty="0"/>
+              <a:t> </a:t>
+            </a:r>
+            <a:r>
+              <a:rPr lang="de-DE" dirty="0" err="1" smtClean="0"/>
+              <a:t>Planning</a:t>
+            </a:r>
+            <a:r>
+              <a:rPr lang="de-DE" dirty="0" smtClean="0"/>
+              <a:t>, ausarbeiten der Stories </a:t>
+            </a:r>
+            <a:r>
+              <a:rPr lang="de-DE" dirty="0" err="1" smtClean="0"/>
+              <a:t>zuviel</a:t>
+            </a:r>
+            <a:r>
+              <a:rPr lang="de-DE" dirty="0" smtClean="0"/>
+              <a:t> Aufwand verursachen. Schlussendlich wurde eine Checkliste verwendet.</a:t>
+            </a:r>
+          </a:p>
+          <a:p>
+            <a:r>
+              <a:rPr lang="de-DE" dirty="0" smtClean="0"/>
+              <a:t>Kommunikation und das iterative Vorgehen haben sich hingegen bewährt und erlaubt Probleme früh zu erkennen. </a:t>
+            </a:r>
+          </a:p>
+          <a:p>
+            <a:r>
+              <a:rPr lang="de-DE" dirty="0" smtClean="0"/>
+              <a:t>In der Rolle als Architekt ist es nicht mehr möglich alles genau zu verstehen auf technischer Ebene und braucht deshalb vertrauen in andere Personen.</a:t>
+            </a:r>
+          </a:p>
+          <a:p>
+            <a:r>
+              <a:rPr lang="de-DE" dirty="0" smtClean="0"/>
+              <a:t>Angemessenes Abstraktionslevel zu finden und dabei doch die Konzepte ausreichend zu erklären braucht Übung.</a:t>
+            </a:r>
+          </a:p>
+          <a:p>
+            <a:r>
+              <a:rPr lang="de-DE" dirty="0" smtClean="0"/>
+              <a:t>Es braucht einen gewissen Erfahrungsschatz und den Willen neues zu lernen.</a:t>
+            </a:r>
+          </a:p>
+          <a:p>
+            <a:r>
+              <a:rPr lang="de-DE" dirty="0" smtClean="0"/>
+              <a:t>Mittels strukturiertem Vorgehen und </a:t>
+            </a:r>
+            <a:r>
+              <a:rPr lang="de-DE" dirty="0" err="1" smtClean="0"/>
+              <a:t>regelmässiger</a:t>
+            </a:r>
+            <a:r>
+              <a:rPr lang="de-DE" dirty="0" smtClean="0"/>
+              <a:t> Kommunikation, kann, ein auf den ersten Blick komplexes Problem, gelöst werden.</a:t>
+            </a:r>
+          </a:p>
+        </p:txBody>
+      </p:sp>
+      <p:sp>
+        <p:nvSpPr>
+          <p:cNvPr id="4" name="Date Placeholder 3"/>
+          <p:cNvSpPr>
+            <a:spLocks noGrp="1"/>
+          </p:cNvSpPr>
+          <p:nvPr>
+            <p:ph type="dt" sz="half" idx="10"/>
+          </p:nvPr>
+        </p:nvSpPr>
+        <p:spPr/>
+        <p:txBody>
+          <a:bodyPr/>
+          <a:lstStyle/>
+          <a:p>
+            <a:fld id="{3DA8AD82-44AD-4D66-AD7B-1F36F7CE3655}" type="datetime1">
+              <a:rPr lang="de-CH" smtClean="0"/>
+              <a:t>28.02.17</a:t>
+            </a:fld>
+            <a:endParaRPr lang="de-CH" dirty="0"/>
+          </a:p>
+        </p:txBody>
+      </p:sp>
+      <p:sp>
+        <p:nvSpPr>
+          <p:cNvPr id="5" name="Slide Number Placeholder 4"/>
+          <p:cNvSpPr>
+            <a:spLocks noGrp="1"/>
+          </p:cNvSpPr>
+          <p:nvPr>
+            <p:ph type="sldNum" sz="quarter" idx="12"/>
+          </p:nvPr>
+        </p:nvSpPr>
+        <p:spPr/>
+        <p:txBody>
+          <a:bodyPr/>
+          <a:lstStyle/>
+          <a:p>
+            <a:fld id="{FA032481-47EB-4636-94E1-F5CD93B34200}" type="slidenum">
+              <a:rPr lang="de-CH" smtClean="0"/>
+              <a:t>31</a:t>
+            </a:fld>
+            <a:endParaRPr lang="de-CH" dirty="0"/>
+          </a:p>
+        </p:txBody>
+      </p:sp>
+    </p:spTree>
+    <p:extLst>
+      <p:ext uri="{BB962C8B-B14F-4D97-AF65-F5344CB8AC3E}">
+        <p14:creationId xmlns:p14="http://schemas.microsoft.com/office/powerpoint/2010/main" val="748107701"/>
+      </p:ext>
+    </p:extLst>
+  </p:cSld>
+  <p:clrMapOvr>
+    <a:masterClrMapping/>
+  </p:clrMapOvr>
+  <mc:AlternateContent xmlns:mc="http://schemas.openxmlformats.org/markup-compatibility/2006" xmlns:p14="http://schemas.microsoft.com/office/powerpoint/2010/main">
+    <mc:Choice Requires="p14">
+      <p:transition spd="med" p14:dur="700">
+        <p:fade/>
+      </p:transition>
+    </mc:Choice>
+    <mc:Fallback xmlns="">
+      <p:transition spd="med">
+        <p:fade/>
+      </p:transition>
+    </mc:Fallback>
+  </mc:AlternateContent>
+  <p:timing>
+    <p:tnLst>
+      <p:par>
+        <p:cTn id="1" dur="indefinite" restart="never" nodeType="tmRoot"/>
+      </p:par>
+    </p:tnLst>
+  </p:timing>
+</p:sld>
+</file>
+
+<file path=ppt/slides/slide32.xml><?xml version="1.0" encoding="utf-8"?>
+<p:sld xmlns:a="http://schemas.openxmlformats.org/drawingml/2006/main" xmlns:r="http://schemas.openxmlformats.org/officeDocument/2006/relationships" xmlns:p="http://schemas.openxmlformats.org/presentationml/2006/main">
+  <p:cSld>
+    <p:spTree>
+      <p:nvGrpSpPr>
+        <p:cNvPr id="1" name=""/>
+        <p:cNvGrpSpPr/>
+        <p:nvPr/>
+      </p:nvGrpSpPr>
+      <p:grpSpPr>
+        <a:xfrm>
+          <a:off x="0" y="0"/>
+          <a:ext cx="0" cy="0"/>
+          <a:chOff x="0" y="0"/>
+          <a:chExt cx="0" cy="0"/>
+        </a:xfrm>
+      </p:grpSpPr>
+      <p:sp>
+        <p:nvSpPr>
+          <p:cNvPr id="2" name="Title 1"/>
+          <p:cNvSpPr>
+            <a:spLocks noGrp="1"/>
+          </p:cNvSpPr>
+          <p:nvPr>
+            <p:ph type="title"/>
+          </p:nvPr>
+        </p:nvSpPr>
+        <p:spPr/>
+        <p:txBody>
+          <a:bodyPr/>
+          <a:lstStyle/>
+          <a:p>
+            <a:r>
+              <a:rPr lang="de-DE" dirty="0" smtClean="0"/>
+              <a:t>6. Schlussfolgerungen</a:t>
+            </a:r>
+            <a:endParaRPr lang="de-DE" dirty="0"/>
+          </a:p>
+        </p:txBody>
+      </p:sp>
+      <p:sp>
+        <p:nvSpPr>
+          <p:cNvPr id="3" name="Content Placeholder 2"/>
+          <p:cNvSpPr>
+            <a:spLocks noGrp="1"/>
+          </p:cNvSpPr>
+          <p:nvPr>
+            <p:ph idx="1"/>
+          </p:nvPr>
+        </p:nvSpPr>
+        <p:spPr/>
+        <p:txBody>
+          <a:bodyPr/>
+          <a:lstStyle/>
+          <a:p>
+            <a:endParaRPr lang="de-DE"/>
+          </a:p>
+        </p:txBody>
+      </p:sp>
+      <p:sp>
+        <p:nvSpPr>
+          <p:cNvPr id="4" name="Date Placeholder 3"/>
+          <p:cNvSpPr>
+            <a:spLocks noGrp="1"/>
+          </p:cNvSpPr>
+          <p:nvPr>
+            <p:ph type="dt" sz="half" idx="10"/>
+          </p:nvPr>
+        </p:nvSpPr>
+        <p:spPr/>
+        <p:txBody>
+          <a:bodyPr/>
+          <a:lstStyle/>
+          <a:p>
+            <a:fld id="{3DA8AD82-44AD-4D66-AD7B-1F36F7CE3655}" type="datetime1">
+              <a:rPr lang="de-CH" smtClean="0"/>
+              <a:t>28.02.17</a:t>
+            </a:fld>
+            <a:endParaRPr lang="de-CH" dirty="0"/>
+          </a:p>
+        </p:txBody>
+      </p:sp>
+      <p:sp>
+        <p:nvSpPr>
+          <p:cNvPr id="5" name="Slide Number Placeholder 4"/>
+          <p:cNvSpPr>
+            <a:spLocks noGrp="1"/>
+          </p:cNvSpPr>
+          <p:nvPr>
+            <p:ph type="sldNum" sz="quarter" idx="12"/>
+          </p:nvPr>
+        </p:nvSpPr>
+        <p:spPr/>
+        <p:txBody>
+          <a:bodyPr/>
+          <a:lstStyle/>
+          <a:p>
+            <a:fld id="{FA032481-47EB-4636-94E1-F5CD93B34200}" type="slidenum">
+              <a:rPr lang="de-CH" smtClean="0"/>
+              <a:t>32</a:t>
+            </a:fld>
+            <a:endParaRPr lang="de-CH" dirty="0"/>
+          </a:p>
+        </p:txBody>
+      </p:sp>
+    </p:spTree>
+    <p:extLst>
+      <p:ext uri="{BB962C8B-B14F-4D97-AF65-F5344CB8AC3E}">
+        <p14:creationId xmlns:p14="http://schemas.microsoft.com/office/powerpoint/2010/main" val="1011194373"/>
+      </p:ext>
+    </p:extLst>
+  </p:cSld>
+  <p:clrMapOvr>
+    <a:masterClrMapping/>
+  </p:clrMapOvr>
+  <mc:AlternateContent xmlns:mc="http://schemas.openxmlformats.org/markup-compatibility/2006" xmlns:p14="http://schemas.microsoft.com/office/powerpoint/2010/main">
+    <mc:Choice Requires="p14">
+      <p:transition spd="med" p14:dur="700">
+        <p:fade/>
+      </p:transition>
+    </mc:Choice>
+    <mc:Fallback xmlns="">
+      <p:transition spd="med">
+        <p:fade/>
+      </p:transition>
+    </mc:Fallback>
+  </mc:AlternateContent>
+</p:sld>
+</file>
+
+<file path=ppt/slides/slide33.xml><?xml version="1.0" encoding="utf-8"?>
+<p:sld xmlns:a="http://schemas.openxmlformats.org/drawingml/2006/main" xmlns:r="http://schemas.openxmlformats.org/officeDocument/2006/relationships" xmlns:p="http://schemas.openxmlformats.org/presentationml/2006/main">
+  <p:cSld>
+    <p:spTree>
+      <p:nvGrpSpPr>
+        <p:cNvPr id="1" name=""/>
+        <p:cNvGrpSpPr/>
+        <p:nvPr/>
+      </p:nvGrpSpPr>
+      <p:grpSpPr>
+        <a:xfrm>
+          <a:off x="0" y="0"/>
+          <a:ext cx="0" cy="0"/>
+          <a:chOff x="0" y="0"/>
+          <a:chExt cx="0" cy="0"/>
+        </a:xfrm>
+      </p:grpSpPr>
+      <p:sp>
+        <p:nvSpPr>
+          <p:cNvPr id="2" name="Title 1"/>
+          <p:cNvSpPr>
+            <a:spLocks noGrp="1"/>
+          </p:cNvSpPr>
+          <p:nvPr>
+            <p:ph type="title"/>
+          </p:nvPr>
+        </p:nvSpPr>
+        <p:spPr/>
+        <p:txBody>
+          <a:bodyPr/>
+          <a:lstStyle/>
+          <a:p>
+            <a:r>
+              <a:rPr lang="de-DE" dirty="0" smtClean="0"/>
+              <a:t>6. </a:t>
+            </a:r>
+            <a:r>
+              <a:rPr lang="de-DE" dirty="0" err="1" smtClean="0"/>
+              <a:t>Massnahmen</a:t>
+            </a:r>
+            <a:endParaRPr lang="de-DE" dirty="0"/>
+          </a:p>
+        </p:txBody>
+      </p:sp>
+      <p:sp>
+        <p:nvSpPr>
+          <p:cNvPr id="3" name="Content Placeholder 2"/>
+          <p:cNvSpPr>
+            <a:spLocks noGrp="1"/>
+          </p:cNvSpPr>
+          <p:nvPr>
+            <p:ph idx="1"/>
+          </p:nvPr>
+        </p:nvSpPr>
+        <p:spPr/>
+        <p:txBody>
+          <a:bodyPr/>
+          <a:lstStyle/>
+          <a:p>
+            <a:r>
+              <a:rPr lang="de-DE" dirty="0" err="1" smtClean="0"/>
+              <a:t>Deployment</a:t>
+            </a:r>
+            <a:r>
+              <a:rPr lang="de-DE" dirty="0" smtClean="0"/>
+              <a:t> muss evtl. Angepasst werden sobald</a:t>
+            </a:r>
+            <a:endParaRPr lang="de-DE" dirty="0"/>
+          </a:p>
+        </p:txBody>
+      </p:sp>
+      <p:sp>
+        <p:nvSpPr>
+          <p:cNvPr id="4" name="Date Placeholder 3"/>
+          <p:cNvSpPr>
+            <a:spLocks noGrp="1"/>
+          </p:cNvSpPr>
+          <p:nvPr>
+            <p:ph type="dt" sz="half" idx="10"/>
+          </p:nvPr>
+        </p:nvSpPr>
+        <p:spPr/>
+        <p:txBody>
+          <a:bodyPr/>
+          <a:lstStyle/>
+          <a:p>
+            <a:fld id="{3DA8AD82-44AD-4D66-AD7B-1F36F7CE3655}" type="datetime1">
+              <a:rPr lang="de-CH" smtClean="0"/>
+              <a:t>28.02.17</a:t>
+            </a:fld>
+            <a:endParaRPr lang="de-CH" dirty="0"/>
+          </a:p>
+        </p:txBody>
+      </p:sp>
+      <p:sp>
+        <p:nvSpPr>
+          <p:cNvPr id="5" name="Slide Number Placeholder 4"/>
+          <p:cNvSpPr>
+            <a:spLocks noGrp="1"/>
+          </p:cNvSpPr>
+          <p:nvPr>
+            <p:ph type="sldNum" sz="quarter" idx="12"/>
+          </p:nvPr>
+        </p:nvSpPr>
+        <p:spPr/>
+        <p:txBody>
+          <a:bodyPr/>
+          <a:lstStyle/>
+          <a:p>
+            <a:fld id="{FA032481-47EB-4636-94E1-F5CD93B34200}" type="slidenum">
+              <a:rPr lang="de-CH" smtClean="0"/>
+              <a:t>33</a:t>
+            </a:fld>
+            <a:endParaRPr lang="de-CH" dirty="0"/>
+          </a:p>
+        </p:txBody>
+      </p:sp>
+    </p:spTree>
+    <p:extLst>
+      <p:ext uri="{BB962C8B-B14F-4D97-AF65-F5344CB8AC3E}">
+        <p14:creationId xmlns:p14="http://schemas.microsoft.com/office/powerpoint/2010/main" val="155204108"/>
+      </p:ext>
+    </p:extLst>
+  </p:cSld>
+  <p:clrMapOvr>
+    <a:masterClrMapping/>
+  </p:clrMapOvr>
+  <mc:AlternateContent xmlns:mc="http://schemas.openxmlformats.org/markup-compatibility/2006" xmlns:p14="http://schemas.microsoft.com/office/powerpoint/2010/main">
+    <mc:Choice Requires="p14">
+      <p:transition spd="med" p14:dur="700">
+        <p:fade/>
+      </p:transition>
+    </mc:Choice>
+    <mc:Fallback xmlns="">
+      <p:transition spd="med">
+        <p:fade/>
+      </p:transition>
+    </mc:Fallback>
+  </mc:AlternateContent>
+</p:sld>
+</file>
+
+<file path=ppt/slides/slide34.xml><?xml version="1.0" encoding="utf-8"?>
+<p:sld xmlns:a="http://schemas.openxmlformats.org/drawingml/2006/main" xmlns:r="http://schemas.openxmlformats.org/officeDocument/2006/relationships" xmlns:p="http://schemas.openxmlformats.org/presentationml/2006/main">
+  <p:cSld>
+    <p:spTree>
+      <p:nvGrpSpPr>
+        <p:cNvPr id="1" name=""/>
+        <p:cNvGrpSpPr/>
+        <p:nvPr/>
+      </p:nvGrpSpPr>
+      <p:grpSpPr>
+        <a:xfrm>
+          <a:off x="0" y="0"/>
+          <a:ext cx="0" cy="0"/>
+          <a:chOff x="0" y="0"/>
+          <a:chExt cx="0" cy="0"/>
+        </a:xfrm>
+      </p:grpSpPr>
+      <p:sp>
+        <p:nvSpPr>
+          <p:cNvPr id="2" name="Titel 1"/>
+          <p:cNvSpPr>
+            <a:spLocks noGrp="1"/>
+          </p:cNvSpPr>
+          <p:nvPr>
+            <p:ph type="title"/>
+            <p:custDataLst>
+              <p:tags r:id="rId1"/>
+            </p:custDataLst>
+          </p:nvPr>
+        </p:nvSpPr>
+        <p:spPr/>
+        <p:txBody>
+          <a:bodyPr/>
+          <a:lstStyle/>
+          <a:p>
+            <a:r>
+              <a:rPr lang="de-CH" dirty="0" smtClean="0"/>
+              <a:t>Disclaimer</a:t>
+            </a:r>
+            <a:endParaRPr lang="de-CH" dirty="0"/>
+          </a:p>
+        </p:txBody>
+      </p:sp>
+      <p:sp>
+        <p:nvSpPr>
+          <p:cNvPr id="6" name="Inhaltsplatzhalter 2"/>
+          <p:cNvSpPr>
+            <a:spLocks noGrp="1"/>
+          </p:cNvSpPr>
+          <p:nvPr>
+            <p:ph idx="1"/>
+            <p:custDataLst>
+              <p:tags r:id="rId2"/>
+            </p:custDataLst>
+          </p:nvPr>
+        </p:nvSpPr>
+        <p:spPr/>
+        <p:txBody>
+          <a:bodyPr>
+            <a:normAutofit/>
+          </a:bodyPr>
+          <a:lstStyle/>
+          <a:p>
+            <a:pPr marL="0" indent="0">
+              <a:buNone/>
+            </a:pPr>
+            <a:r>
+              <a:rPr lang="de-CH" sz="1000" dirty="0" smtClean="0"/>
+              <a:t>Diese Unterlagen wurden von SIX Group AG, ihren Tochter-, Schwestergesellschaften und/oder ihren Niederlassungen (zusammen «SIX») für den ausschliesslichen Gebrauch durch diejenigen Personen, welchen SIX sie zustellt, ausgearbeitet. Diese Unterlagen und ihr Inhalt stellen keine verbindliche Vereinbarung, Empfehlung, Anlageempfehlung, Angebot, Einladung oder Offerte zum Kauf oder Verkauf von Finanzinformationen, Produkten, Solutions oder Dienstleistungen dar. Sie dienen einzig Informationszwecken und können ohne Ankündigung jederzeit geändert werden.   SIX hat keine Verpflichtung, diese Unterlagen zu aktualisieren, abzuändern oder den Inhalt auf dem aktuellsten Stand zu halten. SIX gibt keine Erklärungen, Gewährleistungen, Garantien oder Zusicherungen – weder ausdrücklich noch implizit – in Bezug auf die Richtigkeit, Vollständigkeit, Angemessenheit, Eignung oder Verlässlichkeit des Inhalts dieser Unterlagen ab und wird auch keine solchen abgeben.   SIX und ihre Verwaltungsräte, Führungskräfte, Mitarbeiter, Vertreter und Beauftragte schliessen jegliche Haftung für Verluste, Schaden oder Beeinträchtigungen, welche aus oder im Zusammenhang mit diesen Unterlagen entstehen, aus. Diese Unterlagen sind Eigentum von SIX und dürfen ohne die vorgängige, ausdrückliche sowie schriftliche Zustimmung von SIX in keiner Weise gedruckt, kopiert, reproduziert, veröffentlicht, weitergegeben, offengelegt oder verbreitet werden.  </a:t>
+            </a:r>
+          </a:p>
+          <a:p>
+            <a:pPr marL="0" indent="0">
+              <a:buNone/>
+            </a:pPr>
+            <a:r>
+              <a:rPr lang="de-CH" sz="1000" dirty="0" smtClean="0"/>
+              <a:t/>
+            </a:r>
+            <a:br>
+              <a:rPr lang="de-CH" sz="1000" dirty="0" smtClean="0"/>
+            </a:br>
+            <a:r>
+              <a:rPr lang="de-CH" sz="1000" dirty="0" smtClean="0"/>
+              <a:t>© 2016 SIX Group AG. Alle Rechte vorbehalten.</a:t>
+            </a:r>
+            <a:endParaRPr lang="de-CH" sz="1000" dirty="0"/>
+          </a:p>
+        </p:txBody>
+      </p:sp>
+      <p:sp>
+        <p:nvSpPr>
+          <p:cNvPr id="4" name="Datumsplatzhalter 3"/>
+          <p:cNvSpPr>
+            <a:spLocks noGrp="1"/>
+          </p:cNvSpPr>
+          <p:nvPr>
+            <p:ph type="dt" sz="half" idx="10"/>
+            <p:custDataLst>
+              <p:tags r:id="rId3"/>
+            </p:custDataLst>
+          </p:nvPr>
+        </p:nvSpPr>
+        <p:spPr/>
+        <p:txBody>
+          <a:bodyPr/>
+          <a:lstStyle/>
+          <a:p>
+            <a:fld id="{23AC8AE8-E79F-446A-959A-9D0E36B505B7}" type="datetime1">
+              <a:rPr lang="de-CH" smtClean="0"/>
+              <a:pPr/>
+              <a:t>28.02.17</a:t>
+            </a:fld>
+            <a:endParaRPr lang="de-CH" dirty="0"/>
+          </a:p>
+        </p:txBody>
+      </p:sp>
+      <p:sp>
+        <p:nvSpPr>
+          <p:cNvPr id="5" name="Foliennummernplatzhalter 4"/>
+          <p:cNvSpPr>
+            <a:spLocks noGrp="1"/>
+          </p:cNvSpPr>
+          <p:nvPr>
+            <p:ph type="sldNum" sz="quarter" idx="12"/>
+            <p:custDataLst>
+              <p:tags r:id="rId4"/>
+            </p:custDataLst>
+          </p:nvPr>
+        </p:nvSpPr>
+        <p:spPr/>
+        <p:txBody>
+          <a:bodyPr/>
+          <a:lstStyle/>
+          <a:p>
+            <a:fld id="{FA032481-47EB-4636-94E1-F5CD93B34200}" type="slidenum">
+              <a:rPr lang="de-CH" smtClean="0"/>
+              <a:pPr/>
+              <a:t>34</a:t>
+            </a:fld>
+            <a:endParaRPr lang="de-CH" dirty="0"/>
+          </a:p>
+        </p:txBody>
+      </p:sp>
+    </p:spTree>
+    <p:extLst>
+      <p:ext uri="{BB962C8B-B14F-4D97-AF65-F5344CB8AC3E}">
+        <p14:creationId xmlns:p14="http://schemas.microsoft.com/office/powerpoint/2010/main" val="1384933433"/>
+      </p:ext>
+    </p:extLst>
+  </p:cSld>
+  <p:clrMapOvr>
+    <a:masterClrMapping/>
+  </p:clrMapOvr>
+  <mc:AlternateContent xmlns:mc="http://schemas.openxmlformats.org/markup-compatibility/2006" xmlns:p14="http://schemas.microsoft.com/office/powerpoint/2010/main">
+    <mc:Choice Requires="p14">
+      <p:transition spd="med" p14:dur="700">
+        <p:fade/>
+      </p:transition>
+    </mc:Choice>
+    <mc:Fallback xmlns="">
+      <p:transition spd="med">
+        <p:fade/>
+      </p:transition>
+    </mc:Fallback>
+  </mc:AlternateContent>
+  <p:timing>
+    <p:tnLst>
+      <p:par>
+        <p:cTn id="1" dur="indefinite" restart="never" nodeType="tmRoot"/>
+      </p:par>
+    </p:tnLst>
+  </p:timing>
+</p:sld>
+</file>
+
 <file path=ppt/slides/slide4.xml><?xml version="1.0" encoding="utf-8"?>
 <p:sld xmlns:a="http://schemas.openxmlformats.org/drawingml/2006/main" xmlns:r="http://schemas.openxmlformats.org/officeDocument/2006/relationships" xmlns:p="http://schemas.openxmlformats.org/presentationml/2006/main">
   <p:cSld>
@@ -19077,7 +23122,7 @@
             <a:fld id="{4505397D-F40C-400C-A486-AA0581CF7685}" type="datetime1">
               <a:rPr lang="de-CH" smtClean="0"/>
               <a:pPr/>
-              <a:t>20.02.17</a:t>
+              <a:t>28.02.17</a:t>
             </a:fld>
             <a:endParaRPr lang="de-CH" dirty="0"/>
           </a:p>
@@ -51199,6 +55244,25 @@
       </p:sp>
       <p:sp>
         <p:nvSpPr>
+          <p:cNvPr id="3" name="Content Placeholder 2"/>
+          <p:cNvSpPr>
+            <a:spLocks noGrp="1"/>
+          </p:cNvSpPr>
+          <p:nvPr>
+            <p:ph idx="1"/>
+          </p:nvPr>
+        </p:nvSpPr>
+        <p:spPr/>
+        <p:txBody>
+          <a:bodyPr/>
+          <a:lstStyle/>
+          <a:p>
+            <a:endParaRPr lang="de-DE" dirty="0"/>
+          </a:p>
+        </p:txBody>
+      </p:sp>
+      <p:sp>
+        <p:nvSpPr>
           <p:cNvPr id="4" name="Date Placeholder 3"/>
           <p:cNvSpPr>
             <a:spLocks noGrp="1"/>
@@ -51214,7 +55278,7 @@
           <a:p>
             <a:fld id="{3DA8AD82-44AD-4D66-AD7B-1F36F7CE3655}" type="datetime1">
               <a:rPr lang="de-CH" smtClean="0"/>
-              <a:t>20.02.17</a:t>
+              <a:t>28.02.17</a:t>
             </a:fld>
             <a:endParaRPr lang="de-CH" dirty="0"/>
           </a:p>
@@ -51243,39 +55307,10 @@
           </a:p>
         </p:txBody>
       </p:sp>
-      <p:pic>
-        <p:nvPicPr>
-          <p:cNvPr id="7" name="Content Placeholder 6"/>
-          <p:cNvPicPr>
-            <a:picLocks noGrp="1" noChangeAspect="1"/>
-          </p:cNvPicPr>
-          <p:nvPr>
-            <p:ph idx="1"/>
-          </p:nvPr>
-        </p:nvPicPr>
-        <p:blipFill>
-          <a:blip r:embed="rId2">
-            <a:extLst>
-              <a:ext uri="{28A0092B-C50C-407E-A947-70E740481C1C}">
-                <a14:useLocalDpi xmlns:a14="http://schemas.microsoft.com/office/drawing/2010/main" val="0"/>
-              </a:ext>
-            </a:extLst>
-          </a:blip>
-          <a:stretch>
-            <a:fillRect/>
-          </a:stretch>
-        </p:blipFill>
-        <p:spPr>
-          <a:xfrm>
-            <a:off x="538456" y="1082386"/>
-            <a:ext cx="7993544" cy="4490397"/>
-          </a:xfrm>
-        </p:spPr>
-      </p:pic>
     </p:spTree>
     <p:extLst>
       <p:ext uri="{BB962C8B-B14F-4D97-AF65-F5344CB8AC3E}">
-        <p14:creationId xmlns:p14="http://schemas.microsoft.com/office/powerpoint/2010/main" val="653145035"/>
+        <p14:creationId xmlns:p14="http://schemas.microsoft.com/office/powerpoint/2010/main" val="779783776"/>
       </p:ext>
     </p:extLst>
   </p:cSld>
@@ -51294,13 +55329,6 @@
       </p:transition>
     </mc:Fallback>
   </mc:AlternateContent>
-  <p:timing>
-    <p:tnLst>
-      <p:par>
-        <p:cTn id="1" dur="indefinite" restart="never" nodeType="tmRoot"/>
-      </p:par>
-    </p:tnLst>
-  </p:timing>
 </p:sld>
 </file>
 
@@ -51338,136 +55366,20 @@
           <a:p>
             <a:r>
               <a:rPr lang="de-DE" dirty="0" smtClean="0"/>
-              <a:t>3. Lösungsansatz / Vorgehensmethodik</a:t>
+              <a:t>2</a:t>
+            </a:r>
+            <a:r>
+              <a:rPr lang="de-DE" dirty="0" smtClean="0"/>
+              <a:t>. Ist-Zustand</a:t>
+            </a:r>
+            <a:br>
+              <a:rPr lang="de-DE" dirty="0" smtClean="0"/>
+            </a:br>
+            <a:r>
+              <a:rPr lang="de-DE" dirty="0" smtClean="0"/>
+              <a:t> </a:t>
             </a:r>
             <a:endParaRPr lang="de-DE" dirty="0"/>
-          </a:p>
-        </p:txBody>
-      </p:sp>
-      <p:sp>
-        <p:nvSpPr>
-          <p:cNvPr id="3" name="Content Placeholder 2"/>
-          <p:cNvSpPr>
-            <a:spLocks noGrp="1"/>
-          </p:cNvSpPr>
-          <p:nvPr>
-            <p:ph idx="1"/>
-          </p:nvPr>
-        </p:nvSpPr>
-        <p:spPr/>
-        <p:txBody>
-          <a:bodyPr>
-            <a:normAutofit/>
-          </a:bodyPr>
-          <a:lstStyle/>
-          <a:p>
-            <a:pPr marL="342900" lvl="0" indent="-342900">
-              <a:buFont typeface="+mj-lt"/>
-              <a:buAutoNum type="arabicPeriod"/>
-            </a:pPr>
-            <a:r>
-              <a:rPr lang="de-CH" dirty="0" smtClean="0"/>
-              <a:t>Erfassen der funktionalen und nicht funktionalen Anforderungen mit den Stakeholdern. </a:t>
-            </a:r>
-            <a:endParaRPr lang="en-US" dirty="0"/>
-          </a:p>
-          <a:p>
-            <a:pPr marL="342900" lvl="0" indent="-342900">
-              <a:buFont typeface="+mj-lt"/>
-              <a:buAutoNum type="arabicPeriod"/>
-            </a:pPr>
-            <a:r>
-              <a:rPr lang="de-CH" dirty="0" smtClean="0"/>
-              <a:t>Aktuelle Architektur anpassen, ergänzen und in ein Architektur Dokument basierend auf Arc42 übertragen.</a:t>
-            </a:r>
-            <a:endParaRPr lang="en-US" dirty="0"/>
-          </a:p>
-          <a:p>
-            <a:pPr marL="342900" lvl="0" indent="-342900">
-              <a:buFont typeface="+mj-lt"/>
-              <a:buAutoNum type="arabicPeriod"/>
-            </a:pPr>
-            <a:r>
-              <a:rPr lang="de-CH" dirty="0" smtClean="0"/>
-              <a:t>Lösungsansätze ausarbeiten und mittels Prototypen verifizieren. </a:t>
-            </a:r>
-            <a:endParaRPr lang="en-US" dirty="0"/>
-          </a:p>
-          <a:p>
-            <a:pPr marL="342900" lvl="0" indent="-342900">
-              <a:buFont typeface="+mj-lt"/>
-              <a:buAutoNum type="arabicPeriod"/>
-            </a:pPr>
-            <a:r>
-              <a:rPr lang="de-CH" dirty="0" smtClean="0"/>
-              <a:t>Review des </a:t>
-            </a:r>
-            <a:r>
-              <a:rPr lang="de-CH" dirty="0" err="1" smtClean="0"/>
-              <a:t>Deployment</a:t>
-            </a:r>
-            <a:r>
-              <a:rPr lang="de-CH" dirty="0" smtClean="0"/>
-              <a:t> </a:t>
-            </a:r>
-            <a:r>
-              <a:rPr lang="de-CH" dirty="0" err="1" smtClean="0"/>
-              <a:t>Processes</a:t>
-            </a:r>
-            <a:r>
-              <a:rPr lang="de-CH" dirty="0" smtClean="0"/>
-              <a:t>.</a:t>
-            </a:r>
-            <a:endParaRPr lang="en-US" dirty="0"/>
-          </a:p>
-          <a:p>
-            <a:pPr marL="342900" lvl="0" indent="-342900">
-              <a:buFont typeface="+mj-lt"/>
-              <a:buAutoNum type="arabicPeriod"/>
-            </a:pPr>
-            <a:r>
-              <a:rPr lang="de-CH" dirty="0"/>
-              <a:t>Anschliessend sollen die Prototypen auf die Anforderungen hin überprüft und entsprechende Schlussfolgerungen oder Anpassungen durchgeführt und nachdokumentiert werden</a:t>
-            </a:r>
-            <a:r>
-              <a:rPr lang="de-CH" dirty="0" smtClean="0"/>
-              <a:t>.</a:t>
-            </a:r>
-          </a:p>
-          <a:p>
-            <a:pPr marL="342900" lvl="0" indent="-342900">
-              <a:buFont typeface="+mj-lt"/>
-              <a:buAutoNum type="arabicPeriod"/>
-            </a:pPr>
-            <a:endParaRPr lang="de-CH" dirty="0"/>
-          </a:p>
-          <a:p>
-            <a:r>
-              <a:rPr lang="de-CH" dirty="0" smtClean="0"/>
-              <a:t>Umsetzung mittels </a:t>
-            </a:r>
-            <a:r>
-              <a:rPr lang="de-CH" dirty="0" err="1" smtClean="0"/>
-              <a:t>Scrum</a:t>
-            </a:r>
-            <a:r>
-              <a:rPr lang="de-CH" dirty="0" smtClean="0"/>
-              <a:t> mit zwei Wochen Sprints.</a:t>
-            </a:r>
-          </a:p>
-          <a:p>
-            <a:r>
-              <a:rPr lang="de-CH" dirty="0" err="1" smtClean="0"/>
-              <a:t>Prototyping</a:t>
-            </a:r>
-            <a:r>
-              <a:rPr lang="de-CH" dirty="0" smtClean="0"/>
-              <a:t> für das Verifizieren der Lösungsansätze. </a:t>
-            </a:r>
-            <a:endParaRPr lang="en-US" dirty="0"/>
-          </a:p>
-          <a:p>
-            <a:endParaRPr lang="en-US" dirty="0"/>
           </a:p>
         </p:txBody>
       </p:sp>
@@ -51488,7 +55400,7 @@
           <a:p>
             <a:fld id="{3DA8AD82-44AD-4D66-AD7B-1F36F7CE3655}" type="datetime1">
               <a:rPr lang="de-CH" smtClean="0"/>
-              <a:t>20.02.17</a:t>
+              <a:t>28.02.17</a:t>
             </a:fld>
             <a:endParaRPr lang="de-CH" dirty="0"/>
           </a:p>
@@ -51517,10 +55429,99 @@
           </a:p>
         </p:txBody>
       </p:sp>
+      <p:sp>
+        <p:nvSpPr>
+          <p:cNvPr id="3" name="Content Placeholder 2"/>
+          <p:cNvSpPr>
+            <a:spLocks noGrp="1"/>
+          </p:cNvSpPr>
+          <p:nvPr>
+            <p:ph idx="1"/>
+          </p:nvPr>
+        </p:nvSpPr>
+        <p:spPr>
+          <a:xfrm>
+            <a:off x="971999" y="1484314"/>
+            <a:ext cx="3816025" cy="4591084"/>
+          </a:xfrm>
+        </p:spPr>
+        <p:txBody>
+          <a:bodyPr/>
+          <a:lstStyle/>
+          <a:p>
+            <a:r>
+              <a:rPr lang="de-DE" dirty="0" smtClean="0"/>
+              <a:t>Basierend auf Spring, </a:t>
+            </a:r>
+            <a:r>
+              <a:rPr lang="de-DE" dirty="0" err="1" smtClean="0"/>
+              <a:t>Wildfly</a:t>
+            </a:r>
+            <a:r>
+              <a:rPr lang="de-DE" dirty="0" smtClean="0"/>
+              <a:t>, Docker</a:t>
+            </a:r>
+          </a:p>
+          <a:p>
+            <a:r>
+              <a:rPr lang="de-DE" dirty="0" smtClean="0"/>
+              <a:t>Wird mittels Jenkins Pipeline gebaut. </a:t>
+            </a:r>
+          </a:p>
+          <a:p>
+            <a:r>
+              <a:rPr lang="de-DE" dirty="0" smtClean="0"/>
+              <a:t>Installation führt zu einem Unterbruch.</a:t>
+            </a:r>
+          </a:p>
+          <a:p>
+            <a:r>
+              <a:rPr lang="de-DE" dirty="0" smtClean="0"/>
+              <a:t>Nur ein Pfad ist aktiv. Umschaltung zwischen den Rechenzentren manuell.</a:t>
+            </a:r>
+          </a:p>
+          <a:p>
+            <a:endParaRPr lang="de-DE" dirty="0" smtClean="0"/>
+          </a:p>
+          <a:p>
+            <a:endParaRPr lang="de-DE" dirty="0"/>
+          </a:p>
+        </p:txBody>
+      </p:sp>
+      <p:pic>
+        <p:nvPicPr>
+          <p:cNvPr id="11" name="Picture 10"/>
+          <p:cNvPicPr>
+            <a:picLocks noChangeAspect="1"/>
+          </p:cNvPicPr>
+          <p:nvPr/>
+        </p:nvPicPr>
+        <p:blipFill>
+          <a:blip r:embed="rId2">
+            <a:extLst>
+              <a:ext uri="{28A0092B-C50C-407E-A947-70E740481C1C}">
+                <a14:useLocalDpi xmlns:a14="http://schemas.microsoft.com/office/drawing/2010/main" val="0"/>
+              </a:ext>
+            </a:extLst>
+          </a:blip>
+          <a:stretch>
+            <a:fillRect/>
+          </a:stretch>
+        </p:blipFill>
+        <p:spPr>
+          <a:xfrm>
+            <a:off x="5004048" y="620688"/>
+            <a:ext cx="3375370" cy="5301142"/>
+          </a:xfrm>
+          <a:prstGeom prst="rect">
+            <a:avLst/>
+          </a:prstGeom>
+        </p:spPr>
+      </p:pic>
     </p:spTree>
     <p:extLst>
       <p:ext uri="{BB962C8B-B14F-4D97-AF65-F5344CB8AC3E}">
-        <p14:creationId xmlns:p14="http://schemas.microsoft.com/office/powerpoint/2010/main" val="680887759"/>
+        <p14:creationId xmlns:p14="http://schemas.microsoft.com/office/powerpoint/2010/main" val="653145035"/>
       </p:ext>
     </p:extLst>
   </p:cSld>
@@ -51582,22 +55583,78 @@
           <a:lstStyle/>
           <a:p>
             <a:r>
-              <a:rPr lang="en-US" dirty="0" smtClean="0"/>
-              <a:t>4. </a:t>
-            </a:r>
-            <a:r>
-              <a:rPr lang="en-US" dirty="0" err="1" smtClean="0"/>
-              <a:t>Aufwandschätzung</a:t>
-            </a:r>
-            <a:r>
-              <a:rPr lang="en-US" dirty="0" smtClean="0"/>
-              <a:t> / </a:t>
-            </a:r>
-            <a:r>
-              <a:rPr lang="en-US" dirty="0" err="1" smtClean="0"/>
-              <a:t>Lieferobjekte</a:t>
-            </a:r>
-            <a:endParaRPr lang="en-US" dirty="0"/>
+              <a:rPr lang="de-DE" dirty="0" smtClean="0"/>
+              <a:t>3. </a:t>
+            </a:r>
+            <a:r>
+              <a:rPr lang="de-DE" dirty="0" err="1" smtClean="0"/>
+              <a:t>Vorgehene</a:t>
+            </a:r>
+            <a:r>
+              <a:rPr lang="de-DE" dirty="0" smtClean="0"/>
+              <a:t> </a:t>
+            </a:r>
+            <a:r>
+              <a:rPr lang="mr-IN" dirty="0" smtClean="0"/>
+              <a:t>–</a:t>
+            </a:r>
+            <a:r>
+              <a:rPr lang="de-DE" dirty="0" smtClean="0"/>
+              <a:t> Methode, Projektplan</a:t>
+            </a:r>
+            <a:br>
+              <a:rPr lang="de-DE" dirty="0" smtClean="0"/>
+            </a:br>
+            <a:endParaRPr lang="de-DE" dirty="0"/>
+          </a:p>
+        </p:txBody>
+      </p:sp>
+      <p:sp>
+        <p:nvSpPr>
+          <p:cNvPr id="3" name="Content Placeholder 2"/>
+          <p:cNvSpPr>
+            <a:spLocks noGrp="1"/>
+          </p:cNvSpPr>
+          <p:nvPr>
+            <p:ph idx="1"/>
+          </p:nvPr>
+        </p:nvSpPr>
+        <p:spPr/>
+        <p:txBody>
+          <a:bodyPr/>
+          <a:lstStyle/>
+          <a:p>
+            <a:r>
+              <a:rPr lang="de-DE" dirty="0" smtClean="0"/>
+              <a:t>Als Vorgehensmodell wurde </a:t>
+            </a:r>
+            <a:r>
+              <a:rPr lang="de-DE" dirty="0" err="1" smtClean="0"/>
+              <a:t>Scrum</a:t>
+            </a:r>
+            <a:r>
+              <a:rPr lang="de-DE" dirty="0" smtClean="0"/>
+              <a:t> verwendet. Es wurden jedoch nur die nötigsten Aspekte verwendet um den Aufwand überschaubar zu halten.</a:t>
+            </a:r>
+          </a:p>
+          <a:p>
+            <a:r>
+              <a:rPr lang="de-DE" dirty="0" err="1" smtClean="0"/>
+              <a:t>Prototyping</a:t>
+            </a:r>
+            <a:r>
+              <a:rPr lang="de-DE" dirty="0" smtClean="0"/>
+              <a:t> wurde für die Evaluation neuer Technologien und Lösungsansätze verwendet.</a:t>
+            </a:r>
+          </a:p>
+          <a:p>
+            <a:endParaRPr lang="de-DE" dirty="0"/>
+          </a:p>
+          <a:p>
+            <a:r>
+              <a:rPr lang="de-DE" dirty="0" smtClean="0"/>
+              <a:t>Zu Beginn wurde ein grober Projektplan erstellt damit über die Laufzeit der Thesis Meilensteine definiert werden konnten.</a:t>
+            </a:r>
           </a:p>
         </p:txBody>
       </p:sp>
@@ -51618,7 +55675,7 @@
           <a:p>
             <a:fld id="{3DA8AD82-44AD-4D66-AD7B-1F36F7CE3655}" type="datetime1">
               <a:rPr lang="de-CH" smtClean="0"/>
-              <a:t>20.02.17</a:t>
+              <a:t>28.02.17</a:t>
             </a:fld>
             <a:endParaRPr lang="de-CH" dirty="0"/>
           </a:p>
@@ -51647,29 +55704,10 @@
           </a:p>
         </p:txBody>
       </p:sp>
-      <p:sp>
-        <p:nvSpPr>
-          <p:cNvPr id="3" name="Content Placeholder 2"/>
-          <p:cNvSpPr>
-            <a:spLocks noGrp="1"/>
-          </p:cNvSpPr>
-          <p:nvPr>
-            <p:ph idx="1"/>
-          </p:nvPr>
-        </p:nvSpPr>
-        <p:spPr/>
-        <p:txBody>
-          <a:bodyPr/>
-          <a:lstStyle/>
-          <a:p>
-            <a:endParaRPr lang="de-DE"/>
-          </a:p>
-        </p:txBody>
-      </p:sp>
     </p:spTree>
     <p:extLst>
       <p:ext uri="{BB962C8B-B14F-4D97-AF65-F5344CB8AC3E}">
-        <p14:creationId xmlns:p14="http://schemas.microsoft.com/office/powerpoint/2010/main" val="948238464"/>
+        <p14:creationId xmlns:p14="http://schemas.microsoft.com/office/powerpoint/2010/main" val="560264251"/>
       </p:ext>
     </p:extLst>
   </p:cSld>
@@ -51688,13 +55726,6 @@
       </p:transition>
     </mc:Fallback>
   </mc:AlternateContent>
-  <p:timing>
-    <p:tnLst>
-      <p:par>
-        <p:cTn id="1" dur="indefinite" restart="never" nodeType="tmRoot"/>
-      </p:par>
-    </p:tnLst>
-  </p:timing>
 </p:sld>
 </file>
 
@@ -51730,7 +55761,23 @@
           <a:bodyPr/>
           <a:lstStyle/>
           <a:p>
-            <a:endParaRPr lang="de-DE"/>
+            <a:r>
+              <a:rPr lang="de-DE" dirty="0" smtClean="0"/>
+              <a:t>3. </a:t>
+            </a:r>
+            <a:r>
+              <a:rPr lang="de-DE" dirty="0" smtClean="0"/>
+              <a:t>Vorgehen </a:t>
+            </a:r>
+            <a:r>
+              <a:rPr lang="mr-IN" dirty="0" smtClean="0"/>
+              <a:t>–</a:t>
+            </a:r>
+            <a:r>
+              <a:rPr lang="de-DE" dirty="0" smtClean="0"/>
+              <a:t> Anforderungen, Stakeholder</a:t>
+            </a:r>
+            <a:endParaRPr lang="de-DE" dirty="0"/>
           </a:p>
         </p:txBody>
       </p:sp>
@@ -51746,10 +55793,288 @@
         </p:nvSpPr>
         <p:spPr/>
         <p:txBody>
-          <a:bodyPr/>
+          <a:bodyPr>
+            <a:normAutofit/>
+          </a:bodyPr>
           <a:lstStyle/>
           <a:p>
-            <a:endParaRPr lang="de-DE"/>
+            <a:r>
+              <a:rPr lang="en-US" dirty="0" err="1" smtClean="0"/>
+              <a:t>Akutelle</a:t>
+            </a:r>
+            <a:r>
+              <a:rPr lang="en-US" dirty="0" smtClean="0"/>
+              <a:t> </a:t>
+            </a:r>
+            <a:r>
+              <a:rPr lang="en-US" dirty="0" err="1" smtClean="0"/>
+              <a:t>Anforderungen</a:t>
+            </a:r>
+            <a:r>
+              <a:rPr lang="en-US" dirty="0" smtClean="0"/>
+              <a:t> </a:t>
+            </a:r>
+            <a:r>
+              <a:rPr lang="en-US" dirty="0" err="1" smtClean="0"/>
+              <a:t>waren</a:t>
+            </a:r>
+            <a:r>
+              <a:rPr lang="en-US" dirty="0" smtClean="0"/>
+              <a:t> in </a:t>
+            </a:r>
+            <a:r>
+              <a:rPr lang="en-US" dirty="0" err="1" smtClean="0"/>
+              <a:t>keiner</a:t>
+            </a:r>
+            <a:r>
+              <a:rPr lang="en-US" dirty="0" smtClean="0"/>
+              <a:t> </a:t>
+            </a:r>
+            <a:r>
+              <a:rPr lang="en-US" dirty="0" err="1" smtClean="0"/>
+              <a:t>schriftlichen</a:t>
+            </a:r>
+            <a:r>
+              <a:rPr lang="en-US" dirty="0" smtClean="0"/>
+              <a:t> Form </a:t>
+            </a:r>
+            <a:r>
+              <a:rPr lang="en-US" dirty="0" err="1" smtClean="0"/>
+              <a:t>vorhanden</a:t>
+            </a:r>
+            <a:r>
+              <a:rPr lang="en-US" dirty="0" smtClean="0"/>
+              <a:t> und </a:t>
+            </a:r>
+            <a:r>
+              <a:rPr lang="en-US" dirty="0" err="1" smtClean="0"/>
+              <a:t>mussten</a:t>
+            </a:r>
+            <a:r>
+              <a:rPr lang="en-US" dirty="0" smtClean="0"/>
+              <a:t> </a:t>
+            </a:r>
+            <a:r>
+              <a:rPr lang="en-US" dirty="0" err="1" smtClean="0"/>
+              <a:t>daher</a:t>
+            </a:r>
+            <a:r>
+              <a:rPr lang="en-US" dirty="0" smtClean="0"/>
+              <a:t> </a:t>
+            </a:r>
+            <a:r>
+              <a:rPr lang="en-US" dirty="0" err="1" smtClean="0"/>
+              <a:t>zuerst</a:t>
+            </a:r>
+            <a:r>
+              <a:rPr lang="en-US" dirty="0" smtClean="0"/>
+              <a:t> </a:t>
+            </a:r>
+            <a:r>
+              <a:rPr lang="en-US" dirty="0" err="1" smtClean="0"/>
+              <a:t>erfasst</a:t>
+            </a:r>
+            <a:r>
+              <a:rPr lang="en-US" dirty="0" smtClean="0"/>
+              <a:t> </a:t>
+            </a:r>
+            <a:r>
+              <a:rPr lang="en-US" dirty="0" err="1" smtClean="0"/>
+              <a:t>werden</a:t>
+            </a:r>
+            <a:r>
+              <a:rPr lang="en-US" dirty="0" smtClean="0"/>
+              <a:t>. </a:t>
+            </a:r>
+          </a:p>
+          <a:p>
+            <a:r>
+              <a:rPr lang="en-US" dirty="0" err="1" smtClean="0"/>
+              <a:t>Neue</a:t>
+            </a:r>
+            <a:r>
+              <a:rPr lang="en-US" dirty="0" smtClean="0"/>
+              <a:t> </a:t>
+            </a:r>
+            <a:r>
+              <a:rPr lang="en-US" dirty="0" err="1" smtClean="0"/>
+              <a:t>Anforderungen</a:t>
+            </a:r>
+            <a:r>
+              <a:rPr lang="en-US" dirty="0" smtClean="0"/>
+              <a:t> </a:t>
+            </a:r>
+            <a:r>
+              <a:rPr lang="en-US" dirty="0" err="1" smtClean="0"/>
+              <a:t>wurden</a:t>
+            </a:r>
+            <a:r>
+              <a:rPr lang="en-US" dirty="0" smtClean="0"/>
+              <a:t> </a:t>
+            </a:r>
+            <a:r>
+              <a:rPr lang="en-US" dirty="0" err="1" smtClean="0"/>
+              <a:t>mit</a:t>
+            </a:r>
+            <a:r>
+              <a:rPr lang="en-US" dirty="0" smtClean="0"/>
+              <a:t> </a:t>
+            </a:r>
+            <a:r>
+              <a:rPr lang="en-US" dirty="0" err="1" smtClean="0"/>
+              <a:t>dem</a:t>
+            </a:r>
+            <a:r>
+              <a:rPr lang="en-US" dirty="0" smtClean="0"/>
+              <a:t> Product Owner </a:t>
+            </a:r>
+            <a:r>
+              <a:rPr lang="en-US" dirty="0" err="1" smtClean="0"/>
+              <a:t>erfasst</a:t>
+            </a:r>
+            <a:r>
+              <a:rPr lang="en-US" dirty="0" smtClean="0"/>
+              <a:t>. </a:t>
+            </a:r>
+            <a:r>
+              <a:rPr lang="en-US" dirty="0" err="1" smtClean="0"/>
+              <a:t>Dabei</a:t>
+            </a:r>
+            <a:r>
+              <a:rPr lang="en-US" dirty="0" smtClean="0"/>
+              <a:t> hat </a:t>
+            </a:r>
+            <a:r>
+              <a:rPr lang="en-US" dirty="0" err="1" smtClean="0"/>
+              <a:t>sich</a:t>
+            </a:r>
+            <a:r>
+              <a:rPr lang="en-US" dirty="0" smtClean="0"/>
+              <a:t> </a:t>
+            </a:r>
+            <a:r>
+              <a:rPr lang="en-US" dirty="0" err="1" smtClean="0"/>
+              <a:t>herausgestellt</a:t>
+            </a:r>
+            <a:r>
+              <a:rPr lang="en-US" dirty="0" smtClean="0"/>
+              <a:t>, </a:t>
+            </a:r>
+            <a:r>
+              <a:rPr lang="en-US" dirty="0" err="1" smtClean="0"/>
+              <a:t>dass</a:t>
+            </a:r>
+            <a:r>
+              <a:rPr lang="en-US" dirty="0" smtClean="0"/>
+              <a:t> </a:t>
+            </a:r>
+            <a:r>
+              <a:rPr lang="en-US" dirty="0" err="1" smtClean="0"/>
+              <a:t>nur</a:t>
+            </a:r>
+            <a:r>
+              <a:rPr lang="en-US" dirty="0" smtClean="0"/>
+              <a:t> </a:t>
+            </a:r>
+            <a:r>
+              <a:rPr lang="en-US" dirty="0" err="1" smtClean="0"/>
+              <a:t>nicht</a:t>
+            </a:r>
+            <a:r>
+              <a:rPr lang="en-US" dirty="0" smtClean="0"/>
+              <a:t> </a:t>
+            </a:r>
+            <a:r>
+              <a:rPr lang="en-US" dirty="0" err="1" smtClean="0"/>
+              <a:t>funktionale</a:t>
+            </a:r>
+            <a:r>
+              <a:rPr lang="en-US" dirty="0" smtClean="0"/>
+              <a:t> </a:t>
+            </a:r>
+            <a:r>
+              <a:rPr lang="en-US" dirty="0" err="1" smtClean="0"/>
+              <a:t>Anforderungen</a:t>
+            </a:r>
+            <a:r>
+              <a:rPr lang="en-US" dirty="0" smtClean="0"/>
+              <a:t> </a:t>
+            </a:r>
+            <a:r>
+              <a:rPr lang="en-US" dirty="0" err="1" smtClean="0"/>
+              <a:t>erfasst</a:t>
+            </a:r>
+            <a:r>
+              <a:rPr lang="en-US" dirty="0" smtClean="0"/>
+              <a:t> </a:t>
+            </a:r>
+            <a:r>
+              <a:rPr lang="en-US" dirty="0" err="1" smtClean="0"/>
+              <a:t>wurde</a:t>
+            </a:r>
+            <a:endParaRPr lang="en-US" dirty="0" smtClean="0"/>
+          </a:p>
+          <a:p>
+            <a:endParaRPr lang="en-US" dirty="0"/>
+          </a:p>
+          <a:p>
+            <a:r>
+              <a:rPr lang="en-US" dirty="0" err="1" smtClean="0"/>
+              <a:t>Zur</a:t>
+            </a:r>
+            <a:r>
+              <a:rPr lang="en-US" dirty="0" smtClean="0"/>
+              <a:t> </a:t>
+            </a:r>
+            <a:r>
+              <a:rPr lang="en-US" dirty="0" err="1" smtClean="0"/>
+              <a:t>gleichen</a:t>
+            </a:r>
+            <a:r>
+              <a:rPr lang="en-US" dirty="0" smtClean="0"/>
+              <a:t> </a:t>
+            </a:r>
+            <a:r>
+              <a:rPr lang="en-US" dirty="0" err="1" smtClean="0"/>
+              <a:t>Zeit</a:t>
+            </a:r>
+            <a:r>
+              <a:rPr lang="en-US" dirty="0" smtClean="0"/>
+              <a:t> </a:t>
+            </a:r>
+            <a:r>
+              <a:rPr lang="en-US" dirty="0" err="1" smtClean="0"/>
+              <a:t>wurden</a:t>
+            </a:r>
+            <a:r>
+              <a:rPr lang="en-US" dirty="0" smtClean="0"/>
+              <a:t> </a:t>
+            </a:r>
+            <a:r>
+              <a:rPr lang="en-US" dirty="0" err="1" smtClean="0"/>
+              <a:t>auch</a:t>
+            </a:r>
+            <a:r>
+              <a:rPr lang="en-US" dirty="0" smtClean="0"/>
+              <a:t> die </a:t>
+            </a:r>
+            <a:r>
+              <a:rPr lang="en-US" dirty="0" err="1" smtClean="0"/>
+              <a:t>verschiedenen</a:t>
+            </a:r>
+            <a:r>
+              <a:rPr lang="en-US" dirty="0" smtClean="0"/>
+              <a:t> Stakeholder </a:t>
+            </a:r>
+            <a:r>
+              <a:rPr lang="en-US" dirty="0" err="1" smtClean="0"/>
+              <a:t>indentifiziert</a:t>
+            </a:r>
+            <a:r>
+              <a:rPr lang="en-US" dirty="0" smtClean="0"/>
+              <a:t>.</a:t>
+            </a:r>
+            <a:endParaRPr lang="en-US" dirty="0"/>
           </a:p>
         </p:txBody>
       </p:sp>
@@ -51770,7 +56095,7 @@
           <a:p>
             <a:fld id="{3DA8AD82-44AD-4D66-AD7B-1F36F7CE3655}" type="datetime1">
               <a:rPr lang="de-CH" smtClean="0"/>
-              <a:t>20.02.17</a:t>
+              <a:t>28.02.17</a:t>
             </a:fld>
             <a:endParaRPr lang="de-CH" dirty="0"/>
           </a:p>
@@ -51802,7 +56127,7 @@
     </p:spTree>
     <p:extLst>
       <p:ext uri="{BB962C8B-B14F-4D97-AF65-F5344CB8AC3E}">
-        <p14:creationId xmlns:p14="http://schemas.microsoft.com/office/powerpoint/2010/main" val="1659023031"/>
+        <p14:creationId xmlns:p14="http://schemas.microsoft.com/office/powerpoint/2010/main" val="680887759"/>
       </p:ext>
     </p:extLst>
   </p:cSld>
@@ -51821,6 +56146,13 @@
       </p:transition>
     </mc:Fallback>
   </mc:AlternateContent>
+  <p:timing>
+    <p:tnLst>
+      <p:par>
+        <p:cTn id="1" dur="indefinite" restart="never" nodeType="tmRoot"/>
+      </p:par>
+    </p:tnLst>
+  </p:timing>
 </p:sld>
 </file>
 
@@ -51857,10 +56189,22 @@
           <a:lstStyle/>
           <a:p>
             <a:r>
-              <a:rPr lang="de-DE" dirty="0" smtClean="0"/>
-              <a:t>6. Fachliche Methoden</a:t>
-            </a:r>
-            <a:endParaRPr lang="de-DE" dirty="0"/>
+              <a:rPr lang="en-US" dirty="0" smtClean="0"/>
+              <a:t>4. </a:t>
+            </a:r>
+            <a:r>
+              <a:rPr lang="en-US" dirty="0" err="1" smtClean="0"/>
+              <a:t>Vorgehen</a:t>
+            </a:r>
+            <a:r>
+              <a:rPr lang="en-US" dirty="0" smtClean="0"/>
+              <a:t> - </a:t>
+            </a:r>
+            <a:r>
+              <a:rPr lang="en-US" dirty="0" err="1" smtClean="0"/>
+              <a:t>Qualitätsziele</a:t>
+            </a:r>
+            <a:endParaRPr lang="en-US" dirty="0"/>
           </a:p>
         </p:txBody>
       </p:sp>
@@ -51881,7 +56225,7 @@
           <a:p>
             <a:fld id="{3DA8AD82-44AD-4D66-AD7B-1F36F7CE3655}" type="datetime1">
               <a:rPr lang="de-CH" smtClean="0"/>
-              <a:t>20.02.17</a:t>
+              <a:t>28.02.17</a:t>
             </a:fld>
             <a:endParaRPr lang="de-CH" dirty="0"/>
           </a:p>
@@ -51910,328 +56254,109 @@
           </a:p>
         </p:txBody>
       </p:sp>
-      <p:graphicFrame>
-        <p:nvGraphicFramePr>
-          <p:cNvPr id="7" name="Table 6"/>
-          <p:cNvGraphicFramePr>
-            <a:graphicFrameLocks noGrp="1"/>
-          </p:cNvGraphicFramePr>
+      <p:sp>
+        <p:nvSpPr>
+          <p:cNvPr id="3" name="Content Placeholder 2"/>
+          <p:cNvSpPr>
+            <a:spLocks noGrp="1"/>
+          </p:cNvSpPr>
           <p:nvPr>
-            <p:extLst>
-              <p:ext uri="{D42A27DB-BD31-4B8C-83A1-F6EECF244321}">
-                <p14:modId xmlns:p14="http://schemas.microsoft.com/office/powerpoint/2010/main" val="1310641734"/>
-              </p:ext>
-            </p:extLst>
+            <p:ph idx="1"/>
           </p:nvPr>
-        </p:nvGraphicFramePr>
-        <p:xfrm>
-          <a:off x="972000" y="1397000"/>
-          <a:ext cx="7560000" cy="4028440"/>
-        </p:xfrm>
-        <a:graphic>
-          <a:graphicData uri="http://schemas.openxmlformats.org/drawingml/2006/table">
-            <a:tbl>
-              <a:tblPr firstRow="1" bandRow="1">
-                <a:tableStyleId>{5C22544A-7EE6-4342-B048-85BDC9FD1C3A}</a:tableStyleId>
-              </a:tblPr>
-              <a:tblGrid>
-                <a:gridCol w="2807912"/>
-                <a:gridCol w="4752088"/>
-              </a:tblGrid>
-              <a:tr h="370840">
-                <a:tc>
-                  <a:txBody>
-                    <a:bodyPr/>
-                    <a:lstStyle/>
-                    <a:p>
-                      <a:r>
-                        <a:rPr lang="de-DE" dirty="0" smtClean="0"/>
-                        <a:t>Methode</a:t>
-                      </a:r>
-                      <a:endParaRPr lang="de-DE" dirty="0"/>
-                    </a:p>
-                  </a:txBody>
-                  <a:tcPr/>
-                </a:tc>
-                <a:tc>
-                  <a:txBody>
-                    <a:bodyPr/>
-                    <a:lstStyle/>
-                    <a:p>
-                      <a:r>
-                        <a:rPr lang="de-DE" dirty="0" smtClean="0"/>
-                        <a:t>Beschreibung</a:t>
-                      </a:r>
-                      <a:endParaRPr lang="de-DE" dirty="0"/>
-                    </a:p>
-                  </a:txBody>
-                  <a:tcPr/>
-                </a:tc>
-              </a:tr>
-              <a:tr h="370840">
-                <a:tc>
-                  <a:txBody>
-                    <a:bodyPr/>
-                    <a:lstStyle/>
-                    <a:p>
-                      <a:r>
-                        <a:rPr lang="en-US" sz="1800" kern="1200" dirty="0" smtClean="0">
-                          <a:solidFill>
-                            <a:schemeClr val="dk1"/>
-                          </a:solidFill>
-                          <a:effectLst/>
-                          <a:latin typeface="+mn-lt"/>
-                          <a:ea typeface="+mn-ea"/>
-                          <a:cs typeface="+mn-cs"/>
-                        </a:rPr>
-                        <a:t>Test Driven Development</a:t>
-                      </a:r>
-                      <a:r>
-                        <a:rPr lang="en-US" dirty="0" smtClean="0">
-                          <a:effectLst/>
-                        </a:rPr>
-                        <a:t> </a:t>
-                      </a:r>
-                      <a:endParaRPr lang="de-DE" dirty="0"/>
-                    </a:p>
-                  </a:txBody>
-                  <a:tcPr/>
-                </a:tc>
-                <a:tc>
-                  <a:txBody>
-                    <a:bodyPr/>
-                    <a:lstStyle/>
-                    <a:p>
-                      <a:r>
-                        <a:rPr lang="de-CH" sz="1800" kern="1200" dirty="0" smtClean="0">
-                          <a:solidFill>
-                            <a:schemeClr val="dk1"/>
-                          </a:solidFill>
-                          <a:effectLst/>
-                          <a:latin typeface="+mn-lt"/>
-                          <a:ea typeface="+mn-ea"/>
-                          <a:cs typeface="+mn-cs"/>
-                        </a:rPr>
-                        <a:t>Methode bei welcher der Test vor der zu Implementierenden Klasse geschrieben wird.</a:t>
-                      </a:r>
-                      <a:endParaRPr lang="de-DE" dirty="0"/>
-                    </a:p>
-                  </a:txBody>
-                  <a:tcPr/>
-                </a:tc>
-              </a:tr>
-              <a:tr h="370840">
-                <a:tc>
-                  <a:txBody>
-                    <a:bodyPr/>
-                    <a:lstStyle/>
-                    <a:p>
-                      <a:r>
-                        <a:rPr lang="de-CH" sz="1800" kern="1200" dirty="0" err="1" smtClean="0">
-                          <a:solidFill>
-                            <a:schemeClr val="dk1"/>
-                          </a:solidFill>
-                          <a:effectLst/>
-                          <a:latin typeface="+mn-lt"/>
-                          <a:ea typeface="+mn-ea"/>
-                          <a:cs typeface="+mn-cs"/>
-                        </a:rPr>
-                        <a:t>Continuous</a:t>
-                      </a:r>
-                      <a:r>
-                        <a:rPr lang="de-CH" sz="1800" kern="1200" dirty="0" smtClean="0">
-                          <a:solidFill>
-                            <a:schemeClr val="dk1"/>
-                          </a:solidFill>
-                          <a:effectLst/>
-                          <a:latin typeface="+mn-lt"/>
-                          <a:ea typeface="+mn-ea"/>
-                          <a:cs typeface="+mn-cs"/>
-                        </a:rPr>
-                        <a:t> </a:t>
-                      </a:r>
-                      <a:r>
-                        <a:rPr lang="de-CH" sz="1800" kern="1200" dirty="0" err="1" smtClean="0">
-                          <a:solidFill>
-                            <a:schemeClr val="dk1"/>
-                          </a:solidFill>
-                          <a:effectLst/>
-                          <a:latin typeface="+mn-lt"/>
-                          <a:ea typeface="+mn-ea"/>
-                          <a:cs typeface="+mn-cs"/>
-                        </a:rPr>
-                        <a:t>Deployment</a:t>
-                      </a:r>
-                      <a:r>
-                        <a:rPr lang="en-US" dirty="0" smtClean="0">
-                          <a:effectLst/>
-                        </a:rPr>
-                        <a:t> </a:t>
-                      </a:r>
-                      <a:endParaRPr lang="de-DE" dirty="0"/>
-                    </a:p>
-                  </a:txBody>
-                  <a:tcPr/>
-                </a:tc>
-                <a:tc>
-                  <a:txBody>
-                    <a:bodyPr/>
-                    <a:lstStyle/>
-                    <a:p>
-                      <a:r>
-                        <a:rPr lang="de-CH" sz="1800" kern="1200" dirty="0" smtClean="0">
-                          <a:solidFill>
-                            <a:schemeClr val="dk1"/>
-                          </a:solidFill>
-                          <a:effectLst/>
-                          <a:latin typeface="+mn-lt"/>
-                          <a:ea typeface="+mn-ea"/>
-                          <a:cs typeface="+mn-cs"/>
-                        </a:rPr>
-                        <a:t>Methode mit welcher Änderungen an der Software direkt nach dem Check-In in ein Code Repository getestet und bei Erfolg in der Produktion installiert werden.</a:t>
-                      </a:r>
-                      <a:r>
-                        <a:rPr lang="en-US" dirty="0" smtClean="0">
-                          <a:effectLst/>
-                        </a:rPr>
-                        <a:t> </a:t>
-                      </a:r>
-                      <a:endParaRPr lang="de-DE" dirty="0"/>
-                    </a:p>
-                  </a:txBody>
-                  <a:tcPr/>
-                </a:tc>
-              </a:tr>
-              <a:tr h="370840">
-                <a:tc>
-                  <a:txBody>
-                    <a:bodyPr/>
-                    <a:lstStyle/>
-                    <a:p>
-                      <a:r>
-                        <a:rPr lang="de-CH" sz="1800" kern="1200" dirty="0" err="1" smtClean="0">
-                          <a:solidFill>
-                            <a:schemeClr val="dk1"/>
-                          </a:solidFill>
-                          <a:effectLst/>
-                          <a:latin typeface="+mn-lt"/>
-                          <a:ea typeface="+mn-ea"/>
-                          <a:cs typeface="+mn-cs"/>
-                        </a:rPr>
-                        <a:t>DevOps</a:t>
-                      </a:r>
-                      <a:r>
-                        <a:rPr lang="en-US" dirty="0" smtClean="0">
-                          <a:effectLst/>
-                        </a:rPr>
-                        <a:t> </a:t>
-                      </a:r>
-                      <a:endParaRPr lang="de-DE" dirty="0"/>
-                    </a:p>
-                  </a:txBody>
-                  <a:tcPr/>
-                </a:tc>
-                <a:tc>
-                  <a:txBody>
-                    <a:bodyPr/>
-                    <a:lstStyle/>
-                    <a:p>
-                      <a:r>
-                        <a:rPr lang="de-CH" sz="1800" kern="1200" dirty="0" smtClean="0">
-                          <a:solidFill>
-                            <a:schemeClr val="dk1"/>
-                          </a:solidFill>
-                          <a:effectLst/>
-                          <a:latin typeface="+mn-lt"/>
-                          <a:ea typeface="+mn-ea"/>
-                          <a:cs typeface="+mn-cs"/>
-                        </a:rPr>
-                        <a:t>Methode welche die Zusammenarbeit zwischen Systemadministratoren und Softwareentwicklern verbessert.</a:t>
-                      </a:r>
-                      <a:r>
-                        <a:rPr lang="en-US" dirty="0" smtClean="0">
-                          <a:effectLst/>
-                        </a:rPr>
-                        <a:t> </a:t>
-                      </a:r>
-                      <a:endParaRPr lang="de-DE" dirty="0"/>
-                    </a:p>
-                  </a:txBody>
-                  <a:tcPr/>
-                </a:tc>
-              </a:tr>
-              <a:tr h="370840">
-                <a:tc>
-                  <a:txBody>
-                    <a:bodyPr/>
-                    <a:lstStyle/>
-                    <a:p>
-                      <a:r>
-                        <a:rPr lang="de-CH" sz="1800" kern="1200" dirty="0" smtClean="0">
-                          <a:solidFill>
-                            <a:schemeClr val="dk1"/>
-                          </a:solidFill>
-                          <a:effectLst/>
-                          <a:latin typeface="+mn-lt"/>
-                          <a:ea typeface="+mn-ea"/>
-                          <a:cs typeface="+mn-cs"/>
-                        </a:rPr>
-                        <a:t>UML</a:t>
-                      </a:r>
-                      <a:r>
-                        <a:rPr lang="en-US" dirty="0" smtClean="0">
-                          <a:effectLst/>
-                        </a:rPr>
-                        <a:t> </a:t>
-                      </a:r>
-                      <a:endParaRPr lang="de-DE" dirty="0"/>
-                    </a:p>
-                  </a:txBody>
-                  <a:tcPr/>
-                </a:tc>
-                <a:tc>
-                  <a:txBody>
-                    <a:bodyPr/>
-                    <a:lstStyle/>
-                    <a:p>
-                      <a:r>
-                        <a:rPr lang="de-CH" sz="1800" kern="1200" dirty="0" smtClean="0">
-                          <a:solidFill>
-                            <a:schemeClr val="dk1"/>
-                          </a:solidFill>
-                          <a:effectLst/>
-                          <a:latin typeface="+mn-lt"/>
-                          <a:ea typeface="+mn-ea"/>
-                          <a:cs typeface="+mn-cs"/>
-                        </a:rPr>
-                        <a:t>Methode für die grafische Darstellung von Klassen-, Ablauf und Verteilungsdiagrammen</a:t>
-                      </a:r>
-                      <a:r>
-                        <a:rPr lang="en-US" sz="1800" kern="1200" dirty="0" smtClean="0">
-                          <a:solidFill>
-                            <a:schemeClr val="dk1"/>
-                          </a:solidFill>
-                          <a:effectLst/>
-                          <a:latin typeface="+mn-lt"/>
-                          <a:ea typeface="+mn-ea"/>
-                          <a:cs typeface="+mn-cs"/>
-                        </a:rPr>
-                        <a:t>.</a:t>
-                      </a:r>
-                      <a:endParaRPr lang="de-DE" dirty="0"/>
-                    </a:p>
-                  </a:txBody>
-                  <a:tcPr/>
-                </a:tc>
-              </a:tr>
-            </a:tbl>
-          </a:graphicData>
-        </a:graphic>
-      </p:graphicFrame>
+        </p:nvSpPr>
+        <p:spPr/>
+        <p:txBody>
+          <a:bodyPr/>
+          <a:lstStyle/>
+          <a:p>
+            <a:r>
+              <a:rPr lang="de-DE" dirty="0" smtClean="0"/>
+              <a:t>Die Anforderungen wurden </a:t>
+            </a:r>
+            <a:r>
+              <a:rPr lang="de-DE" dirty="0" err="1" smtClean="0"/>
+              <a:t>anschliessend</a:t>
+            </a:r>
+            <a:r>
+              <a:rPr lang="de-DE" dirty="0" smtClean="0"/>
+              <a:t> in </a:t>
+            </a:r>
+            <a:r>
+              <a:rPr lang="de-DE" dirty="0" err="1" smtClean="0"/>
+              <a:t>Qaulitätsziele</a:t>
+            </a:r>
+            <a:r>
+              <a:rPr lang="de-DE" dirty="0" smtClean="0"/>
+              <a:t> und passende Szenarien umgewandelt.</a:t>
+            </a:r>
+          </a:p>
+          <a:p>
+            <a:endParaRPr lang="de-DE" dirty="0" smtClean="0"/>
+          </a:p>
+          <a:p>
+            <a:endParaRPr lang="de-DE" dirty="0"/>
+          </a:p>
+          <a:p>
+            <a:r>
+              <a:rPr lang="de-DE" dirty="0"/>
+              <a:t>1. Der Zugriff auf sensitive Daten (PCI) darf nicht möglich </a:t>
+            </a:r>
+            <a:r>
+              <a:rPr lang="de-DE" dirty="0" smtClean="0"/>
+              <a:t>sein.</a:t>
+            </a:r>
+            <a:endParaRPr lang="de-DE" dirty="0"/>
+          </a:p>
+          <a:p>
+            <a:r>
+              <a:rPr lang="de-DE" dirty="0"/>
+              <a:t>2. Anpassungen an der Software sollen schnell eingeführt werden </a:t>
+            </a:r>
+            <a:r>
+              <a:rPr lang="de-DE" dirty="0" smtClean="0"/>
+              <a:t>können.</a:t>
+            </a:r>
+            <a:endParaRPr lang="de-DE" dirty="0"/>
+          </a:p>
+          <a:p>
+            <a:r>
+              <a:rPr lang="de-DE" dirty="0"/>
+              <a:t>3. Die Applikation soll einfach auf unterschiedlichen Umgebungen installiert werden </a:t>
+            </a:r>
+            <a:r>
+              <a:rPr lang="de-DE" dirty="0" smtClean="0"/>
+              <a:t>können.</a:t>
+            </a:r>
+            <a:endParaRPr lang="de-DE" dirty="0"/>
+          </a:p>
+          <a:p>
+            <a:r>
+              <a:rPr lang="de-DE" dirty="0"/>
+              <a:t>4. Der Kunde soll bei korrektem Ausfüllen der Daten sich registrieren </a:t>
+            </a:r>
+            <a:r>
+              <a:rPr lang="de-DE" dirty="0" smtClean="0"/>
+              <a:t>können</a:t>
+            </a:r>
+            <a:endParaRPr lang="de-DE" dirty="0"/>
+          </a:p>
+          <a:p>
+            <a:r>
+              <a:rPr lang="de-DE" dirty="0"/>
+              <a:t>5. Konfigurationsänderungen an der Applikation können ohne Unterbruch durchgeführt </a:t>
+            </a:r>
+            <a:r>
+              <a:rPr lang="de-DE" dirty="0" smtClean="0"/>
+              <a:t>werden.</a:t>
+            </a:r>
+            <a:endParaRPr lang="de-DE" dirty="0"/>
+          </a:p>
+        </p:txBody>
+      </p:sp>
     </p:spTree>
     <p:extLst>
       <p:ext uri="{BB962C8B-B14F-4D97-AF65-F5344CB8AC3E}">
-        <p14:creationId xmlns:p14="http://schemas.microsoft.com/office/powerpoint/2010/main" val="40690842"/>
+        <p14:creationId xmlns:p14="http://schemas.microsoft.com/office/powerpoint/2010/main" val="948238464"/>
       </p:ext>
     </p:extLst>
   </p:cSld>
